--- a/content/blog/probabilidade-chance/Imagens.pptx
+++ b/content/blog/probabilidade-chance/Imagens.pptx
@@ -5,13 +5,15 @@
     <p:sldMasterId id="2147483684" r:id="rId1"/>
   </p:sldMasterIdLst>
   <p:notesMasterIdLst>
-    <p:notesMasterId r:id="rId6"/>
+    <p:notesMasterId r:id="rId8"/>
   </p:notesMasterIdLst>
   <p:sldIdLst>
     <p:sldId id="256" r:id="rId2"/>
-    <p:sldId id="260" r:id="rId3"/>
-    <p:sldId id="261" r:id="rId4"/>
-    <p:sldId id="259" r:id="rId5"/>
+    <p:sldId id="262" r:id="rId3"/>
+    <p:sldId id="263" r:id="rId4"/>
+    <p:sldId id="260" r:id="rId5"/>
+    <p:sldId id="261" r:id="rId6"/>
+    <p:sldId id="259" r:id="rId7"/>
   </p:sldIdLst>
   <p:sldSz cx="21599525" cy="8999538"/>
   <p:notesSz cx="6858000" cy="9144000"/>
@@ -211,7 +213,7 @@
           <a:p>
             <a:fld id="{06A59348-3894-4A11-9D98-4DBC5CC7DD3C}" type="datetimeFigureOut">
               <a:rPr lang="pt-BR" smtClean="0"/>
-              <a:t>12/06/2025</a:t>
+              <a:t>16/06/2025</a:t>
             </a:fld>
             <a:endParaRPr lang="pt-BR"/>
           </a:p>
@@ -594,12 +596,7 @@
             <p:ph type="sldImg"/>
           </p:nvPr>
         </p:nvSpPr>
-        <p:spPr>
-          <a:xfrm>
-            <a:off x="-274638" y="1143000"/>
-            <a:ext cx="7407276" cy="3086100"/>
-          </a:xfrm>
-        </p:spPr>
+        <p:spPr/>
       </p:sp>
       <p:sp>
         <p:nvSpPr>
@@ -637,7 +634,7 @@
           <a:p>
             <a:fld id="{B6AC6C04-AF45-443A-9603-31BAEA0DF429}" type="slidenum">
               <a:rPr lang="pt-BR" smtClean="0"/>
-              <a:t>2</a:t>
+              <a:t>3</a:t>
             </a:fld>
             <a:endParaRPr lang="pt-BR"/>
           </a:p>
@@ -646,7 +643,7 @@
     </p:spTree>
     <p:extLst>
       <p:ext uri="{BB962C8B-B14F-4D97-AF65-F5344CB8AC3E}">
-        <p14:creationId xmlns:p14="http://schemas.microsoft.com/office/powerpoint/2010/main" val="1167774740"/>
+        <p14:creationId xmlns:p14="http://schemas.microsoft.com/office/powerpoint/2010/main" val="3323426668"/>
       </p:ext>
     </p:extLst>
   </p:cSld>
@@ -726,7 +723,7 @@
           <a:p>
             <a:fld id="{B6AC6C04-AF45-443A-9603-31BAEA0DF429}" type="slidenum">
               <a:rPr lang="pt-BR" smtClean="0"/>
-              <a:t>3</a:t>
+              <a:t>4</a:t>
             </a:fld>
             <a:endParaRPr lang="pt-BR"/>
           </a:p>
@@ -735,7 +732,7 @@
     </p:spTree>
     <p:extLst>
       <p:ext uri="{BB962C8B-B14F-4D97-AF65-F5344CB8AC3E}">
-        <p14:creationId xmlns:p14="http://schemas.microsoft.com/office/powerpoint/2010/main" val="1025767750"/>
+        <p14:creationId xmlns:p14="http://schemas.microsoft.com/office/powerpoint/2010/main" val="1167774740"/>
       </p:ext>
     </p:extLst>
   </p:cSld>
@@ -815,7 +812,96 @@
           <a:p>
             <a:fld id="{B6AC6C04-AF45-443A-9603-31BAEA0DF429}" type="slidenum">
               <a:rPr lang="pt-BR" smtClean="0"/>
-              <a:t>4</a:t>
+              <a:t>5</a:t>
+            </a:fld>
+            <a:endParaRPr lang="pt-BR"/>
+          </a:p>
+        </p:txBody>
+      </p:sp>
+    </p:spTree>
+    <p:extLst>
+      <p:ext uri="{BB962C8B-B14F-4D97-AF65-F5344CB8AC3E}">
+        <p14:creationId xmlns:p14="http://schemas.microsoft.com/office/powerpoint/2010/main" val="1025767750"/>
+      </p:ext>
+    </p:extLst>
+  </p:cSld>
+  <p:clrMapOvr>
+    <a:masterClrMapping/>
+  </p:clrMapOvr>
+</p:notes>
+</file>
+
+<file path=ppt/notesSlides/notesSlide5.xml><?xml version="1.0" encoding="utf-8"?>
+<p:notes xmlns:a="http://schemas.openxmlformats.org/drawingml/2006/main" xmlns:r="http://schemas.openxmlformats.org/officeDocument/2006/relationships" xmlns:p="http://schemas.openxmlformats.org/presentationml/2006/main">
+  <p:cSld>
+    <p:spTree>
+      <p:nvGrpSpPr>
+        <p:cNvPr id="1" name=""/>
+        <p:cNvGrpSpPr/>
+        <p:nvPr/>
+      </p:nvGrpSpPr>
+      <p:grpSpPr>
+        <a:xfrm>
+          <a:off x="0" y="0"/>
+          <a:ext cx="0" cy="0"/>
+          <a:chOff x="0" y="0"/>
+          <a:chExt cx="0" cy="0"/>
+        </a:xfrm>
+      </p:grpSpPr>
+      <p:sp>
+        <p:nvSpPr>
+          <p:cNvPr id="2" name="Espaço Reservado para Imagem de Slide 1"/>
+          <p:cNvSpPr>
+            <a:spLocks noGrp="1" noRot="1" noChangeAspect="1"/>
+          </p:cNvSpPr>
+          <p:nvPr>
+            <p:ph type="sldImg"/>
+          </p:nvPr>
+        </p:nvSpPr>
+        <p:spPr>
+          <a:xfrm>
+            <a:off x="-274638" y="1143000"/>
+            <a:ext cx="7407276" cy="3086100"/>
+          </a:xfrm>
+        </p:spPr>
+      </p:sp>
+      <p:sp>
+        <p:nvSpPr>
+          <p:cNvPr id="3" name="Espaço Reservado para Anotações 2"/>
+          <p:cNvSpPr>
+            <a:spLocks noGrp="1"/>
+          </p:cNvSpPr>
+          <p:nvPr>
+            <p:ph type="body" idx="1"/>
+          </p:nvPr>
+        </p:nvSpPr>
+        <p:spPr/>
+        <p:txBody>
+          <a:bodyPr/>
+          <a:lstStyle/>
+          <a:p>
+            <a:endParaRPr lang="pt-BR" dirty="0"/>
+          </a:p>
+        </p:txBody>
+      </p:sp>
+      <p:sp>
+        <p:nvSpPr>
+          <p:cNvPr id="4" name="Espaço Reservado para Número de Slide 3"/>
+          <p:cNvSpPr>
+            <a:spLocks noGrp="1"/>
+          </p:cNvSpPr>
+          <p:nvPr>
+            <p:ph type="sldNum" sz="quarter" idx="5"/>
+          </p:nvPr>
+        </p:nvSpPr>
+        <p:spPr/>
+        <p:txBody>
+          <a:bodyPr/>
+          <a:lstStyle/>
+          <a:p>
+            <a:fld id="{B6AC6C04-AF45-443A-9603-31BAEA0DF429}" type="slidenum">
+              <a:rPr lang="pt-BR" smtClean="0"/>
+              <a:t>6</a:t>
             </a:fld>
             <a:endParaRPr lang="pt-BR"/>
           </a:p>
@@ -965,7 +1051,7 @@
           <a:p>
             <a:fld id="{B77C6E60-F727-41EB-B207-8C63B608B99F}" type="datetimeFigureOut">
               <a:rPr lang="pt-BR" smtClean="0"/>
-              <a:t>12/06/2025</a:t>
+              <a:t>16/06/2025</a:t>
             </a:fld>
             <a:endParaRPr lang="pt-BR"/>
           </a:p>
@@ -1135,7 +1221,7 @@
           <a:p>
             <a:fld id="{B77C6E60-F727-41EB-B207-8C63B608B99F}" type="datetimeFigureOut">
               <a:rPr lang="pt-BR" smtClean="0"/>
-              <a:t>12/06/2025</a:t>
+              <a:t>16/06/2025</a:t>
             </a:fld>
             <a:endParaRPr lang="pt-BR"/>
           </a:p>
@@ -1315,7 +1401,7 @@
           <a:p>
             <a:fld id="{B77C6E60-F727-41EB-B207-8C63B608B99F}" type="datetimeFigureOut">
               <a:rPr lang="pt-BR" smtClean="0"/>
-              <a:t>12/06/2025</a:t>
+              <a:t>16/06/2025</a:t>
             </a:fld>
             <a:endParaRPr lang="pt-BR"/>
           </a:p>
@@ -1761,7 +1847,7 @@
           <a:p>
             <a:fld id="{B77C6E60-F727-41EB-B207-8C63B608B99F}" type="datetimeFigureOut">
               <a:rPr lang="pt-BR" smtClean="0"/>
-              <a:t>12/06/2025</a:t>
+              <a:t>16/06/2025</a:t>
             </a:fld>
             <a:endParaRPr lang="pt-BR"/>
           </a:p>
@@ -2007,7 +2093,7 @@
           <a:p>
             <a:fld id="{B77C6E60-F727-41EB-B207-8C63B608B99F}" type="datetimeFigureOut">
               <a:rPr lang="pt-BR" smtClean="0"/>
-              <a:t>12/06/2025</a:t>
+              <a:t>16/06/2025</a:t>
             </a:fld>
             <a:endParaRPr lang="pt-BR"/>
           </a:p>
@@ -2239,7 +2325,7 @@
           <a:p>
             <a:fld id="{B77C6E60-F727-41EB-B207-8C63B608B99F}" type="datetimeFigureOut">
               <a:rPr lang="pt-BR" smtClean="0"/>
-              <a:t>12/06/2025</a:t>
+              <a:t>16/06/2025</a:t>
             </a:fld>
             <a:endParaRPr lang="pt-BR"/>
           </a:p>
@@ -2606,7 +2692,7 @@
           <a:p>
             <a:fld id="{B77C6E60-F727-41EB-B207-8C63B608B99F}" type="datetimeFigureOut">
               <a:rPr lang="pt-BR" smtClean="0"/>
-              <a:t>12/06/2025</a:t>
+              <a:t>16/06/2025</a:t>
             </a:fld>
             <a:endParaRPr lang="pt-BR"/>
           </a:p>
@@ -2724,7 +2810,7 @@
           <a:p>
             <a:fld id="{B77C6E60-F727-41EB-B207-8C63B608B99F}" type="datetimeFigureOut">
               <a:rPr lang="pt-BR" smtClean="0"/>
-              <a:t>12/06/2025</a:t>
+              <a:t>16/06/2025</a:t>
             </a:fld>
             <a:endParaRPr lang="pt-BR"/>
           </a:p>
@@ -2819,7 +2905,7 @@
           <a:p>
             <a:fld id="{C764DE79-268F-4C1A-8933-263129D2AF90}" type="datetimeFigureOut">
               <a:rPr lang="en-US" smtClean="0"/>
-              <a:t>6/12/25</a:t>
+              <a:t>6/16/25</a:t>
             </a:fld>
             <a:endParaRPr lang="en-US" dirty="0"/>
           </a:p>
@@ -3096,7 +3182,7 @@
           <a:p>
             <a:fld id="{B77C6E60-F727-41EB-B207-8C63B608B99F}" type="datetimeFigureOut">
               <a:rPr lang="pt-BR" smtClean="0"/>
-              <a:t>12/06/2025</a:t>
+              <a:t>16/06/2025</a:t>
             </a:fld>
             <a:endParaRPr lang="pt-BR"/>
           </a:p>
@@ -3353,7 +3439,7 @@
           <a:p>
             <a:fld id="{B77C6E60-F727-41EB-B207-8C63B608B99F}" type="datetimeFigureOut">
               <a:rPr lang="pt-BR" smtClean="0"/>
-              <a:t>12/06/2025</a:t>
+              <a:t>16/06/2025</a:t>
             </a:fld>
             <a:endParaRPr lang="pt-BR"/>
           </a:p>
@@ -3566,7 +3652,7 @@
           <a:p>
             <a:fld id="{B77C6E60-F727-41EB-B207-8C63B608B99F}" type="datetimeFigureOut">
               <a:rPr lang="pt-BR" smtClean="0"/>
-              <a:t>12/06/2025</a:t>
+              <a:t>16/06/2025</a:t>
             </a:fld>
             <a:endParaRPr lang="pt-BR"/>
           </a:p>
@@ -3975,10 +4061,10 @@
       </p:grpSpPr>
       <p:sp>
         <p:nvSpPr>
-          <p:cNvPr id="10" name="Retângulo 9">
+          <p:cNvPr id="16" name="Retângulo 15">
             <a:extLst>
               <a:ext uri="{FF2B5EF4-FFF2-40B4-BE49-F238E27FC236}">
-                <a16:creationId xmlns:a16="http://schemas.microsoft.com/office/drawing/2014/main" id="{2D967A7F-6EB4-7B1C-89C9-7BB6CAF25713}"/>
+                <a16:creationId xmlns:a16="http://schemas.microsoft.com/office/drawing/2014/main" id="{A4EA68ED-2307-384D-FE80-C69EA587434D}"/>
               </a:ext>
             </a:extLst>
           </p:cNvPr>
@@ -3987,8 +4073,8 @@
         </p:nvSpPr>
         <p:spPr>
           <a:xfrm>
-            <a:off x="1430095" y="360132"/>
-            <a:ext cx="8707582" cy="1600200"/>
+            <a:off x="13588550" y="2232228"/>
+            <a:ext cx="5263741" cy="800100"/>
           </a:xfrm>
           <a:prstGeom prst="rect">
             <a:avLst/>
@@ -4027,1577 +4113,10 @@
       </p:sp>
       <p:sp>
         <p:nvSpPr>
-          <p:cNvPr id="69" name="CaixaDeTexto 68">
+          <p:cNvPr id="12" name="Retângulo 11">
             <a:extLst>
               <a:ext uri="{FF2B5EF4-FFF2-40B4-BE49-F238E27FC236}">
-                <a16:creationId xmlns:a16="http://schemas.microsoft.com/office/drawing/2014/main" id="{388B16AE-9DE6-4348-BAEB-340A991809A3}"/>
-              </a:ext>
-            </a:extLst>
-          </p:cNvPr>
-          <p:cNvSpPr txBox="1"/>
-          <p:nvPr/>
-        </p:nvSpPr>
-        <p:spPr>
-          <a:xfrm>
-            <a:off x="2366065" y="8448286"/>
-            <a:ext cx="2591072" cy="400110"/>
-          </a:xfrm>
-          <a:prstGeom prst="rect">
-            <a:avLst/>
-          </a:prstGeom>
-          <a:noFill/>
-        </p:spPr>
-        <p:txBody>
-          <a:bodyPr wrap="square" rtlCol="0">
-            <a:spAutoFit/>
-          </a:bodyPr>
-          <a:lstStyle/>
-          <a:p>
-            <a:pPr algn="ctr"/>
-            <a:r>
-              <a:rPr lang="pt-BR" sz="2000" dirty="0">
-                <a:solidFill>
-                  <a:schemeClr val="bg1">
-                    <a:lumMod val="75000"/>
-                  </a:schemeClr>
-                </a:solidFill>
-                <a:latin typeface="Nunito" panose="00000500000000000000" pitchFamily="2" charset="0"/>
-                <a:cs typeface="Segoe UI" panose="020B0502040204020203" pitchFamily="34" charset="0"/>
-              </a:rPr>
-              <a:t>@</a:t>
-            </a:r>
-            <a:r>
-              <a:rPr lang="pt-BR" sz="2000" dirty="0" err="1">
-                <a:solidFill>
-                  <a:schemeClr val="bg1">
-                    <a:lumMod val="75000"/>
-                  </a:schemeClr>
-                </a:solidFill>
-                <a:latin typeface="Nunito" panose="00000500000000000000" pitchFamily="2" charset="0"/>
-                <a:cs typeface="Segoe UI" panose="020B0502040204020203" pitchFamily="34" charset="0"/>
-              </a:rPr>
-              <a:t>estatisticaaplicada</a:t>
-            </a:r>
-            <a:endParaRPr lang="pt-BR" sz="2000" dirty="0">
-              <a:solidFill>
-                <a:schemeClr val="bg1">
-                  <a:lumMod val="75000"/>
-                </a:schemeClr>
-              </a:solidFill>
-              <a:latin typeface="Nunito" panose="00000500000000000000" pitchFamily="2" charset="0"/>
-              <a:cs typeface="Segoe UI" panose="020B0502040204020203" pitchFamily="34" charset="0"/>
-            </a:endParaRPr>
-          </a:p>
-        </p:txBody>
-      </p:sp>
-      <p:sp>
-        <p:nvSpPr>
-          <p:cNvPr id="71" name="CaixaDeTexto 70">
-            <a:extLst>
-              <a:ext uri="{FF2B5EF4-FFF2-40B4-BE49-F238E27FC236}">
-                <a16:creationId xmlns:a16="http://schemas.microsoft.com/office/drawing/2014/main" id="{D292049D-170F-4EEA-8FED-0A7FEAB33B1B}"/>
-              </a:ext>
-            </a:extLst>
-          </p:cNvPr>
-          <p:cNvSpPr txBox="1"/>
-          <p:nvPr/>
-        </p:nvSpPr>
-        <p:spPr>
-          <a:xfrm>
-            <a:off x="9547915" y="8448286"/>
-            <a:ext cx="2591072" cy="400110"/>
-          </a:xfrm>
-          <a:prstGeom prst="rect">
-            <a:avLst/>
-          </a:prstGeom>
-          <a:noFill/>
-        </p:spPr>
-        <p:txBody>
-          <a:bodyPr wrap="square" rtlCol="0">
-            <a:spAutoFit/>
-          </a:bodyPr>
-          <a:lstStyle/>
-          <a:p>
-            <a:pPr algn="ctr"/>
-            <a:r>
-              <a:rPr lang="pt-BR" sz="2000" dirty="0">
-                <a:solidFill>
-                  <a:schemeClr val="bg1">
-                    <a:lumMod val="75000"/>
-                  </a:schemeClr>
-                </a:solidFill>
-                <a:latin typeface="Nunito" panose="00000500000000000000" pitchFamily="2" charset="0"/>
-                <a:cs typeface="Segoe UI" panose="020B0502040204020203" pitchFamily="34" charset="0"/>
-              </a:rPr>
-              <a:t>@</a:t>
-            </a:r>
-            <a:r>
-              <a:rPr lang="pt-BR" sz="2000" dirty="0" err="1">
-                <a:solidFill>
-                  <a:schemeClr val="bg1">
-                    <a:lumMod val="75000"/>
-                  </a:schemeClr>
-                </a:solidFill>
-                <a:latin typeface="Nunito" panose="00000500000000000000" pitchFamily="2" charset="0"/>
-                <a:cs typeface="Segoe UI" panose="020B0502040204020203" pitchFamily="34" charset="0"/>
-              </a:rPr>
-              <a:t>estatisticaaplicada</a:t>
-            </a:r>
-            <a:endParaRPr lang="pt-BR" sz="2000" dirty="0">
-              <a:solidFill>
-                <a:schemeClr val="bg1">
-                  <a:lumMod val="75000"/>
-                </a:schemeClr>
-              </a:solidFill>
-              <a:latin typeface="Nunito" panose="00000500000000000000" pitchFamily="2" charset="0"/>
-              <a:cs typeface="Segoe UI" panose="020B0502040204020203" pitchFamily="34" charset="0"/>
-            </a:endParaRPr>
-          </a:p>
-        </p:txBody>
-      </p:sp>
-      <p:sp>
-        <p:nvSpPr>
-          <p:cNvPr id="72" name="CaixaDeTexto 71">
-            <a:extLst>
-              <a:ext uri="{FF2B5EF4-FFF2-40B4-BE49-F238E27FC236}">
-                <a16:creationId xmlns:a16="http://schemas.microsoft.com/office/drawing/2014/main" id="{E9DD49C5-96FD-4FE4-B3CA-C44158EF6402}"/>
-              </a:ext>
-            </a:extLst>
-          </p:cNvPr>
-          <p:cNvSpPr txBox="1"/>
-          <p:nvPr/>
-        </p:nvSpPr>
-        <p:spPr>
-          <a:xfrm>
-            <a:off x="16757259" y="8448286"/>
-            <a:ext cx="2591072" cy="400110"/>
-          </a:xfrm>
-          <a:prstGeom prst="rect">
-            <a:avLst/>
-          </a:prstGeom>
-          <a:noFill/>
-        </p:spPr>
-        <p:txBody>
-          <a:bodyPr wrap="square" rtlCol="0">
-            <a:spAutoFit/>
-          </a:bodyPr>
-          <a:lstStyle/>
-          <a:p>
-            <a:pPr algn="ctr"/>
-            <a:r>
-              <a:rPr lang="pt-BR" sz="2000" dirty="0">
-                <a:solidFill>
-                  <a:schemeClr val="bg1">
-                    <a:lumMod val="75000"/>
-                  </a:schemeClr>
-                </a:solidFill>
-                <a:latin typeface="Nunito" panose="00000500000000000000" pitchFamily="2" charset="0"/>
-                <a:cs typeface="Segoe UI" panose="020B0502040204020203" pitchFamily="34" charset="0"/>
-              </a:rPr>
-              <a:t>@</a:t>
-            </a:r>
-            <a:r>
-              <a:rPr lang="pt-BR" sz="2000" dirty="0" err="1">
-                <a:solidFill>
-                  <a:schemeClr val="bg1">
-                    <a:lumMod val="75000"/>
-                  </a:schemeClr>
-                </a:solidFill>
-                <a:latin typeface="Nunito" panose="00000500000000000000" pitchFamily="2" charset="0"/>
-                <a:cs typeface="Segoe UI" panose="020B0502040204020203" pitchFamily="34" charset="0"/>
-              </a:rPr>
-              <a:t>estatisticaaplicada</a:t>
-            </a:r>
-            <a:endParaRPr lang="pt-BR" sz="2000" dirty="0">
-              <a:solidFill>
-                <a:schemeClr val="bg1">
-                  <a:lumMod val="75000"/>
-                </a:schemeClr>
-              </a:solidFill>
-              <a:latin typeface="Nunito" panose="00000500000000000000" pitchFamily="2" charset="0"/>
-              <a:cs typeface="Segoe UI" panose="020B0502040204020203" pitchFamily="34" charset="0"/>
-            </a:endParaRPr>
-          </a:p>
-        </p:txBody>
-      </p:sp>
-      <p:sp>
-        <p:nvSpPr>
-          <p:cNvPr id="35" name="CaixaDeTexto 34">
-            <a:extLst>
-              <a:ext uri="{FF2B5EF4-FFF2-40B4-BE49-F238E27FC236}">
-                <a16:creationId xmlns:a16="http://schemas.microsoft.com/office/drawing/2014/main" id="{0B2DE0A8-79A7-5E06-9B42-D10E71AC1501}"/>
-              </a:ext>
-            </a:extLst>
-          </p:cNvPr>
-          <p:cNvSpPr txBox="1"/>
-          <p:nvPr/>
-        </p:nvSpPr>
-        <p:spPr>
-          <a:xfrm>
-            <a:off x="14917365" y="594150"/>
-            <a:ext cx="6088335" cy="1200329"/>
-          </a:xfrm>
-          <a:prstGeom prst="rect">
-            <a:avLst/>
-          </a:prstGeom>
-          <a:noFill/>
-        </p:spPr>
-        <p:txBody>
-          <a:bodyPr wrap="square">
-            <a:spAutoFit/>
-          </a:bodyPr>
-          <a:lstStyle/>
-          <a:p>
-            <a:r>
-              <a:rPr lang="pt-BR" sz="2400" dirty="0">
-                <a:latin typeface="Nunito" panose="00000500000000000000" pitchFamily="2" charset="0"/>
-                <a:cs typeface="Segoe UI" panose="020B0502040204020203" pitchFamily="34" charset="0"/>
-              </a:rPr>
-              <a:t>... uma boa estimativa dessa probabilidade é a </a:t>
-            </a:r>
-            <a:r>
-              <a:rPr lang="pt-BR" sz="2400" b="1" dirty="0">
-                <a:solidFill>
-                  <a:srgbClr val="68357A"/>
-                </a:solidFill>
-                <a:latin typeface="Nunito" panose="00000500000000000000" pitchFamily="2" charset="0"/>
-                <a:cs typeface="Segoe UI" panose="020B0502040204020203" pitchFamily="34" charset="0"/>
-              </a:rPr>
-              <a:t>frequência</a:t>
-            </a:r>
-            <a:r>
-              <a:rPr lang="pt-BR" sz="2400" dirty="0">
-                <a:latin typeface="Nunito" panose="00000500000000000000" pitchFamily="2" charset="0"/>
-                <a:cs typeface="Segoe UI" panose="020B0502040204020203" pitchFamily="34" charset="0"/>
-              </a:rPr>
-              <a:t> com que esses acidentes acontecem, que é dada por:</a:t>
-            </a:r>
-            <a:endParaRPr lang="pt-BR" sz="2400" dirty="0"/>
-          </a:p>
-        </p:txBody>
-      </p:sp>
-      <mc:AlternateContent xmlns:mc="http://schemas.openxmlformats.org/markup-compatibility/2006" xmlns:a14="http://schemas.microsoft.com/office/drawing/2010/main">
-        <mc:Choice Requires="a14">
-          <p:sp>
-            <p:nvSpPr>
-              <p:cNvPr id="39" name="CaixaDeTexto 38">
-                <a:extLst>
-                  <a:ext uri="{FF2B5EF4-FFF2-40B4-BE49-F238E27FC236}">
-                    <a16:creationId xmlns:a16="http://schemas.microsoft.com/office/drawing/2014/main" id="{592DD118-9D77-88C5-CF6A-45F2CAD04D90}"/>
-                  </a:ext>
-                </a:extLst>
-              </p:cNvPr>
-              <p:cNvSpPr txBox="1"/>
-              <p:nvPr/>
-            </p:nvSpPr>
-            <p:spPr>
-              <a:xfrm>
-                <a:off x="15098460" y="2208677"/>
-                <a:ext cx="5908669" cy="696922"/>
-              </a:xfrm>
-              <a:prstGeom prst="rect">
-                <a:avLst/>
-              </a:prstGeom>
-              <a:noFill/>
-            </p:spPr>
-            <p:txBody>
-              <a:bodyPr wrap="none" lIns="0" tIns="0" rIns="0" bIns="0" rtlCol="0">
-                <a:spAutoFit/>
-              </a:bodyPr>
-              <a:lstStyle/>
-              <a:p>
-                <a:pPr/>
-                <a14:m>
-                  <m:oMathPara xmlns:m="http://schemas.openxmlformats.org/officeDocument/2006/math">
-                    <m:oMathParaPr>
-                      <m:jc m:val="centerGroup"/>
-                    </m:oMathParaPr>
-                    <m:oMath xmlns:m="http://schemas.openxmlformats.org/officeDocument/2006/math">
-                      <m:f>
-                        <m:fPr>
-                          <m:ctrlPr>
-                            <a:rPr lang="pt-BR" sz="2200" i="1" smtClean="0">
-                              <a:latin typeface="Cambria Math" panose="02040503050406030204" pitchFamily="18" charset="0"/>
-                            </a:rPr>
-                          </m:ctrlPr>
-                        </m:fPr>
-                        <m:num>
-                          <m:r>
-                            <m:rPr>
-                              <m:nor/>
-                            </m:rPr>
-                            <a:rPr lang="pt-BR" sz="2200" b="0" i="0" smtClean="0">
-                              <a:latin typeface="Nunito" pitchFamily="2" charset="77"/>
-                            </a:rPr>
-                            <m:t>Quantidade</m:t>
-                          </m:r>
-                          <m:r>
-                            <m:rPr>
-                              <m:nor/>
-                            </m:rPr>
-                            <a:rPr lang="pt-BR" sz="2200" b="0" i="0" smtClean="0">
-                              <a:latin typeface="Nunito" pitchFamily="2" charset="77"/>
-                            </a:rPr>
-                            <m:t> </m:t>
-                          </m:r>
-                          <m:r>
-                            <m:rPr>
-                              <m:nor/>
-                            </m:rPr>
-                            <a:rPr lang="pt-BR" sz="2200" b="0" i="0" smtClean="0">
-                              <a:latin typeface="Nunito" pitchFamily="2" charset="77"/>
-                            </a:rPr>
-                            <m:t>de</m:t>
-                          </m:r>
-                          <m:r>
-                            <m:rPr>
-                              <m:nor/>
-                            </m:rPr>
-                            <a:rPr lang="pt-BR" sz="2200" b="0" i="0" smtClean="0">
-                              <a:latin typeface="Nunito" pitchFamily="2" charset="77"/>
-                            </a:rPr>
-                            <m:t> </m:t>
-                          </m:r>
-                          <m:r>
-                            <m:rPr>
-                              <m:nor/>
-                            </m:rPr>
-                            <a:rPr lang="pt-BR" sz="2200" b="0" i="0" smtClean="0">
-                              <a:latin typeface="Nunito" pitchFamily="2" charset="77"/>
-                            </a:rPr>
-                            <m:t>voos</m:t>
-                          </m:r>
-                          <m:r>
-                            <m:rPr>
-                              <m:nor/>
-                            </m:rPr>
-                            <a:rPr lang="pt-BR" sz="2200" b="0" i="0" smtClean="0">
-                              <a:latin typeface="Nunito" pitchFamily="2" charset="77"/>
-                            </a:rPr>
-                            <m:t> </m:t>
-                          </m:r>
-                          <m:r>
-                            <m:rPr>
-                              <m:nor/>
-                            </m:rPr>
-                            <a:rPr lang="pt-BR" sz="2200" b="0" i="0" smtClean="0">
-                              <a:latin typeface="Nunito" pitchFamily="2" charset="77"/>
-                            </a:rPr>
-                            <m:t>comerciais</m:t>
-                          </m:r>
-                          <m:r>
-                            <m:rPr>
-                              <m:nor/>
-                            </m:rPr>
-                            <a:rPr lang="pt-BR" sz="2200" b="0" i="0" smtClean="0">
-                              <a:latin typeface="Nunito" pitchFamily="2" charset="77"/>
-                            </a:rPr>
-                            <m:t> </m:t>
-                          </m:r>
-                          <m:r>
-                            <m:rPr>
-                              <m:nor/>
-                            </m:rPr>
-                            <a:rPr lang="pt-BR" sz="2200" b="0" i="0" smtClean="0">
-                              <a:latin typeface="Nunito" pitchFamily="2" charset="77"/>
-                            </a:rPr>
-                            <m:t>com</m:t>
-                          </m:r>
-                          <m:r>
-                            <m:rPr>
-                              <m:nor/>
-                            </m:rPr>
-                            <a:rPr lang="pt-BR" sz="2200" b="0" i="0" smtClean="0">
-                              <a:latin typeface="Nunito" pitchFamily="2" charset="77"/>
-                            </a:rPr>
-                            <m:t> </m:t>
-                          </m:r>
-                          <m:r>
-                            <m:rPr>
-                              <m:nor/>
-                            </m:rPr>
-                            <a:rPr lang="pt-BR" sz="2200" b="0" i="0" smtClean="0">
-                              <a:latin typeface="Nunito" pitchFamily="2" charset="77"/>
-                            </a:rPr>
-                            <m:t>fatalidade</m:t>
-                          </m:r>
-                        </m:num>
-                        <m:den>
-                          <m:r>
-                            <m:rPr>
-                              <m:nor/>
-                            </m:rPr>
-                            <a:rPr lang="pt-BR" sz="2200" b="0" i="0" smtClean="0">
-                              <a:latin typeface="Nunito" pitchFamily="2" charset="77"/>
-                            </a:rPr>
-                            <m:t>Total</m:t>
-                          </m:r>
-                          <m:r>
-                            <m:rPr>
-                              <m:nor/>
-                            </m:rPr>
-                            <a:rPr lang="pt-BR" sz="2200" b="0" i="0" smtClean="0">
-                              <a:latin typeface="Nunito" pitchFamily="2" charset="77"/>
-                            </a:rPr>
-                            <m:t> </m:t>
-                          </m:r>
-                          <m:r>
-                            <m:rPr>
-                              <m:nor/>
-                            </m:rPr>
-                            <a:rPr lang="pt-BR" sz="2200" b="0" i="0" smtClean="0">
-                              <a:latin typeface="Nunito" pitchFamily="2" charset="77"/>
-                            </a:rPr>
-                            <m:t>de</m:t>
-                          </m:r>
-                          <m:r>
-                            <m:rPr>
-                              <m:nor/>
-                            </m:rPr>
-                            <a:rPr lang="pt-BR" sz="2200" b="0" i="0" smtClean="0">
-                              <a:latin typeface="Nunito" pitchFamily="2" charset="77"/>
-                            </a:rPr>
-                            <m:t> </m:t>
-                          </m:r>
-                          <m:r>
-                            <m:rPr>
-                              <m:nor/>
-                            </m:rPr>
-                            <a:rPr lang="pt-BR" sz="2200" b="0" i="0" smtClean="0">
-                              <a:latin typeface="Nunito" pitchFamily="2" charset="77"/>
-                            </a:rPr>
-                            <m:t>voos</m:t>
-                          </m:r>
-                          <m:r>
-                            <m:rPr>
-                              <m:nor/>
-                            </m:rPr>
-                            <a:rPr lang="pt-BR" sz="2200" b="0" i="0" smtClean="0">
-                              <a:latin typeface="Nunito" pitchFamily="2" charset="77"/>
-                            </a:rPr>
-                            <m:t> </m:t>
-                          </m:r>
-                          <m:r>
-                            <m:rPr>
-                              <m:nor/>
-                            </m:rPr>
-                            <a:rPr lang="pt-BR" sz="2200" b="0" i="0" smtClean="0">
-                              <a:latin typeface="Nunito" pitchFamily="2" charset="77"/>
-                            </a:rPr>
-                            <m:t>comerciais</m:t>
-                          </m:r>
-                          <m:r>
-                            <m:rPr>
-                              <m:nor/>
-                            </m:rPr>
-                            <a:rPr lang="pt-BR" sz="2200" b="0" i="0" smtClean="0">
-                              <a:latin typeface="Nunito" pitchFamily="2" charset="77"/>
-                            </a:rPr>
-                            <m:t> </m:t>
-                          </m:r>
-                          <m:r>
-                            <m:rPr>
-                              <m:nor/>
-                            </m:rPr>
-                            <a:rPr lang="pt-BR" sz="2200" b="0" i="0" smtClean="0">
-                              <a:latin typeface="Nunito" pitchFamily="2" charset="77"/>
-                            </a:rPr>
-                            <m:t>no</m:t>
-                          </m:r>
-                          <m:r>
-                            <m:rPr>
-                              <m:nor/>
-                            </m:rPr>
-                            <a:rPr lang="pt-BR" sz="2200" b="0" i="0" smtClean="0">
-                              <a:latin typeface="Nunito" pitchFamily="2" charset="77"/>
-                            </a:rPr>
-                            <m:t> </m:t>
-                          </m:r>
-                          <m:r>
-                            <m:rPr>
-                              <m:nor/>
-                            </m:rPr>
-                            <a:rPr lang="pt-BR" sz="2200" b="0" i="0" smtClean="0">
-                              <a:latin typeface="Nunito" pitchFamily="2" charset="77"/>
-                            </a:rPr>
-                            <m:t>mesmo</m:t>
-                          </m:r>
-                          <m:r>
-                            <m:rPr>
-                              <m:nor/>
-                            </m:rPr>
-                            <a:rPr lang="pt-BR" sz="2200" b="0" i="0" smtClean="0">
-                              <a:latin typeface="Nunito" pitchFamily="2" charset="77"/>
-                            </a:rPr>
-                            <m:t> </m:t>
-                          </m:r>
-                          <m:r>
-                            <m:rPr>
-                              <m:nor/>
-                            </m:rPr>
-                            <a:rPr lang="pt-BR" sz="2200" b="0" i="0" smtClean="0">
-                              <a:latin typeface="Nunito" pitchFamily="2" charset="77"/>
-                            </a:rPr>
-                            <m:t>per</m:t>
-                          </m:r>
-                          <m:r>
-                            <m:rPr>
-                              <m:nor/>
-                            </m:rPr>
-                            <a:rPr lang="pt-BR" sz="2200" i="0">
-                              <a:latin typeface="Nunito" pitchFamily="2" charset="77"/>
-                            </a:rPr>
-                            <m:t>í</m:t>
-                          </m:r>
-                          <m:r>
-                            <m:rPr>
-                              <m:nor/>
-                            </m:rPr>
-                            <a:rPr lang="pt-BR" sz="2200" b="0" i="0" smtClean="0">
-                              <a:latin typeface="Nunito" pitchFamily="2" charset="77"/>
-                            </a:rPr>
-                            <m:t>odo</m:t>
-                          </m:r>
-                        </m:den>
-                      </m:f>
-                    </m:oMath>
-                  </m:oMathPara>
-                </a14:m>
-                <a:endParaRPr lang="pt-BR" sz="2200" dirty="0">
-                  <a:latin typeface="Nunito" pitchFamily="2" charset="77"/>
-                </a:endParaRPr>
-              </a:p>
-            </p:txBody>
-          </p:sp>
-        </mc:Choice>
-        <mc:Fallback xmlns="">
-          <p:sp>
-            <p:nvSpPr>
-              <p:cNvPr id="39" name="CaixaDeTexto 38">
-                <a:extLst>
-                  <a:ext uri="{FF2B5EF4-FFF2-40B4-BE49-F238E27FC236}">
-                    <a16:creationId xmlns:a16="http://schemas.microsoft.com/office/drawing/2014/main" id="{592DD118-9D77-88C5-CF6A-45F2CAD04D90}"/>
-                  </a:ext>
-                </a:extLst>
-              </p:cNvPr>
-              <p:cNvSpPr txBox="1">
-                <a:spLocks noRot="1" noChangeAspect="1" noMove="1" noResize="1" noEditPoints="1" noAdjustHandles="1" noChangeArrowheads="1" noChangeShapeType="1" noTextEdit="1"/>
-              </p:cNvSpPr>
-              <p:nvPr/>
-            </p:nvSpPr>
-            <p:spPr>
-              <a:xfrm>
-                <a:off x="15098460" y="2208677"/>
-                <a:ext cx="5908669" cy="696922"/>
-              </a:xfrm>
-              <a:prstGeom prst="rect">
-                <a:avLst/>
-              </a:prstGeom>
-              <a:blipFill>
-                <a:blip r:embed="rId3"/>
-                <a:stretch>
-                  <a:fillRect l="-1071" t="-14286" r="-642" b="-26786"/>
-                </a:stretch>
-              </a:blipFill>
-            </p:spPr>
-            <p:txBody>
-              <a:bodyPr/>
-              <a:lstStyle/>
-              <a:p>
-                <a:r>
-                  <a:rPr lang="pt-BR">
-                    <a:noFill/>
-                  </a:rPr>
-                  <a:t> </a:t>
-                </a:r>
-              </a:p>
-            </p:txBody>
-          </p:sp>
-        </mc:Fallback>
-      </mc:AlternateContent>
-      <p:sp>
-        <p:nvSpPr>
-          <p:cNvPr id="41" name="CaixaDeTexto 40">
-            <a:extLst>
-              <a:ext uri="{FF2B5EF4-FFF2-40B4-BE49-F238E27FC236}">
-                <a16:creationId xmlns:a16="http://schemas.microsoft.com/office/drawing/2014/main" id="{36DB1A99-7288-600C-8E53-7C13DB2A3CC6}"/>
-              </a:ext>
-            </a:extLst>
-          </p:cNvPr>
-          <p:cNvSpPr txBox="1"/>
-          <p:nvPr/>
-        </p:nvSpPr>
-        <p:spPr>
-          <a:xfrm>
-            <a:off x="15457752" y="3956734"/>
-            <a:ext cx="5569318" cy="1569660"/>
-          </a:xfrm>
-          <a:prstGeom prst="rect">
-            <a:avLst/>
-          </a:prstGeom>
-          <a:noFill/>
-        </p:spPr>
-        <p:txBody>
-          <a:bodyPr wrap="square">
-            <a:spAutoFit/>
-          </a:bodyPr>
-          <a:lstStyle/>
-          <a:p>
-            <a:pPr algn="r"/>
-            <a:r>
-              <a:rPr lang="pt-BR" sz="2400" dirty="0">
-                <a:latin typeface="Nunito" panose="00000500000000000000" pitchFamily="2" charset="0"/>
-                <a:cs typeface="Segoe UI" panose="020B0502040204020203" pitchFamily="34" charset="0"/>
-              </a:rPr>
-              <a:t>Para isso fazer mais sentido, vejamos mais um exemplo. Qual a probabilidade de uma </a:t>
-            </a:r>
-            <a:r>
-              <a:rPr lang="pt-BR" sz="2400" b="1" dirty="0">
-                <a:solidFill>
-                  <a:srgbClr val="68357A"/>
-                </a:solidFill>
-                <a:latin typeface="Nunito" panose="00000500000000000000" pitchFamily="2" charset="0"/>
-                <a:cs typeface="Segoe UI" panose="020B0502040204020203" pitchFamily="34" charset="0"/>
-              </a:rPr>
-              <a:t>mulher</a:t>
-            </a:r>
-            <a:r>
-              <a:rPr lang="pt-BR" sz="2400" dirty="0">
-                <a:latin typeface="Nunito" panose="00000500000000000000" pitchFamily="2" charset="0"/>
-                <a:cs typeface="Segoe UI" panose="020B0502040204020203" pitchFamily="34" charset="0"/>
-              </a:rPr>
-              <a:t> da amostra que coletamos abaixo </a:t>
-            </a:r>
-            <a:r>
-              <a:rPr lang="pt-BR" sz="2400" b="1" dirty="0">
-                <a:solidFill>
-                  <a:srgbClr val="68357A"/>
-                </a:solidFill>
-                <a:latin typeface="Nunito" panose="00000500000000000000" pitchFamily="2" charset="0"/>
-                <a:cs typeface="Segoe UI" panose="020B0502040204020203" pitchFamily="34" charset="0"/>
-              </a:rPr>
-              <a:t>não ser fumante</a:t>
-            </a:r>
-            <a:r>
-              <a:rPr lang="pt-BR" sz="2400" dirty="0">
-                <a:latin typeface="Nunito" panose="00000500000000000000" pitchFamily="2" charset="0"/>
-                <a:cs typeface="Segoe UI" panose="020B0502040204020203" pitchFamily="34" charset="0"/>
-              </a:rPr>
-              <a:t>?</a:t>
-            </a:r>
-            <a:endParaRPr lang="pt-BR" sz="2400" dirty="0"/>
-          </a:p>
-        </p:txBody>
-      </p:sp>
-      <p:graphicFrame>
-        <p:nvGraphicFramePr>
-          <p:cNvPr id="43" name="Tabela 42">
-            <a:extLst>
-              <a:ext uri="{FF2B5EF4-FFF2-40B4-BE49-F238E27FC236}">
-                <a16:creationId xmlns:a16="http://schemas.microsoft.com/office/drawing/2014/main" id="{58DA5783-17A1-A004-5EA3-F1271739BD1C}"/>
-              </a:ext>
-            </a:extLst>
-          </p:cNvPr>
-          <p:cNvGraphicFramePr>
-            <a:graphicFrameLocks noGrp="1"/>
-          </p:cNvGraphicFramePr>
-          <p:nvPr>
-            <p:extLst>
-              <p:ext uri="{D42A27DB-BD31-4B8C-83A1-F6EECF244321}">
-                <p14:modId xmlns:p14="http://schemas.microsoft.com/office/powerpoint/2010/main" val="2856244701"/>
-              </p:ext>
-            </p:extLst>
-          </p:nvPr>
-        </p:nvGraphicFramePr>
-        <p:xfrm>
-          <a:off x="15098460" y="6143230"/>
-          <a:ext cx="5907240" cy="1571625"/>
-        </p:xfrm>
-        <a:graphic>
-          <a:graphicData uri="http://schemas.openxmlformats.org/drawingml/2006/table">
-            <a:tbl>
-              <a:tblPr/>
-              <a:tblGrid>
-                <a:gridCol w="2052000">
-                  <a:extLst>
-                    <a:ext uri="{9D8B030D-6E8A-4147-A177-3AD203B41FA5}">
-                      <a16:colId xmlns:a16="http://schemas.microsoft.com/office/drawing/2014/main" val="3234201436"/>
-                    </a:ext>
-                  </a:extLst>
-                </a:gridCol>
-                <a:gridCol w="1387620">
-                  <a:extLst>
-                    <a:ext uri="{9D8B030D-6E8A-4147-A177-3AD203B41FA5}">
-                      <a16:colId xmlns:a16="http://schemas.microsoft.com/office/drawing/2014/main" val="3266086485"/>
-                    </a:ext>
-                  </a:extLst>
-                </a:gridCol>
-                <a:gridCol w="1387620">
-                  <a:extLst>
-                    <a:ext uri="{9D8B030D-6E8A-4147-A177-3AD203B41FA5}">
-                      <a16:colId xmlns:a16="http://schemas.microsoft.com/office/drawing/2014/main" val="645903157"/>
-                    </a:ext>
-                  </a:extLst>
-                </a:gridCol>
-                <a:gridCol w="1080000">
-                  <a:extLst>
-                    <a:ext uri="{9D8B030D-6E8A-4147-A177-3AD203B41FA5}">
-                      <a16:colId xmlns:a16="http://schemas.microsoft.com/office/drawing/2014/main" val="1684121154"/>
-                    </a:ext>
-                  </a:extLst>
-                </a:gridCol>
-              </a:tblGrid>
-              <a:tr h="177800">
-                <a:tc>
-                  <a:txBody>
-                    <a:bodyPr/>
-                    <a:lstStyle/>
-                    <a:p>
-                      <a:pPr algn="l" fontAlgn="b"/>
-                      <a:endParaRPr lang="pt-BR" sz="2000" b="1" i="0" u="none" strike="noStrike">
-                        <a:solidFill>
-                          <a:srgbClr val="000000"/>
-                        </a:solidFill>
-                        <a:effectLst/>
-                        <a:latin typeface="Nunito" pitchFamily="2" charset="77"/>
-                      </a:endParaRPr>
-                    </a:p>
-                  </a:txBody>
-                  <a:tcPr marL="9525" marR="9525" marT="9525" marB="0" anchor="b">
-                    <a:lnL>
-                      <a:noFill/>
-                    </a:lnL>
-                    <a:lnR>
-                      <a:noFill/>
-                    </a:lnR>
-                    <a:lnT w="19050" cap="flat" cmpd="sng" algn="ctr">
-                      <a:solidFill>
-                        <a:schemeClr val="tx1"/>
-                      </a:solidFill>
-                      <a:prstDash val="solid"/>
-                      <a:round/>
-                      <a:headEnd type="none" w="med" len="med"/>
-                      <a:tailEnd type="none" w="med" len="med"/>
-                    </a:lnT>
-                    <a:lnB>
-                      <a:noFill/>
-                    </a:lnB>
-                    <a:noFill/>
-                  </a:tcPr>
-                </a:tc>
-                <a:tc gridSpan="2">
-                  <a:txBody>
-                    <a:bodyPr/>
-                    <a:lstStyle/>
-                    <a:p>
-                      <a:pPr algn="ctr" fontAlgn="b"/>
-                      <a:r>
-                        <a:rPr lang="pt-BR" sz="2000" b="1" i="0" u="none" strike="noStrike" dirty="0">
-                          <a:solidFill>
-                            <a:srgbClr val="000000"/>
-                          </a:solidFill>
-                          <a:effectLst/>
-                          <a:latin typeface="Nunito" pitchFamily="2" charset="77"/>
-                        </a:rPr>
-                        <a:t>Gênero</a:t>
-                      </a:r>
-                    </a:p>
-                  </a:txBody>
-                  <a:tcPr marL="9525" marR="9525" marT="9525" marB="0" anchor="b">
-                    <a:lnL>
-                      <a:noFill/>
-                    </a:lnL>
-                    <a:lnR>
-                      <a:noFill/>
-                    </a:lnR>
-                    <a:lnT w="19050" cap="flat" cmpd="sng" algn="ctr">
-                      <a:solidFill>
-                        <a:schemeClr val="tx1"/>
-                      </a:solidFill>
-                      <a:prstDash val="solid"/>
-                      <a:round/>
-                      <a:headEnd type="none" w="med" len="med"/>
-                      <a:tailEnd type="none" w="med" len="med"/>
-                    </a:lnT>
-                    <a:lnB w="19050" cap="flat" cmpd="sng" algn="ctr">
-                      <a:solidFill>
-                        <a:schemeClr val="tx1"/>
-                      </a:solidFill>
-                      <a:prstDash val="solid"/>
-                      <a:round/>
-                      <a:headEnd type="none" w="med" len="med"/>
-                      <a:tailEnd type="none" w="med" len="med"/>
-                    </a:lnB>
-                    <a:noFill/>
-                  </a:tcPr>
-                </a:tc>
-                <a:tc hMerge="1">
-                  <a:txBody>
-                    <a:bodyPr/>
-                    <a:lstStyle/>
-                    <a:p>
-                      <a:endParaRPr lang="pt-BR"/>
-                    </a:p>
-                  </a:txBody>
-                  <a:tcPr/>
-                </a:tc>
-                <a:tc>
-                  <a:txBody>
-                    <a:bodyPr/>
-                    <a:lstStyle/>
-                    <a:p>
-                      <a:pPr algn="ctr" fontAlgn="b"/>
-                      <a:endParaRPr lang="pt-BR" sz="2000" b="1" i="0" u="none" strike="noStrike" dirty="0">
-                        <a:solidFill>
-                          <a:srgbClr val="000000"/>
-                        </a:solidFill>
-                        <a:effectLst/>
-                        <a:latin typeface="Nunito" pitchFamily="2" charset="77"/>
-                      </a:endParaRPr>
-                    </a:p>
-                  </a:txBody>
-                  <a:tcPr marL="9525" marR="9525" marT="9525" marB="0" anchor="b">
-                    <a:lnL>
-                      <a:noFill/>
-                    </a:lnL>
-                    <a:lnR>
-                      <a:noFill/>
-                    </a:lnR>
-                    <a:lnT w="19050" cap="flat" cmpd="sng" algn="ctr">
-                      <a:solidFill>
-                        <a:schemeClr val="tx1"/>
-                      </a:solidFill>
-                      <a:prstDash val="solid"/>
-                      <a:round/>
-                      <a:headEnd type="none" w="med" len="med"/>
-                      <a:tailEnd type="none" w="med" len="med"/>
-                    </a:lnT>
-                    <a:lnB>
-                      <a:noFill/>
-                    </a:lnB>
-                    <a:noFill/>
-                  </a:tcPr>
-                </a:tc>
-                <a:extLst>
-                  <a:ext uri="{0D108BD9-81ED-4DB2-BD59-A6C34878D82A}">
-                    <a16:rowId xmlns:a16="http://schemas.microsoft.com/office/drawing/2014/main" val="4068632581"/>
-                  </a:ext>
-                </a:extLst>
-              </a:tr>
-              <a:tr h="177800">
-                <a:tc>
-                  <a:txBody>
-                    <a:bodyPr/>
-                    <a:lstStyle/>
-                    <a:p>
-                      <a:pPr algn="l" fontAlgn="b"/>
-                      <a:r>
-                        <a:rPr lang="pt-BR" sz="2000" b="1" i="0" u="none" strike="noStrike" dirty="0">
-                          <a:solidFill>
-                            <a:srgbClr val="000000"/>
-                          </a:solidFill>
-                          <a:effectLst/>
-                          <a:latin typeface="Nunito" pitchFamily="2" charset="77"/>
-                        </a:rPr>
-                        <a:t>Hábito de fumar</a:t>
-                      </a:r>
-                    </a:p>
-                  </a:txBody>
-                  <a:tcPr marL="9525" marR="9525" marT="9525" marB="0" anchor="b">
-                    <a:lnL>
-                      <a:noFill/>
-                    </a:lnL>
-                    <a:lnR>
-                      <a:noFill/>
-                    </a:lnR>
-                    <a:lnT>
-                      <a:noFill/>
-                    </a:lnT>
-                    <a:lnB w="19050" cap="flat" cmpd="sng" algn="ctr">
-                      <a:solidFill>
-                        <a:schemeClr val="tx1"/>
-                      </a:solidFill>
-                      <a:prstDash val="solid"/>
-                      <a:round/>
-                      <a:headEnd type="none" w="med" len="med"/>
-                      <a:tailEnd type="none" w="med" len="med"/>
-                    </a:lnB>
-                    <a:noFill/>
-                  </a:tcPr>
-                </a:tc>
-                <a:tc>
-                  <a:txBody>
-                    <a:bodyPr/>
-                    <a:lstStyle/>
-                    <a:p>
-                      <a:pPr algn="ctr" fontAlgn="b"/>
-                      <a:r>
-                        <a:rPr lang="pt-BR" sz="2000" b="1" i="0" u="none" strike="noStrike">
-                          <a:solidFill>
-                            <a:srgbClr val="000000"/>
-                          </a:solidFill>
-                          <a:effectLst/>
-                          <a:latin typeface="Nunito" pitchFamily="2" charset="77"/>
-                        </a:rPr>
-                        <a:t>Homens</a:t>
-                      </a:r>
-                    </a:p>
-                  </a:txBody>
-                  <a:tcPr marL="9525" marR="9525" marT="9525" marB="0" anchor="b">
-                    <a:lnL>
-                      <a:noFill/>
-                    </a:lnL>
-                    <a:lnR>
-                      <a:noFill/>
-                    </a:lnR>
-                    <a:lnT w="19050" cap="flat" cmpd="sng" algn="ctr">
-                      <a:solidFill>
-                        <a:schemeClr val="tx1"/>
-                      </a:solidFill>
-                      <a:prstDash val="solid"/>
-                      <a:round/>
-                      <a:headEnd type="none" w="med" len="med"/>
-                      <a:tailEnd type="none" w="med" len="med"/>
-                    </a:lnT>
-                    <a:lnB w="19050" cap="flat" cmpd="sng" algn="ctr">
-                      <a:solidFill>
-                        <a:schemeClr val="tx1"/>
-                      </a:solidFill>
-                      <a:prstDash val="solid"/>
-                      <a:round/>
-                      <a:headEnd type="none" w="med" len="med"/>
-                      <a:tailEnd type="none" w="med" len="med"/>
-                    </a:lnB>
-                    <a:noFill/>
-                  </a:tcPr>
-                </a:tc>
-                <a:tc>
-                  <a:txBody>
-                    <a:bodyPr/>
-                    <a:lstStyle/>
-                    <a:p>
-                      <a:pPr algn="ctr" fontAlgn="b"/>
-                      <a:r>
-                        <a:rPr lang="pt-BR" sz="2000" b="1" i="0" u="none" strike="noStrike">
-                          <a:solidFill>
-                            <a:srgbClr val="000000"/>
-                          </a:solidFill>
-                          <a:effectLst/>
-                          <a:latin typeface="Nunito" pitchFamily="2" charset="77"/>
-                        </a:rPr>
-                        <a:t>Mulheres</a:t>
-                      </a:r>
-                    </a:p>
-                  </a:txBody>
-                  <a:tcPr marL="9525" marR="9525" marT="9525" marB="0" anchor="b">
-                    <a:lnL>
-                      <a:noFill/>
-                    </a:lnL>
-                    <a:lnR>
-                      <a:noFill/>
-                    </a:lnR>
-                    <a:lnT w="19050" cap="flat" cmpd="sng" algn="ctr">
-                      <a:solidFill>
-                        <a:schemeClr val="tx1"/>
-                      </a:solidFill>
-                      <a:prstDash val="solid"/>
-                      <a:round/>
-                      <a:headEnd type="none" w="med" len="med"/>
-                      <a:tailEnd type="none" w="med" len="med"/>
-                    </a:lnT>
-                    <a:lnB w="19050" cap="flat" cmpd="sng" algn="ctr">
-                      <a:solidFill>
-                        <a:schemeClr val="tx1"/>
-                      </a:solidFill>
-                      <a:prstDash val="solid"/>
-                      <a:round/>
-                      <a:headEnd type="none" w="med" len="med"/>
-                      <a:tailEnd type="none" w="med" len="med"/>
-                    </a:lnB>
-                    <a:noFill/>
-                  </a:tcPr>
-                </a:tc>
-                <a:tc>
-                  <a:txBody>
-                    <a:bodyPr/>
-                    <a:lstStyle/>
-                    <a:p>
-                      <a:pPr algn="ctr" fontAlgn="b"/>
-                      <a:r>
-                        <a:rPr lang="pt-BR" sz="2000" b="1" i="0" u="none" strike="noStrike" dirty="0">
-                          <a:solidFill>
-                            <a:srgbClr val="000000"/>
-                          </a:solidFill>
-                          <a:effectLst/>
-                          <a:latin typeface="Nunito" pitchFamily="2" charset="77"/>
-                        </a:rPr>
-                        <a:t>Total</a:t>
-                      </a:r>
-                    </a:p>
-                  </a:txBody>
-                  <a:tcPr marL="9525" marR="9525" marT="9525" marB="0" anchor="b">
-                    <a:lnL>
-                      <a:noFill/>
-                    </a:lnL>
-                    <a:lnR>
-                      <a:noFill/>
-                    </a:lnR>
-                    <a:lnT>
-                      <a:noFill/>
-                    </a:lnT>
-                    <a:lnB w="19050" cap="flat" cmpd="sng" algn="ctr">
-                      <a:solidFill>
-                        <a:schemeClr val="tx1"/>
-                      </a:solidFill>
-                      <a:prstDash val="solid"/>
-                      <a:round/>
-                      <a:headEnd type="none" w="med" len="med"/>
-                      <a:tailEnd type="none" w="med" len="med"/>
-                    </a:lnB>
-                    <a:noFill/>
-                  </a:tcPr>
-                </a:tc>
-                <a:extLst>
-                  <a:ext uri="{0D108BD9-81ED-4DB2-BD59-A6C34878D82A}">
-                    <a16:rowId xmlns:a16="http://schemas.microsoft.com/office/drawing/2014/main" val="544124873"/>
-                  </a:ext>
-                </a:extLst>
-              </a:tr>
-              <a:tr h="177800">
-                <a:tc>
-                  <a:txBody>
-                    <a:bodyPr/>
-                    <a:lstStyle/>
-                    <a:p>
-                      <a:pPr algn="l" fontAlgn="b"/>
-                      <a:r>
-                        <a:rPr lang="pt-BR" sz="2000" b="0" i="0" u="none" strike="noStrike" dirty="0">
-                          <a:solidFill>
-                            <a:srgbClr val="000000"/>
-                          </a:solidFill>
-                          <a:effectLst/>
-                          <a:latin typeface="Nunito" pitchFamily="2" charset="77"/>
-                        </a:rPr>
-                        <a:t>Fumante</a:t>
-                      </a:r>
-                    </a:p>
-                  </a:txBody>
-                  <a:tcPr marL="9525" marR="9525" marT="9525" marB="0" anchor="b">
-                    <a:lnL>
-                      <a:noFill/>
-                    </a:lnL>
-                    <a:lnR>
-                      <a:noFill/>
-                    </a:lnR>
-                    <a:lnT w="19050" cap="flat" cmpd="sng" algn="ctr">
-                      <a:solidFill>
-                        <a:schemeClr val="tx1"/>
-                      </a:solidFill>
-                      <a:prstDash val="solid"/>
-                      <a:round/>
-                      <a:headEnd type="none" w="med" len="med"/>
-                      <a:tailEnd type="none" w="med" len="med"/>
-                    </a:lnT>
-                    <a:lnB>
-                      <a:noFill/>
-                    </a:lnB>
-                    <a:noFill/>
-                  </a:tcPr>
-                </a:tc>
-                <a:tc>
-                  <a:txBody>
-                    <a:bodyPr/>
-                    <a:lstStyle/>
-                    <a:p>
-                      <a:pPr algn="ctr" fontAlgn="b"/>
-                      <a:r>
-                        <a:rPr lang="pt-BR" sz="2000" b="0" i="0" u="none" strike="noStrike">
-                          <a:solidFill>
-                            <a:srgbClr val="000000"/>
-                          </a:solidFill>
-                          <a:effectLst/>
-                          <a:latin typeface="Nunito" pitchFamily="2" charset="77"/>
-                        </a:rPr>
-                        <a:t>35</a:t>
-                      </a:r>
-                    </a:p>
-                  </a:txBody>
-                  <a:tcPr marL="9525" marR="9525" marT="9525" marB="0" anchor="b">
-                    <a:lnL>
-                      <a:noFill/>
-                    </a:lnL>
-                    <a:lnR>
-                      <a:noFill/>
-                    </a:lnR>
-                    <a:lnT w="19050" cap="flat" cmpd="sng" algn="ctr">
-                      <a:solidFill>
-                        <a:schemeClr val="tx1"/>
-                      </a:solidFill>
-                      <a:prstDash val="solid"/>
-                      <a:round/>
-                      <a:headEnd type="none" w="med" len="med"/>
-                      <a:tailEnd type="none" w="med" len="med"/>
-                    </a:lnT>
-                    <a:lnB>
-                      <a:noFill/>
-                    </a:lnB>
-                    <a:noFill/>
-                  </a:tcPr>
-                </a:tc>
-                <a:tc>
-                  <a:txBody>
-                    <a:bodyPr/>
-                    <a:lstStyle/>
-                    <a:p>
-                      <a:pPr algn="ctr" fontAlgn="b"/>
-                      <a:r>
-                        <a:rPr lang="pt-BR" sz="2000" b="0" i="0" u="none" strike="noStrike" dirty="0">
-                          <a:solidFill>
-                            <a:srgbClr val="000000"/>
-                          </a:solidFill>
-                          <a:effectLst/>
-                          <a:latin typeface="Nunito" pitchFamily="2" charset="77"/>
-                        </a:rPr>
-                        <a:t>40</a:t>
-                      </a:r>
-                    </a:p>
-                  </a:txBody>
-                  <a:tcPr marL="9525" marR="9525" marT="9525" marB="0" anchor="b">
-                    <a:lnL>
-                      <a:noFill/>
-                    </a:lnL>
-                    <a:lnR>
-                      <a:noFill/>
-                    </a:lnR>
-                    <a:lnT w="19050" cap="flat" cmpd="sng" algn="ctr">
-                      <a:solidFill>
-                        <a:schemeClr val="tx1"/>
-                      </a:solidFill>
-                      <a:prstDash val="solid"/>
-                      <a:round/>
-                      <a:headEnd type="none" w="med" len="med"/>
-                      <a:tailEnd type="none" w="med" len="med"/>
-                    </a:lnT>
-                    <a:lnB>
-                      <a:noFill/>
-                    </a:lnB>
-                    <a:noFill/>
-                  </a:tcPr>
-                </a:tc>
-                <a:tc>
-                  <a:txBody>
-                    <a:bodyPr/>
-                    <a:lstStyle/>
-                    <a:p>
-                      <a:pPr algn="ctr" fontAlgn="b"/>
-                      <a:r>
-                        <a:rPr lang="pt-BR" sz="2000" b="0" i="0" u="none" strike="noStrike">
-                          <a:solidFill>
-                            <a:srgbClr val="000000"/>
-                          </a:solidFill>
-                          <a:effectLst/>
-                          <a:latin typeface="Nunito" pitchFamily="2" charset="77"/>
-                        </a:rPr>
-                        <a:t>75</a:t>
-                      </a:r>
-                    </a:p>
-                  </a:txBody>
-                  <a:tcPr marL="9525" marR="9525" marT="9525" marB="0" anchor="b">
-                    <a:lnL>
-                      <a:noFill/>
-                    </a:lnL>
-                    <a:lnR>
-                      <a:noFill/>
-                    </a:lnR>
-                    <a:lnT w="19050" cap="flat" cmpd="sng" algn="ctr">
-                      <a:solidFill>
-                        <a:schemeClr val="tx1"/>
-                      </a:solidFill>
-                      <a:prstDash val="solid"/>
-                      <a:round/>
-                      <a:headEnd type="none" w="med" len="med"/>
-                      <a:tailEnd type="none" w="med" len="med"/>
-                    </a:lnT>
-                    <a:lnB>
-                      <a:noFill/>
-                    </a:lnB>
-                    <a:noFill/>
-                  </a:tcPr>
-                </a:tc>
-                <a:extLst>
-                  <a:ext uri="{0D108BD9-81ED-4DB2-BD59-A6C34878D82A}">
-                    <a16:rowId xmlns:a16="http://schemas.microsoft.com/office/drawing/2014/main" val="3837883050"/>
-                  </a:ext>
-                </a:extLst>
-              </a:tr>
-              <a:tr h="177800">
-                <a:tc>
-                  <a:txBody>
-                    <a:bodyPr/>
-                    <a:lstStyle/>
-                    <a:p>
-                      <a:pPr algn="l" fontAlgn="b"/>
-                      <a:r>
-                        <a:rPr lang="pt-BR" sz="2000" b="0" i="0" u="none" strike="noStrike" dirty="0">
-                          <a:solidFill>
-                            <a:srgbClr val="000000"/>
-                          </a:solidFill>
-                          <a:effectLst/>
-                          <a:latin typeface="Nunito" pitchFamily="2" charset="77"/>
-                        </a:rPr>
-                        <a:t>Não-fumante</a:t>
-                      </a:r>
-                    </a:p>
-                  </a:txBody>
-                  <a:tcPr marL="9525" marR="9525" marT="9525" marB="0" anchor="b">
-                    <a:lnL>
-                      <a:noFill/>
-                    </a:lnL>
-                    <a:lnR>
-                      <a:noFill/>
-                    </a:lnR>
-                    <a:lnT>
-                      <a:noFill/>
-                    </a:lnT>
-                    <a:lnB w="19050" cap="flat" cmpd="sng" algn="ctr">
-                      <a:solidFill>
-                        <a:schemeClr val="tx1"/>
-                      </a:solidFill>
-                      <a:prstDash val="solid"/>
-                      <a:round/>
-                      <a:headEnd type="none" w="med" len="med"/>
-                      <a:tailEnd type="none" w="med" len="med"/>
-                    </a:lnB>
-                    <a:noFill/>
-                  </a:tcPr>
-                </a:tc>
-                <a:tc>
-                  <a:txBody>
-                    <a:bodyPr/>
-                    <a:lstStyle/>
-                    <a:p>
-                      <a:pPr algn="ctr" fontAlgn="b"/>
-                      <a:r>
-                        <a:rPr lang="pt-BR" sz="2000" b="0" i="0" u="none" strike="noStrike">
-                          <a:solidFill>
-                            <a:srgbClr val="000000"/>
-                          </a:solidFill>
-                          <a:effectLst/>
-                          <a:latin typeface="Nunito" pitchFamily="2" charset="77"/>
-                        </a:rPr>
-                        <a:t>90</a:t>
-                      </a:r>
-                    </a:p>
-                  </a:txBody>
-                  <a:tcPr marL="9525" marR="9525" marT="9525" marB="0" anchor="b">
-                    <a:lnL>
-                      <a:noFill/>
-                    </a:lnL>
-                    <a:lnR>
-                      <a:noFill/>
-                    </a:lnR>
-                    <a:lnT>
-                      <a:noFill/>
-                    </a:lnT>
-                    <a:lnB w="19050" cap="flat" cmpd="sng" algn="ctr">
-                      <a:solidFill>
-                        <a:schemeClr val="tx1"/>
-                      </a:solidFill>
-                      <a:prstDash val="solid"/>
-                      <a:round/>
-                      <a:headEnd type="none" w="med" len="med"/>
-                      <a:tailEnd type="none" w="med" len="med"/>
-                    </a:lnB>
-                    <a:noFill/>
-                  </a:tcPr>
-                </a:tc>
-                <a:tc>
-                  <a:txBody>
-                    <a:bodyPr/>
-                    <a:lstStyle/>
-                    <a:p>
-                      <a:pPr algn="ctr" fontAlgn="b"/>
-                      <a:r>
-                        <a:rPr lang="pt-BR" sz="2000" b="0" i="0" u="none" strike="noStrike">
-                          <a:solidFill>
-                            <a:srgbClr val="000000"/>
-                          </a:solidFill>
-                          <a:effectLst/>
-                          <a:latin typeface="Nunito" pitchFamily="2" charset="77"/>
-                        </a:rPr>
-                        <a:t>160</a:t>
-                      </a:r>
-                    </a:p>
-                  </a:txBody>
-                  <a:tcPr marL="9525" marR="9525" marT="9525" marB="0" anchor="b">
-                    <a:lnL>
-                      <a:noFill/>
-                    </a:lnL>
-                    <a:lnR>
-                      <a:noFill/>
-                    </a:lnR>
-                    <a:lnT>
-                      <a:noFill/>
-                    </a:lnT>
-                    <a:lnB w="19050" cap="flat" cmpd="sng" algn="ctr">
-                      <a:solidFill>
-                        <a:schemeClr val="tx1"/>
-                      </a:solidFill>
-                      <a:prstDash val="solid"/>
-                      <a:round/>
-                      <a:headEnd type="none" w="med" len="med"/>
-                      <a:tailEnd type="none" w="med" len="med"/>
-                    </a:lnB>
-                    <a:noFill/>
-                  </a:tcPr>
-                </a:tc>
-                <a:tc>
-                  <a:txBody>
-                    <a:bodyPr/>
-                    <a:lstStyle/>
-                    <a:p>
-                      <a:pPr algn="ctr" fontAlgn="b"/>
-                      <a:r>
-                        <a:rPr lang="pt-BR" sz="2000" b="0" i="0" u="none" strike="noStrike" dirty="0">
-                          <a:solidFill>
-                            <a:srgbClr val="000000"/>
-                          </a:solidFill>
-                          <a:effectLst/>
-                          <a:latin typeface="Nunito" pitchFamily="2" charset="77"/>
-                        </a:rPr>
-                        <a:t>250</a:t>
-                      </a:r>
-                    </a:p>
-                  </a:txBody>
-                  <a:tcPr marL="9525" marR="9525" marT="9525" marB="0" anchor="b">
-                    <a:lnL>
-                      <a:noFill/>
-                    </a:lnL>
-                    <a:lnR>
-                      <a:noFill/>
-                    </a:lnR>
-                    <a:lnT>
-                      <a:noFill/>
-                    </a:lnT>
-                    <a:lnB w="19050" cap="flat" cmpd="sng" algn="ctr">
-                      <a:solidFill>
-                        <a:schemeClr val="tx1"/>
-                      </a:solidFill>
-                      <a:prstDash val="solid"/>
-                      <a:round/>
-                      <a:headEnd type="none" w="med" len="med"/>
-                      <a:tailEnd type="none" w="med" len="med"/>
-                    </a:lnB>
-                    <a:noFill/>
-                  </a:tcPr>
-                </a:tc>
-                <a:extLst>
-                  <a:ext uri="{0D108BD9-81ED-4DB2-BD59-A6C34878D82A}">
-                    <a16:rowId xmlns:a16="http://schemas.microsoft.com/office/drawing/2014/main" val="237426317"/>
-                  </a:ext>
-                </a:extLst>
-              </a:tr>
-              <a:tr h="177800">
-                <a:tc>
-                  <a:txBody>
-                    <a:bodyPr/>
-                    <a:lstStyle/>
-                    <a:p>
-                      <a:pPr algn="l" fontAlgn="b"/>
-                      <a:r>
-                        <a:rPr lang="pt-BR" sz="2000" b="1" i="0" u="none" strike="noStrike" dirty="0">
-                          <a:solidFill>
-                            <a:srgbClr val="000000"/>
-                          </a:solidFill>
-                          <a:effectLst/>
-                          <a:latin typeface="Nunito" pitchFamily="2" charset="77"/>
-                        </a:rPr>
-                        <a:t>Total</a:t>
-                      </a:r>
-                    </a:p>
-                  </a:txBody>
-                  <a:tcPr marL="9525" marR="9525" marT="9525" marB="0" anchor="b">
-                    <a:lnL>
-                      <a:noFill/>
-                    </a:lnL>
-                    <a:lnR>
-                      <a:noFill/>
-                    </a:lnR>
-                    <a:lnT w="19050" cap="flat" cmpd="sng" algn="ctr">
-                      <a:solidFill>
-                        <a:schemeClr val="tx1"/>
-                      </a:solidFill>
-                      <a:prstDash val="solid"/>
-                      <a:round/>
-                      <a:headEnd type="none" w="med" len="med"/>
-                      <a:tailEnd type="none" w="med" len="med"/>
-                    </a:lnT>
-                    <a:lnB w="19050" cap="flat" cmpd="sng" algn="ctr">
-                      <a:solidFill>
-                        <a:schemeClr val="tx1"/>
-                      </a:solidFill>
-                      <a:prstDash val="solid"/>
-                      <a:round/>
-                      <a:headEnd type="none" w="med" len="med"/>
-                      <a:tailEnd type="none" w="med" len="med"/>
-                    </a:lnB>
-                    <a:noFill/>
-                  </a:tcPr>
-                </a:tc>
-                <a:tc>
-                  <a:txBody>
-                    <a:bodyPr/>
-                    <a:lstStyle/>
-                    <a:p>
-                      <a:pPr algn="ctr" fontAlgn="b"/>
-                      <a:r>
-                        <a:rPr lang="pt-BR" sz="2000" b="0" i="0" u="none" strike="noStrike" dirty="0">
-                          <a:solidFill>
-                            <a:srgbClr val="000000"/>
-                          </a:solidFill>
-                          <a:effectLst/>
-                          <a:latin typeface="Nunito" pitchFamily="2" charset="77"/>
-                        </a:rPr>
-                        <a:t>125</a:t>
-                      </a:r>
-                    </a:p>
-                  </a:txBody>
-                  <a:tcPr marL="9525" marR="9525" marT="9525" marB="0" anchor="b">
-                    <a:lnL>
-                      <a:noFill/>
-                    </a:lnL>
-                    <a:lnR>
-                      <a:noFill/>
-                    </a:lnR>
-                    <a:lnT w="19050" cap="flat" cmpd="sng" algn="ctr">
-                      <a:solidFill>
-                        <a:schemeClr val="tx1"/>
-                      </a:solidFill>
-                      <a:prstDash val="solid"/>
-                      <a:round/>
-                      <a:headEnd type="none" w="med" len="med"/>
-                      <a:tailEnd type="none" w="med" len="med"/>
-                    </a:lnT>
-                    <a:lnB w="19050" cap="flat" cmpd="sng" algn="ctr">
-                      <a:solidFill>
-                        <a:schemeClr val="tx1"/>
-                      </a:solidFill>
-                      <a:prstDash val="solid"/>
-                      <a:round/>
-                      <a:headEnd type="none" w="med" len="med"/>
-                      <a:tailEnd type="none" w="med" len="med"/>
-                    </a:lnB>
-                    <a:noFill/>
-                  </a:tcPr>
-                </a:tc>
-                <a:tc>
-                  <a:txBody>
-                    <a:bodyPr/>
-                    <a:lstStyle/>
-                    <a:p>
-                      <a:pPr algn="ctr" fontAlgn="b"/>
-                      <a:r>
-                        <a:rPr lang="pt-BR" sz="2000" b="0" i="0" u="none" strike="noStrike" dirty="0">
-                          <a:solidFill>
-                            <a:srgbClr val="000000"/>
-                          </a:solidFill>
-                          <a:effectLst/>
-                          <a:latin typeface="Nunito" pitchFamily="2" charset="77"/>
-                        </a:rPr>
-                        <a:t>200</a:t>
-                      </a:r>
-                    </a:p>
-                  </a:txBody>
-                  <a:tcPr marL="9525" marR="9525" marT="9525" marB="0" anchor="b">
-                    <a:lnL>
-                      <a:noFill/>
-                    </a:lnL>
-                    <a:lnR>
-                      <a:noFill/>
-                    </a:lnR>
-                    <a:lnT w="19050" cap="flat" cmpd="sng" algn="ctr">
-                      <a:solidFill>
-                        <a:schemeClr val="tx1"/>
-                      </a:solidFill>
-                      <a:prstDash val="solid"/>
-                      <a:round/>
-                      <a:headEnd type="none" w="med" len="med"/>
-                      <a:tailEnd type="none" w="med" len="med"/>
-                    </a:lnT>
-                    <a:lnB w="19050" cap="flat" cmpd="sng" algn="ctr">
-                      <a:solidFill>
-                        <a:schemeClr val="tx1"/>
-                      </a:solidFill>
-                      <a:prstDash val="solid"/>
-                      <a:round/>
-                      <a:headEnd type="none" w="med" len="med"/>
-                      <a:tailEnd type="none" w="med" len="med"/>
-                    </a:lnB>
-                    <a:noFill/>
-                  </a:tcPr>
-                </a:tc>
-                <a:tc>
-                  <a:txBody>
-                    <a:bodyPr/>
-                    <a:lstStyle/>
-                    <a:p>
-                      <a:pPr algn="ctr" fontAlgn="b"/>
-                      <a:r>
-                        <a:rPr lang="pt-BR" sz="2000" b="0" i="0" u="none" strike="noStrike" dirty="0">
-                          <a:solidFill>
-                            <a:srgbClr val="000000"/>
-                          </a:solidFill>
-                          <a:effectLst/>
-                          <a:latin typeface="Nunito" pitchFamily="2" charset="77"/>
-                        </a:rPr>
-                        <a:t>325</a:t>
-                      </a:r>
-                    </a:p>
-                  </a:txBody>
-                  <a:tcPr marL="9525" marR="9525" marT="9525" marB="0" anchor="b">
-                    <a:lnL>
-                      <a:noFill/>
-                    </a:lnL>
-                    <a:lnR>
-                      <a:noFill/>
-                    </a:lnR>
-                    <a:lnT w="19050" cap="flat" cmpd="sng" algn="ctr">
-                      <a:solidFill>
-                        <a:schemeClr val="tx1"/>
-                      </a:solidFill>
-                      <a:prstDash val="solid"/>
-                      <a:round/>
-                      <a:headEnd type="none" w="med" len="med"/>
-                      <a:tailEnd type="none" w="med" len="med"/>
-                    </a:lnT>
-                    <a:lnB w="19050" cap="flat" cmpd="sng" algn="ctr">
-                      <a:solidFill>
-                        <a:schemeClr val="tx1"/>
-                      </a:solidFill>
-                      <a:prstDash val="solid"/>
-                      <a:round/>
-                      <a:headEnd type="none" w="med" len="med"/>
-                      <a:tailEnd type="none" w="med" len="med"/>
-                    </a:lnB>
-                    <a:noFill/>
-                  </a:tcPr>
-                </a:tc>
-                <a:extLst>
-                  <a:ext uri="{0D108BD9-81ED-4DB2-BD59-A6C34878D82A}">
-                    <a16:rowId xmlns:a16="http://schemas.microsoft.com/office/drawing/2014/main" val="3609429672"/>
-                  </a:ext>
-                </a:extLst>
-              </a:tr>
-            </a:tbl>
-          </a:graphicData>
-        </a:graphic>
-      </p:graphicFrame>
-      <p:sp>
-        <p:nvSpPr>
-          <p:cNvPr id="44" name="Retângulo 43">
-            <a:extLst>
-              <a:ext uri="{FF2B5EF4-FFF2-40B4-BE49-F238E27FC236}">
-                <a16:creationId xmlns:a16="http://schemas.microsoft.com/office/drawing/2014/main" id="{DE2C0EE6-DA75-E97F-5187-5ECB6639D19E}"/>
+                <a16:creationId xmlns:a16="http://schemas.microsoft.com/office/drawing/2014/main" id="{09B9F610-7B6E-E3F6-4B55-1E0773922C64}"/>
               </a:ext>
             </a:extLst>
           </p:cNvPr>
@@ -5606,14 +4125,14 @@
         </p:nvSpPr>
         <p:spPr>
           <a:xfrm>
-            <a:off x="20622639" y="8679533"/>
-            <a:ext cx="1478604" cy="337725"/>
+            <a:off x="13321145" y="995687"/>
+            <a:ext cx="6643226" cy="800100"/>
           </a:xfrm>
           <a:prstGeom prst="rect">
             <a:avLst/>
           </a:prstGeom>
           <a:solidFill>
-            <a:srgbClr val="68357A"/>
+            <a:schemeClr val="bg1"/>
           </a:solidFill>
           <a:ln>
             <a:noFill/>
@@ -5644,6 +4163,162 @@
           </a:p>
         </p:txBody>
       </p:sp>
+      <p:sp>
+        <p:nvSpPr>
+          <p:cNvPr id="9" name="Retângulo 8">
+            <a:extLst>
+              <a:ext uri="{FF2B5EF4-FFF2-40B4-BE49-F238E27FC236}">
+                <a16:creationId xmlns:a16="http://schemas.microsoft.com/office/drawing/2014/main" id="{ADFD3D73-0188-C7F6-F0DE-ED56869A7A8A}"/>
+              </a:ext>
+            </a:extLst>
+          </p:cNvPr>
+          <p:cNvSpPr/>
+          <p:nvPr/>
+        </p:nvSpPr>
+        <p:spPr>
+          <a:xfrm>
+            <a:off x="1622440" y="6677321"/>
+            <a:ext cx="7925475" cy="1600200"/>
+          </a:xfrm>
+          <a:prstGeom prst="rect">
+            <a:avLst/>
+          </a:prstGeom>
+          <a:solidFill>
+            <a:schemeClr val="bg1"/>
+          </a:solidFill>
+          <a:ln>
+            <a:noFill/>
+          </a:ln>
+        </p:spPr>
+        <p:style>
+          <a:lnRef idx="2">
+            <a:schemeClr val="accent1">
+              <a:shade val="15000"/>
+            </a:schemeClr>
+          </a:lnRef>
+          <a:fillRef idx="1">
+            <a:schemeClr val="accent1"/>
+          </a:fillRef>
+          <a:effectRef idx="0">
+            <a:schemeClr val="accent1"/>
+          </a:effectRef>
+          <a:fontRef idx="minor">
+            <a:schemeClr val="lt1"/>
+          </a:fontRef>
+        </p:style>
+        <p:txBody>
+          <a:bodyPr rtlCol="0" anchor="ctr"/>
+          <a:lstStyle/>
+          <a:p>
+            <a:pPr algn="ctr"/>
+            <a:endParaRPr lang="pt-BR"/>
+          </a:p>
+        </p:txBody>
+      </p:sp>
+      <p:sp>
+        <p:nvSpPr>
+          <p:cNvPr id="5" name="Retângulo 4">
+            <a:extLst>
+              <a:ext uri="{FF2B5EF4-FFF2-40B4-BE49-F238E27FC236}">
+                <a16:creationId xmlns:a16="http://schemas.microsoft.com/office/drawing/2014/main" id="{71FA1315-8C6C-26A0-E37E-89E903A10FD6}"/>
+              </a:ext>
+            </a:extLst>
+          </p:cNvPr>
+          <p:cNvSpPr/>
+          <p:nvPr/>
+        </p:nvSpPr>
+        <p:spPr>
+          <a:xfrm>
+            <a:off x="1441760" y="4947443"/>
+            <a:ext cx="8942791" cy="1600200"/>
+          </a:xfrm>
+          <a:prstGeom prst="rect">
+            <a:avLst/>
+          </a:prstGeom>
+          <a:solidFill>
+            <a:schemeClr val="bg1"/>
+          </a:solidFill>
+          <a:ln>
+            <a:noFill/>
+          </a:ln>
+        </p:spPr>
+        <p:style>
+          <a:lnRef idx="2">
+            <a:schemeClr val="accent1">
+              <a:shade val="15000"/>
+            </a:schemeClr>
+          </a:lnRef>
+          <a:fillRef idx="1">
+            <a:schemeClr val="accent1"/>
+          </a:fillRef>
+          <a:effectRef idx="0">
+            <a:schemeClr val="accent1"/>
+          </a:effectRef>
+          <a:fontRef idx="minor">
+            <a:schemeClr val="lt1"/>
+          </a:fontRef>
+        </p:style>
+        <p:txBody>
+          <a:bodyPr rtlCol="0" anchor="ctr"/>
+          <a:lstStyle/>
+          <a:p>
+            <a:pPr algn="ctr"/>
+            <a:endParaRPr lang="pt-BR"/>
+          </a:p>
+        </p:txBody>
+      </p:sp>
+      <p:sp>
+        <p:nvSpPr>
+          <p:cNvPr id="10" name="Retângulo 9">
+            <a:extLst>
+              <a:ext uri="{FF2B5EF4-FFF2-40B4-BE49-F238E27FC236}">
+                <a16:creationId xmlns:a16="http://schemas.microsoft.com/office/drawing/2014/main" id="{2D967A7F-6EB4-7B1C-89C9-7BB6CAF25713}"/>
+              </a:ext>
+            </a:extLst>
+          </p:cNvPr>
+          <p:cNvSpPr/>
+          <p:nvPr/>
+        </p:nvSpPr>
+        <p:spPr>
+          <a:xfrm>
+            <a:off x="1430095" y="360132"/>
+            <a:ext cx="9147850" cy="1600200"/>
+          </a:xfrm>
+          <a:prstGeom prst="rect">
+            <a:avLst/>
+          </a:prstGeom>
+          <a:solidFill>
+            <a:schemeClr val="bg1"/>
+          </a:solidFill>
+          <a:ln>
+            <a:noFill/>
+          </a:ln>
+        </p:spPr>
+        <p:style>
+          <a:lnRef idx="2">
+            <a:schemeClr val="accent1">
+              <a:shade val="15000"/>
+            </a:schemeClr>
+          </a:lnRef>
+          <a:fillRef idx="1">
+            <a:schemeClr val="accent1"/>
+          </a:fillRef>
+          <a:effectRef idx="0">
+            <a:schemeClr val="accent1"/>
+          </a:effectRef>
+          <a:fontRef idx="minor">
+            <a:schemeClr val="lt1"/>
+          </a:fontRef>
+        </p:style>
+        <p:txBody>
+          <a:bodyPr rtlCol="0" anchor="ctr"/>
+          <a:lstStyle/>
+          <a:p>
+            <a:pPr algn="ctr"/>
+            <a:endParaRPr lang="pt-BR"/>
+          </a:p>
+        </p:txBody>
+      </p:sp>
       <mc:AlternateContent xmlns:mc="http://schemas.openxmlformats.org/markup-compatibility/2006">
         <mc:Choice xmlns:a14="http://schemas.microsoft.com/office/drawing/2010/main" Requires="a14">
           <p:sp>
@@ -5661,7 +4336,7 @@
             <p:spPr>
               <a:xfrm>
                 <a:off x="1635154" y="618107"/>
-                <a:ext cx="8297464" cy="959558"/>
+                <a:ext cx="8707833" cy="1032206"/>
               </a:xfrm>
               <a:prstGeom prst="rect">
                 <a:avLst/>
@@ -5674,6 +4349,7 @@
               </a:bodyPr>
               <a:lstStyle/>
               <a:p>
+                <a:pPr/>
                 <a14:m>
                   <m:oMathPara xmlns:m="http://schemas.openxmlformats.org/officeDocument/2006/math">
                     <m:oMathParaPr>
@@ -5799,7 +4475,7 @@
                             <a:rPr lang="pt-BR" sz="3200" b="0" i="0" smtClean="0">
                               <a:latin typeface="Nunito" pitchFamily="2" charset="77"/>
                             </a:rPr>
-                            <m:t>Casos</m:t>
+                            <m:t>Total</m:t>
                           </m:r>
                           <m:r>
                             <m:rPr>
@@ -5817,16 +4493,7 @@
                             <a:rPr lang="pt-BR" sz="3200" b="0" i="0" smtClean="0">
                               <a:latin typeface="Nunito" pitchFamily="2" charset="77"/>
                             </a:rPr>
-                            <m:t>desfavor</m:t>
-                          </m:r>
-                          <m:r>
-                            <m:rPr>
-                              <m:nor/>
-                            </m:rPr>
-                            <a:rPr lang="pt-BR" sz="3200" i="0">
-                              <a:latin typeface="Nunito" pitchFamily="2" charset="77"/>
-                            </a:rPr>
-                            <m:t>á</m:t>
+                            <m:t>de</m:t>
                           </m:r>
                           <m:r>
                             <m:rPr>
@@ -5835,7 +4502,16 @@
                             <a:rPr lang="pt-BR" sz="3200" b="0" i="0" smtClean="0">
                               <a:latin typeface="Nunito" pitchFamily="2" charset="77"/>
                             </a:rPr>
-                            <m:t>veis</m:t>
+                            <m:t> </m:t>
+                          </m:r>
+                          <m:r>
+                            <m:rPr>
+                              <m:nor/>
+                            </m:rPr>
+                            <a:rPr lang="pt-BR" sz="3200" b="0" i="0" smtClean="0">
+                              <a:latin typeface="Nunito" pitchFamily="2" charset="77"/>
+                            </a:rPr>
+                            <m:t>possibilidades</m:t>
                           </m:r>
                         </m:den>
                       </m:f>
@@ -5934,15 +4610,15 @@
             <p:spPr>
               <a:xfrm>
                 <a:off x="1635154" y="618107"/>
-                <a:ext cx="8297464" cy="959558"/>
+                <a:ext cx="8707833" cy="1032206"/>
               </a:xfrm>
               <a:prstGeom prst="rect">
                 <a:avLst/>
               </a:prstGeom>
               <a:blipFill>
-                <a:blip r:embed="rId4"/>
+                <a:blip r:embed="rId3"/>
                 <a:stretch>
-                  <a:fillRect l="-612" t="-15584" r="-1070" b="-33766"/>
+                  <a:fillRect l="-582" t="-14458" r="-873" b="-24096"/>
                 </a:stretch>
               </a:blipFill>
             </p:spPr>
@@ -5961,6 +4637,1668 @@
           </p:sp>
         </mc:Fallback>
       </mc:AlternateContent>
+      <p:sp>
+        <p:nvSpPr>
+          <p:cNvPr id="2" name="Retângulo 1">
+            <a:extLst>
+              <a:ext uri="{FF2B5EF4-FFF2-40B4-BE49-F238E27FC236}">
+                <a16:creationId xmlns:a16="http://schemas.microsoft.com/office/drawing/2014/main" id="{4B3E4E23-5DCD-CC26-5ACD-8BA996F2965B}"/>
+              </a:ext>
+            </a:extLst>
+          </p:cNvPr>
+          <p:cNvSpPr/>
+          <p:nvPr/>
+        </p:nvSpPr>
+        <p:spPr>
+          <a:xfrm>
+            <a:off x="1430095" y="2632278"/>
+            <a:ext cx="7319050" cy="1600200"/>
+          </a:xfrm>
+          <a:prstGeom prst="rect">
+            <a:avLst/>
+          </a:prstGeom>
+          <a:solidFill>
+            <a:schemeClr val="bg1"/>
+          </a:solidFill>
+          <a:ln>
+            <a:noFill/>
+          </a:ln>
+        </p:spPr>
+        <p:style>
+          <a:lnRef idx="2">
+            <a:schemeClr val="accent1">
+              <a:shade val="15000"/>
+            </a:schemeClr>
+          </a:lnRef>
+          <a:fillRef idx="1">
+            <a:schemeClr val="accent1"/>
+          </a:fillRef>
+          <a:effectRef idx="0">
+            <a:schemeClr val="accent1"/>
+          </a:effectRef>
+          <a:fontRef idx="minor">
+            <a:schemeClr val="lt1"/>
+          </a:fontRef>
+        </p:style>
+        <p:txBody>
+          <a:bodyPr rtlCol="0" anchor="ctr"/>
+          <a:lstStyle/>
+          <a:p>
+            <a:pPr algn="ctr"/>
+            <a:endParaRPr lang="pt-BR"/>
+          </a:p>
+        </p:txBody>
+      </p:sp>
+      <mc:AlternateContent xmlns:mc="http://schemas.openxmlformats.org/markup-compatibility/2006">
+        <mc:Choice xmlns:a14="http://schemas.microsoft.com/office/drawing/2010/main" Requires="a14">
+          <p:sp>
+            <p:nvSpPr>
+              <p:cNvPr id="3" name="CaixaDeTexto 2">
+                <a:extLst>
+                  <a:ext uri="{FF2B5EF4-FFF2-40B4-BE49-F238E27FC236}">
+                    <a16:creationId xmlns:a16="http://schemas.microsoft.com/office/drawing/2014/main" id="{1C4322E6-5AB3-6720-E88D-C8927F96EB7F}"/>
+                  </a:ext>
+                </a:extLst>
+              </p:cNvPr>
+              <p:cNvSpPr txBox="1"/>
+              <p:nvPr/>
+            </p:nvSpPr>
+            <p:spPr>
+              <a:xfrm>
+                <a:off x="1635154" y="2890253"/>
+                <a:ext cx="6926320" cy="936603"/>
+              </a:xfrm>
+              <a:prstGeom prst="rect">
+                <a:avLst/>
+              </a:prstGeom>
+              <a:noFill/>
+            </p:spPr>
+            <p:txBody>
+              <a:bodyPr wrap="none" lIns="0" tIns="0" rIns="0" bIns="0" rtlCol="0">
+                <a:spAutoFit/>
+              </a:bodyPr>
+              <a:lstStyle/>
+              <a:p>
+                <a:pPr/>
+                <a14:m>
+                  <m:oMathPara xmlns:m="http://schemas.openxmlformats.org/officeDocument/2006/math">
+                    <m:oMathParaPr>
+                      <m:jc m:val="centerGroup"/>
+                    </m:oMathParaPr>
+                    <m:oMath xmlns:m="http://schemas.openxmlformats.org/officeDocument/2006/math">
+                      <m:r>
+                        <m:rPr>
+                          <m:nor/>
+                        </m:rPr>
+                        <a:rPr lang="pt-BR" sz="3200" b="0" i="0" smtClean="0">
+                          <a:latin typeface="Nunito" pitchFamily="2" charset="77"/>
+                        </a:rPr>
+                        <m:t>P</m:t>
+                      </m:r>
+                      <m:d>
+                        <m:dPr>
+                          <m:ctrlPr>
+                            <a:rPr lang="pt-BR" sz="3200" b="0" i="1" smtClean="0">
+                              <a:latin typeface="Cambria Math" panose="02040503050406030204" pitchFamily="18" charset="0"/>
+                            </a:rPr>
+                          </m:ctrlPr>
+                        </m:dPr>
+                        <m:e>
+                          <m:r>
+                            <m:rPr>
+                              <m:nor/>
+                            </m:rPr>
+                            <a:rPr lang="pt-BR" sz="3200" b="0" i="0" smtClean="0">
+                              <a:latin typeface="Nunito" pitchFamily="2" charset="77"/>
+                            </a:rPr>
+                            <m:t>parto</m:t>
+                          </m:r>
+                          <m:r>
+                            <m:rPr>
+                              <m:nor/>
+                            </m:rPr>
+                            <a:rPr lang="pt-BR" sz="3200" b="0" i="0" smtClean="0">
+                              <a:latin typeface="Nunito" pitchFamily="2" charset="77"/>
+                            </a:rPr>
+                            <m:t> </m:t>
+                          </m:r>
+                          <m:r>
+                            <m:rPr>
+                              <m:nor/>
+                            </m:rPr>
+                            <a:rPr lang="pt-BR" sz="3200" b="0" i="0" smtClean="0">
+                              <a:latin typeface="Nunito" pitchFamily="2" charset="77"/>
+                            </a:rPr>
+                            <m:t>prematuro</m:t>
+                          </m:r>
+                        </m:e>
+                      </m:d>
+                      <m:r>
+                        <m:rPr>
+                          <m:nor/>
+                        </m:rPr>
+                        <a:rPr lang="pt-BR" sz="3200" b="0" i="0" smtClean="0">
+                          <a:latin typeface="Nunito" pitchFamily="2" charset="77"/>
+                        </a:rPr>
+                        <m:t> = </m:t>
+                      </m:r>
+                      <m:f>
+                        <m:fPr>
+                          <m:ctrlPr>
+                            <a:rPr lang="pt-BR" sz="3200" b="0" i="1" smtClean="0">
+                              <a:latin typeface="Cambria Math" panose="02040503050406030204" pitchFamily="18" charset="0"/>
+                            </a:rPr>
+                          </m:ctrlPr>
+                        </m:fPr>
+                        <m:num>
+                          <m:r>
+                            <m:rPr>
+                              <m:nor/>
+                            </m:rPr>
+                            <a:rPr lang="pt-BR" sz="3200" b="0" i="0" smtClean="0">
+                              <a:latin typeface="Nunito" pitchFamily="2" charset="77"/>
+                            </a:rPr>
+                            <m:t>1</m:t>
+                          </m:r>
+                        </m:num>
+                        <m:den>
+                          <m:r>
+                            <m:rPr>
+                              <m:nor/>
+                            </m:rPr>
+                            <a:rPr lang="pt-BR" sz="3200" b="0" i="0" smtClean="0">
+                              <a:latin typeface="Nunito" pitchFamily="2" charset="77"/>
+                            </a:rPr>
+                            <m:t>2</m:t>
+                          </m:r>
+                        </m:den>
+                      </m:f>
+                      <m:r>
+                        <m:rPr>
+                          <m:nor/>
+                        </m:rPr>
+                        <a:rPr lang="pt-BR" sz="3200" b="0" i="0" smtClean="0">
+                          <a:latin typeface="Nunito" pitchFamily="2" charset="77"/>
+                        </a:rPr>
+                        <m:t> = </m:t>
+                      </m:r>
+                      <m:r>
+                        <m:rPr>
+                          <m:nor/>
+                        </m:rPr>
+                        <a:rPr lang="pt-BR" sz="3200" b="0" i="0" smtClean="0">
+                          <a:latin typeface="Nunito" pitchFamily="2" charset="77"/>
+                        </a:rPr>
+                        <m:t>0,5 </m:t>
+                      </m:r>
+                      <m:r>
+                        <m:rPr>
+                          <m:nor/>
+                        </m:rPr>
+                        <a:rPr lang="pt-BR" sz="3200" b="0" i="0" smtClean="0">
+                          <a:latin typeface="Nunito" pitchFamily="2" charset="77"/>
+                        </a:rPr>
+                        <m:t>= </m:t>
+                      </m:r>
+                      <m:r>
+                        <m:rPr>
+                          <m:nor/>
+                        </m:rPr>
+                        <a:rPr lang="pt-BR" sz="3200" b="0" i="0" smtClean="0">
+                          <a:latin typeface="Nunito" pitchFamily="2" charset="77"/>
+                        </a:rPr>
+                        <m:t>50%</m:t>
+                      </m:r>
+                    </m:oMath>
+                  </m:oMathPara>
+                </a14:m>
+                <a:endParaRPr lang="pt-BR" sz="3200" dirty="0">
+                  <a:latin typeface="Nunito" pitchFamily="2" charset="77"/>
+                </a:endParaRPr>
+              </a:p>
+            </p:txBody>
+          </p:sp>
+        </mc:Choice>
+        <mc:Fallback>
+          <p:sp>
+            <p:nvSpPr>
+              <p:cNvPr id="3" name="CaixaDeTexto 2">
+                <a:extLst>
+                  <a:ext uri="{FF2B5EF4-FFF2-40B4-BE49-F238E27FC236}">
+                    <a16:creationId xmlns:a16="http://schemas.microsoft.com/office/drawing/2014/main" id="{1C4322E6-5AB3-6720-E88D-C8927F96EB7F}"/>
+                  </a:ext>
+                </a:extLst>
+              </p:cNvPr>
+              <p:cNvSpPr txBox="1">
+                <a:spLocks noRot="1" noChangeAspect="1" noMove="1" noResize="1" noEditPoints="1" noAdjustHandles="1" noChangeArrowheads="1" noChangeShapeType="1" noTextEdit="1"/>
+              </p:cNvSpPr>
+              <p:nvPr/>
+            </p:nvSpPr>
+            <p:spPr>
+              <a:xfrm>
+                <a:off x="1635154" y="2890253"/>
+                <a:ext cx="6926320" cy="936603"/>
+              </a:xfrm>
+              <a:prstGeom prst="rect">
+                <a:avLst/>
+              </a:prstGeom>
+              <a:blipFill>
+                <a:blip r:embed="rId4"/>
+                <a:stretch>
+                  <a:fillRect l="-916" t="-1333" r="-1099" b="-14667"/>
+                </a:stretch>
+              </a:blipFill>
+            </p:spPr>
+            <p:txBody>
+              <a:bodyPr/>
+              <a:lstStyle/>
+              <a:p>
+                <a:r>
+                  <a:rPr lang="pt-BR">
+                    <a:noFill/>
+                  </a:rPr>
+                  <a:t> </a:t>
+                </a:r>
+              </a:p>
+            </p:txBody>
+          </p:sp>
+        </mc:Fallback>
+      </mc:AlternateContent>
+      <mc:AlternateContent xmlns:mc="http://schemas.openxmlformats.org/markup-compatibility/2006">
+        <mc:Choice xmlns:a14="http://schemas.microsoft.com/office/drawing/2010/main" Requires="a14">
+          <p:sp>
+            <p:nvSpPr>
+              <p:cNvPr id="4" name="CaixaDeTexto 3">
+                <a:extLst>
+                  <a:ext uri="{FF2B5EF4-FFF2-40B4-BE49-F238E27FC236}">
+                    <a16:creationId xmlns:a16="http://schemas.microsoft.com/office/drawing/2014/main" id="{96805D1D-A635-674E-F526-0BF4E79A0771}"/>
+                  </a:ext>
+                </a:extLst>
+              </p:cNvPr>
+              <p:cNvSpPr txBox="1"/>
+              <p:nvPr/>
+            </p:nvSpPr>
+            <p:spPr>
+              <a:xfrm>
+                <a:off x="1635154" y="5241283"/>
+                <a:ext cx="8517012" cy="1012521"/>
+              </a:xfrm>
+              <a:prstGeom prst="rect">
+                <a:avLst/>
+              </a:prstGeom>
+              <a:noFill/>
+            </p:spPr>
+            <p:txBody>
+              <a:bodyPr wrap="none" lIns="0" tIns="0" rIns="0" bIns="0" rtlCol="0">
+                <a:spAutoFit/>
+              </a:bodyPr>
+              <a:lstStyle/>
+              <a:p>
+                <a:pPr/>
+                <a14:m>
+                  <m:oMathPara xmlns:m="http://schemas.openxmlformats.org/officeDocument/2006/math">
+                    <m:oMathParaPr>
+                      <m:jc m:val="centerGroup"/>
+                    </m:oMathParaPr>
+                    <m:oMath xmlns:m="http://schemas.openxmlformats.org/officeDocument/2006/math">
+                      <m:r>
+                        <m:rPr>
+                          <m:nor/>
+                        </m:rPr>
+                        <a:rPr lang="pt-BR" sz="3200" b="0" i="0" smtClean="0">
+                          <a:latin typeface="Nunito" pitchFamily="2" charset="77"/>
+                        </a:rPr>
+                        <m:t>P</m:t>
+                      </m:r>
+                      <m:d>
+                        <m:dPr>
+                          <m:ctrlPr>
+                            <a:rPr lang="pt-BR" sz="3200" b="0" i="1" smtClean="0">
+                              <a:latin typeface="Cambria Math" panose="02040503050406030204" pitchFamily="18" charset="0"/>
+                            </a:rPr>
+                          </m:ctrlPr>
+                        </m:dPr>
+                        <m:e>
+                          <m:r>
+                            <m:rPr>
+                              <m:nor/>
+                            </m:rPr>
+                            <a:rPr lang="pt-BR" sz="3200" b="0" i="0" smtClean="0">
+                              <a:latin typeface="Nunito" pitchFamily="2" charset="77"/>
+                            </a:rPr>
+                            <m:t>parto</m:t>
+                          </m:r>
+                          <m:r>
+                            <m:rPr>
+                              <m:nor/>
+                            </m:rPr>
+                            <a:rPr lang="pt-BR" sz="3200" b="0" i="0" smtClean="0">
+                              <a:latin typeface="Nunito" pitchFamily="2" charset="77"/>
+                            </a:rPr>
+                            <m:t> </m:t>
+                          </m:r>
+                          <m:r>
+                            <m:rPr>
+                              <m:nor/>
+                            </m:rPr>
+                            <a:rPr lang="pt-BR" sz="3200" b="0" i="0" smtClean="0">
+                              <a:latin typeface="Nunito" pitchFamily="2" charset="77"/>
+                            </a:rPr>
+                            <m:t>prematuro</m:t>
+                          </m:r>
+                        </m:e>
+                      </m:d>
+                      <m:r>
+                        <m:rPr>
+                          <m:nor/>
+                        </m:rPr>
+                        <a:rPr lang="pt-BR" sz="3200" b="0" i="0" smtClean="0">
+                          <a:latin typeface="Nunito" pitchFamily="2" charset="77"/>
+                        </a:rPr>
+                        <m:t> = </m:t>
+                      </m:r>
+                      <m:f>
+                        <m:fPr>
+                          <m:ctrlPr>
+                            <a:rPr lang="pt-BR" sz="3200" b="0" i="1" smtClean="0">
+                              <a:latin typeface="Cambria Math" panose="02040503050406030204" pitchFamily="18" charset="0"/>
+                            </a:rPr>
+                          </m:ctrlPr>
+                        </m:fPr>
+                        <m:num>
+                          <m:r>
+                            <m:rPr>
+                              <m:nor/>
+                            </m:rPr>
+                            <a:rPr lang="pt-BR" sz="3200" b="0" i="0" smtClean="0">
+                              <a:latin typeface="Nunito" pitchFamily="2" charset="77"/>
+                            </a:rPr>
+                            <m:t>n</m:t>
+                          </m:r>
+                          <m:r>
+                            <m:rPr>
+                              <m:nor/>
+                            </m:rPr>
+                            <a:rPr lang="pt-BR" sz="3200" b="0" i="0" smtClean="0">
+                              <a:latin typeface="Nunito" pitchFamily="2" charset="77"/>
+                            </a:rPr>
+                            <m:t> </m:t>
+                          </m:r>
+                          <m:r>
+                            <m:rPr>
+                              <m:nor/>
+                            </m:rPr>
+                            <a:rPr lang="pt-BR" sz="3200" b="0" i="0" smtClean="0">
+                              <a:latin typeface="Nunito" pitchFamily="2" charset="77"/>
+                            </a:rPr>
+                            <m:t>de</m:t>
+                          </m:r>
+                          <m:r>
+                            <m:rPr>
+                              <m:nor/>
+                            </m:rPr>
+                            <a:rPr lang="pt-BR" sz="3200" b="0" i="0" smtClean="0">
+                              <a:latin typeface="Nunito" pitchFamily="2" charset="77"/>
+                            </a:rPr>
+                            <m:t> </m:t>
+                          </m:r>
+                          <m:r>
+                            <m:rPr>
+                              <m:nor/>
+                            </m:rPr>
+                            <a:rPr lang="pt-BR" sz="3200" b="0" i="0" smtClean="0">
+                              <a:latin typeface="Nunito" pitchFamily="2" charset="77"/>
+                            </a:rPr>
+                            <m:t>partos</m:t>
+                          </m:r>
+                          <m:r>
+                            <m:rPr>
+                              <m:nor/>
+                            </m:rPr>
+                            <a:rPr lang="pt-BR" sz="3200" b="0" i="0" smtClean="0">
+                              <a:latin typeface="Nunito" pitchFamily="2" charset="77"/>
+                            </a:rPr>
+                            <m:t> </m:t>
+                          </m:r>
+                          <m:r>
+                            <m:rPr>
+                              <m:nor/>
+                            </m:rPr>
+                            <a:rPr lang="pt-BR" sz="3200" b="0" i="0" smtClean="0">
+                              <a:latin typeface="Nunito" pitchFamily="2" charset="77"/>
+                            </a:rPr>
+                            <m:t>prematuros</m:t>
+                          </m:r>
+                        </m:num>
+                        <m:den>
+                          <m:r>
+                            <m:rPr>
+                              <m:nor/>
+                            </m:rPr>
+                            <a:rPr lang="pt-BR" sz="3200" b="0" i="0" smtClean="0">
+                              <a:latin typeface="Nunito" pitchFamily="2" charset="77"/>
+                            </a:rPr>
+                            <m:t>n</m:t>
+                          </m:r>
+                          <m:r>
+                            <m:rPr>
+                              <m:nor/>
+                            </m:rPr>
+                            <a:rPr lang="pt-BR" sz="3200" b="0" i="0" smtClean="0">
+                              <a:latin typeface="Nunito" pitchFamily="2" charset="77"/>
+                            </a:rPr>
+                            <m:t> </m:t>
+                          </m:r>
+                          <m:r>
+                            <m:rPr>
+                              <m:nor/>
+                            </m:rPr>
+                            <a:rPr lang="pt-BR" sz="3200" b="0" i="0" smtClean="0">
+                              <a:latin typeface="Nunito" pitchFamily="2" charset="77"/>
+                            </a:rPr>
+                            <m:t>de</m:t>
+                          </m:r>
+                          <m:r>
+                            <m:rPr>
+                              <m:nor/>
+                            </m:rPr>
+                            <a:rPr lang="pt-BR" sz="3200" b="0" i="0" smtClean="0">
+                              <a:latin typeface="Nunito" pitchFamily="2" charset="77"/>
+                            </a:rPr>
+                            <m:t> </m:t>
+                          </m:r>
+                          <m:r>
+                            <m:rPr>
+                              <m:nor/>
+                            </m:rPr>
+                            <a:rPr lang="pt-BR" sz="3200" b="0" i="0" smtClean="0">
+                              <a:latin typeface="Nunito" pitchFamily="2" charset="77"/>
+                            </a:rPr>
+                            <m:t>partos</m:t>
+                          </m:r>
+                        </m:den>
+                      </m:f>
+                    </m:oMath>
+                  </m:oMathPara>
+                </a14:m>
+                <a:endParaRPr lang="pt-BR" sz="3200" dirty="0">
+                  <a:latin typeface="Nunito" pitchFamily="2" charset="77"/>
+                </a:endParaRPr>
+              </a:p>
+            </p:txBody>
+          </p:sp>
+        </mc:Choice>
+        <mc:Fallback>
+          <p:sp>
+            <p:nvSpPr>
+              <p:cNvPr id="4" name="CaixaDeTexto 3">
+                <a:extLst>
+                  <a:ext uri="{FF2B5EF4-FFF2-40B4-BE49-F238E27FC236}">
+                    <a16:creationId xmlns:a16="http://schemas.microsoft.com/office/drawing/2014/main" id="{96805D1D-A635-674E-F526-0BF4E79A0771}"/>
+                  </a:ext>
+                </a:extLst>
+              </p:cNvPr>
+              <p:cNvSpPr txBox="1">
+                <a:spLocks noRot="1" noChangeAspect="1" noMove="1" noResize="1" noEditPoints="1" noAdjustHandles="1" noChangeArrowheads="1" noChangeShapeType="1" noTextEdit="1"/>
+              </p:cNvSpPr>
+              <p:nvPr/>
+            </p:nvSpPr>
+            <p:spPr>
+              <a:xfrm>
+                <a:off x="1635154" y="5241283"/>
+                <a:ext cx="8517012" cy="1012521"/>
+              </a:xfrm>
+              <a:prstGeom prst="rect">
+                <a:avLst/>
+              </a:prstGeom>
+              <a:blipFill>
+                <a:blip r:embed="rId5"/>
+                <a:stretch>
+                  <a:fillRect l="-595" t="-16049" r="-893" b="-25926"/>
+                </a:stretch>
+              </a:blipFill>
+            </p:spPr>
+            <p:txBody>
+              <a:bodyPr/>
+              <a:lstStyle/>
+              <a:p>
+                <a:r>
+                  <a:rPr lang="pt-BR">
+                    <a:noFill/>
+                  </a:rPr>
+                  <a:t> </a:t>
+                </a:r>
+              </a:p>
+            </p:txBody>
+          </p:sp>
+        </mc:Fallback>
+      </mc:AlternateContent>
+      <mc:AlternateContent xmlns:mc="http://schemas.openxmlformats.org/markup-compatibility/2006">
+        <mc:Choice xmlns:a14="http://schemas.microsoft.com/office/drawing/2010/main" Requires="a14">
+          <p:sp>
+            <p:nvSpPr>
+              <p:cNvPr id="8" name="CaixaDeTexto 7">
+                <a:extLst>
+                  <a:ext uri="{FF2B5EF4-FFF2-40B4-BE49-F238E27FC236}">
+                    <a16:creationId xmlns:a16="http://schemas.microsoft.com/office/drawing/2014/main" id="{7E09DA3C-F296-CF69-0DF3-C108AAE3A9EC}"/>
+                  </a:ext>
+                </a:extLst>
+              </p:cNvPr>
+              <p:cNvSpPr txBox="1"/>
+              <p:nvPr/>
+            </p:nvSpPr>
+            <p:spPr>
+              <a:xfrm>
+                <a:off x="1828548" y="6930969"/>
+                <a:ext cx="7448193" cy="941091"/>
+              </a:xfrm>
+              <a:prstGeom prst="rect">
+                <a:avLst/>
+              </a:prstGeom>
+              <a:noFill/>
+            </p:spPr>
+            <p:txBody>
+              <a:bodyPr wrap="square" lIns="0" tIns="0" rIns="0" bIns="0" rtlCol="0">
+                <a:spAutoFit/>
+              </a:bodyPr>
+              <a:lstStyle/>
+              <a:p>
+                <a:pPr/>
+                <a14:m>
+                  <m:oMathPara xmlns:m="http://schemas.openxmlformats.org/officeDocument/2006/math">
+                    <m:oMathParaPr>
+                      <m:jc m:val="centerGroup"/>
+                    </m:oMathParaPr>
+                    <m:oMath xmlns:m="http://schemas.openxmlformats.org/officeDocument/2006/math">
+                      <m:r>
+                        <m:rPr>
+                          <m:nor/>
+                        </m:rPr>
+                        <a:rPr lang="pt-BR" sz="3200" b="0" i="0" smtClean="0">
+                          <a:latin typeface="Nunito" pitchFamily="2" charset="77"/>
+                        </a:rPr>
+                        <m:t>P</m:t>
+                      </m:r>
+                      <m:d>
+                        <m:dPr>
+                          <m:ctrlPr>
+                            <a:rPr lang="pt-BR" sz="3200" b="0" i="1" smtClean="0">
+                              <a:latin typeface="Cambria Math" panose="02040503050406030204" pitchFamily="18" charset="0"/>
+                            </a:rPr>
+                          </m:ctrlPr>
+                        </m:dPr>
+                        <m:e>
+                          <m:r>
+                            <m:rPr>
+                              <m:nor/>
+                            </m:rPr>
+                            <a:rPr lang="pt-BR" sz="3200" b="0" i="0" smtClean="0">
+                              <a:latin typeface="Nunito" pitchFamily="2" charset="77"/>
+                            </a:rPr>
+                            <m:t>parto</m:t>
+                          </m:r>
+                          <m:r>
+                            <m:rPr>
+                              <m:nor/>
+                            </m:rPr>
+                            <a:rPr lang="pt-BR" sz="3200" b="0" i="0" smtClean="0">
+                              <a:latin typeface="Nunito" pitchFamily="2" charset="77"/>
+                            </a:rPr>
+                            <m:t> </m:t>
+                          </m:r>
+                          <m:r>
+                            <m:rPr>
+                              <m:nor/>
+                            </m:rPr>
+                            <a:rPr lang="pt-BR" sz="3200" b="0" i="0" smtClean="0">
+                              <a:latin typeface="Nunito" pitchFamily="2" charset="77"/>
+                            </a:rPr>
+                            <m:t>prematuro</m:t>
+                          </m:r>
+                        </m:e>
+                      </m:d>
+                      <m:r>
+                        <m:rPr>
+                          <m:nor/>
+                        </m:rPr>
+                        <a:rPr lang="pt-BR" sz="3200" b="0" i="0" smtClean="0">
+                          <a:latin typeface="Nunito" pitchFamily="2" charset="77"/>
+                        </a:rPr>
+                        <m:t> = </m:t>
+                      </m:r>
+                      <m:f>
+                        <m:fPr>
+                          <m:ctrlPr>
+                            <a:rPr lang="pt-BR" sz="3200" b="0" i="1" smtClean="0">
+                              <a:latin typeface="Cambria Math" panose="02040503050406030204" pitchFamily="18" charset="0"/>
+                            </a:rPr>
+                          </m:ctrlPr>
+                        </m:fPr>
+                        <m:num>
+                          <m:r>
+                            <m:rPr>
+                              <m:nor/>
+                            </m:rPr>
+                            <a:rPr lang="pt-BR" sz="3200" i="0">
+                              <a:latin typeface="Nunito" pitchFamily="2" charset="77"/>
+                            </a:rPr>
+                            <m:t>314.518</m:t>
+                          </m:r>
+                        </m:num>
+                        <m:den>
+                          <m:r>
+                            <m:rPr>
+                              <m:nor/>
+                            </m:rPr>
+                            <a:rPr lang="pt-BR" sz="3200" i="0">
+                              <a:latin typeface="Nunito" pitchFamily="2" charset="77"/>
+                            </a:rPr>
+                            <m:t>2.621.015</m:t>
+                          </m:r>
+                        </m:den>
+                      </m:f>
+                      <m:r>
+                        <m:rPr>
+                          <m:nor/>
+                        </m:rPr>
+                        <a:rPr lang="pt-BR" sz="3200" b="0" i="0" smtClean="0">
+                          <a:latin typeface="Nunito" pitchFamily="2" charset="77"/>
+                        </a:rPr>
+                        <m:t>= 0,12</m:t>
+                      </m:r>
+                    </m:oMath>
+                  </m:oMathPara>
+                </a14:m>
+                <a:endParaRPr lang="pt-BR" sz="3200" dirty="0">
+                  <a:latin typeface="Nunito" pitchFamily="2" charset="77"/>
+                </a:endParaRPr>
+              </a:p>
+            </p:txBody>
+          </p:sp>
+        </mc:Choice>
+        <mc:Fallback>
+          <p:sp>
+            <p:nvSpPr>
+              <p:cNvPr id="8" name="CaixaDeTexto 7">
+                <a:extLst>
+                  <a:ext uri="{FF2B5EF4-FFF2-40B4-BE49-F238E27FC236}">
+                    <a16:creationId xmlns:a16="http://schemas.microsoft.com/office/drawing/2014/main" id="{7E09DA3C-F296-CF69-0DF3-C108AAE3A9EC}"/>
+                  </a:ext>
+                </a:extLst>
+              </p:cNvPr>
+              <p:cNvSpPr txBox="1">
+                <a:spLocks noRot="1" noChangeAspect="1" noMove="1" noResize="1" noEditPoints="1" noAdjustHandles="1" noChangeArrowheads="1" noChangeShapeType="1" noTextEdit="1"/>
+              </p:cNvSpPr>
+              <p:nvPr/>
+            </p:nvSpPr>
+            <p:spPr>
+              <a:xfrm>
+                <a:off x="1828548" y="6930969"/>
+                <a:ext cx="7448193" cy="941091"/>
+              </a:xfrm>
+              <a:prstGeom prst="rect">
+                <a:avLst/>
+              </a:prstGeom>
+              <a:blipFill>
+                <a:blip r:embed="rId6"/>
+                <a:stretch>
+                  <a:fillRect l="-511" t="-1333" r="-852" b="-14667"/>
+                </a:stretch>
+              </a:blipFill>
+            </p:spPr>
+            <p:txBody>
+              <a:bodyPr/>
+              <a:lstStyle/>
+              <a:p>
+                <a:r>
+                  <a:rPr lang="pt-BR">
+                    <a:noFill/>
+                  </a:rPr>
+                  <a:t> </a:t>
+                </a:r>
+              </a:p>
+            </p:txBody>
+          </p:sp>
+        </mc:Fallback>
+      </mc:AlternateContent>
+      <mc:AlternateContent xmlns:mc="http://schemas.openxmlformats.org/markup-compatibility/2006">
+        <mc:Choice xmlns:a14="http://schemas.microsoft.com/office/drawing/2010/main" Requires="a14">
+          <p:sp>
+            <p:nvSpPr>
+              <p:cNvPr id="11" name="CaixaDeTexto 10">
+                <a:extLst>
+                  <a:ext uri="{FF2B5EF4-FFF2-40B4-BE49-F238E27FC236}">
+                    <a16:creationId xmlns:a16="http://schemas.microsoft.com/office/drawing/2014/main" id="{96FE5697-9552-3F28-E3DB-A5DD326AAF1B}"/>
+                  </a:ext>
+                </a:extLst>
+              </p:cNvPr>
+              <p:cNvSpPr txBox="1"/>
+              <p:nvPr/>
+            </p:nvSpPr>
+            <p:spPr>
+              <a:xfrm>
+                <a:off x="13532675" y="1144725"/>
+                <a:ext cx="6188489" cy="505588"/>
+              </a:xfrm>
+              <a:prstGeom prst="rect">
+                <a:avLst/>
+              </a:prstGeom>
+              <a:noFill/>
+            </p:spPr>
+            <p:txBody>
+              <a:bodyPr wrap="none" lIns="0" tIns="0" rIns="0" bIns="0" rtlCol="0">
+                <a:spAutoFit/>
+              </a:bodyPr>
+              <a:lstStyle/>
+              <a:p>
+                <a:r>
+                  <a:rPr lang="pt-BR" sz="2000" dirty="0">
+                    <a:latin typeface="Nunito" pitchFamily="2" charset="77"/>
+                  </a:rPr>
+                  <a:t>P(</a:t>
+                </a:r>
+                <a:r>
+                  <a:rPr lang="pt-BR" sz="2000" dirty="0" err="1">
+                    <a:latin typeface="Nunito" pitchFamily="2" charset="77"/>
+                  </a:rPr>
+                  <a:t>não-fumante|mulher</a:t>
+                </a:r>
+                <a:r>
+                  <a:rPr lang="pt-BR" sz="2000" dirty="0">
+                    <a:latin typeface="Nunito" pitchFamily="2" charset="77"/>
+                  </a:rPr>
+                  <a:t>) = </a:t>
+                </a:r>
+                <a14:m>
+                  <m:oMath xmlns:m="http://schemas.openxmlformats.org/officeDocument/2006/math">
+                    <m:f>
+                      <m:fPr>
+                        <m:ctrlPr>
+                          <a:rPr lang="pt-BR" sz="2000" i="1" smtClean="0">
+                            <a:latin typeface="Cambria Math" panose="02040503050406030204" pitchFamily="18" charset="0"/>
+                          </a:rPr>
+                        </m:ctrlPr>
+                      </m:fPr>
+                      <m:num>
+                        <m:r>
+                          <m:rPr>
+                            <m:nor/>
+                          </m:rPr>
+                          <a:rPr lang="pt-BR" sz="2000" b="0" i="0" smtClean="0">
+                            <a:latin typeface="Nunito" pitchFamily="2" charset="77"/>
+                          </a:rPr>
+                          <m:t>n</m:t>
+                        </m:r>
+                        <m:r>
+                          <m:rPr>
+                            <m:nor/>
+                          </m:rPr>
+                          <a:rPr lang="pt-BR" sz="2000" b="0" i="0" smtClean="0">
+                            <a:latin typeface="Nunito" pitchFamily="2" charset="77"/>
+                          </a:rPr>
+                          <m:t> </m:t>
+                        </m:r>
+                        <m:r>
+                          <m:rPr>
+                            <m:nor/>
+                          </m:rPr>
+                          <a:rPr lang="pt-BR" sz="2000" b="0" i="0" smtClean="0">
+                            <a:latin typeface="Nunito" pitchFamily="2" charset="77"/>
+                          </a:rPr>
+                          <m:t>de</m:t>
+                        </m:r>
+                        <m:r>
+                          <m:rPr>
+                            <m:nor/>
+                          </m:rPr>
+                          <a:rPr lang="pt-BR" sz="2000" b="0" i="0" smtClean="0">
+                            <a:latin typeface="Nunito" pitchFamily="2" charset="77"/>
+                          </a:rPr>
+                          <m:t> </m:t>
+                        </m:r>
+                        <m:r>
+                          <m:rPr>
+                            <m:nor/>
+                          </m:rPr>
+                          <a:rPr lang="pt-BR" sz="2000" b="0" i="0" smtClean="0">
+                            <a:latin typeface="Nunito" pitchFamily="2" charset="77"/>
+                          </a:rPr>
+                          <m:t>mulheres</m:t>
+                        </m:r>
+                        <m:r>
+                          <m:rPr>
+                            <m:nor/>
+                          </m:rPr>
+                          <a:rPr lang="pt-BR" sz="2000" b="0" i="0" smtClean="0">
+                            <a:latin typeface="Nunito" pitchFamily="2" charset="77"/>
+                          </a:rPr>
+                          <m:t> </m:t>
+                        </m:r>
+                        <m:r>
+                          <m:rPr>
+                            <m:nor/>
+                          </m:rPr>
+                          <a:rPr lang="pt-BR" sz="2000" b="0" i="0" smtClean="0">
+                            <a:latin typeface="Nunito" pitchFamily="2" charset="77"/>
+                          </a:rPr>
+                          <m:t>n</m:t>
+                        </m:r>
+                        <m:r>
+                          <m:rPr>
+                            <m:nor/>
+                          </m:rPr>
+                          <a:rPr lang="pt-BR" sz="2000" i="0">
+                            <a:latin typeface="Nunito" pitchFamily="2" charset="77"/>
+                          </a:rPr>
+                          <m:t>ã</m:t>
+                        </m:r>
+                        <m:r>
+                          <m:rPr>
+                            <m:nor/>
+                          </m:rPr>
+                          <a:rPr lang="pt-BR" sz="2000" b="0" i="0" smtClean="0">
+                            <a:latin typeface="Nunito" pitchFamily="2" charset="77"/>
+                          </a:rPr>
+                          <m:t>o</m:t>
+                        </m:r>
+                        <m:r>
+                          <m:rPr>
+                            <m:nor/>
+                          </m:rPr>
+                          <a:rPr lang="pt-BR" sz="2000" b="0" i="0" smtClean="0">
+                            <a:latin typeface="Nunito" pitchFamily="2" charset="77"/>
+                          </a:rPr>
+                          <m:t>−</m:t>
+                        </m:r>
+                        <m:r>
+                          <m:rPr>
+                            <m:nor/>
+                          </m:rPr>
+                          <a:rPr lang="pt-BR" sz="2000" b="0" i="0" smtClean="0">
+                            <a:latin typeface="Nunito" pitchFamily="2" charset="77"/>
+                          </a:rPr>
+                          <m:t>fumantes</m:t>
+                        </m:r>
+                      </m:num>
+                      <m:den>
+                        <m:r>
+                          <m:rPr>
+                            <m:nor/>
+                          </m:rPr>
+                          <a:rPr lang="pt-BR" sz="2000" b="0" i="0" smtClean="0">
+                            <a:latin typeface="Nunito" pitchFamily="2" charset="77"/>
+                          </a:rPr>
+                          <m:t>n</m:t>
+                        </m:r>
+                        <m:r>
+                          <m:rPr>
+                            <m:nor/>
+                          </m:rPr>
+                          <a:rPr lang="pt-BR" sz="2000" b="0" i="0" smtClean="0">
+                            <a:latin typeface="Nunito" pitchFamily="2" charset="77"/>
+                          </a:rPr>
+                          <m:t> </m:t>
+                        </m:r>
+                        <m:r>
+                          <m:rPr>
+                            <m:nor/>
+                          </m:rPr>
+                          <a:rPr lang="pt-BR" sz="2000" b="0" i="0" smtClean="0">
+                            <a:latin typeface="Nunito" pitchFamily="2" charset="77"/>
+                          </a:rPr>
+                          <m:t>de</m:t>
+                        </m:r>
+                        <m:r>
+                          <m:rPr>
+                            <m:nor/>
+                          </m:rPr>
+                          <a:rPr lang="pt-BR" sz="2000" b="0" i="0" smtClean="0">
+                            <a:latin typeface="Nunito" pitchFamily="2" charset="77"/>
+                          </a:rPr>
+                          <m:t> </m:t>
+                        </m:r>
+                        <m:r>
+                          <m:rPr>
+                            <m:nor/>
+                          </m:rPr>
+                          <a:rPr lang="pt-BR" sz="2000" b="0" i="0" smtClean="0">
+                            <a:latin typeface="Nunito" pitchFamily="2" charset="77"/>
+                          </a:rPr>
+                          <m:t>mulheres</m:t>
+                        </m:r>
+                      </m:den>
+                    </m:f>
+                  </m:oMath>
+                </a14:m>
+                <a:endParaRPr lang="pt-BR" sz="2000" dirty="0">
+                  <a:latin typeface="Nunito" pitchFamily="2" charset="77"/>
+                </a:endParaRPr>
+              </a:p>
+            </p:txBody>
+          </p:sp>
+        </mc:Choice>
+        <mc:Fallback>
+          <p:sp>
+            <p:nvSpPr>
+              <p:cNvPr id="11" name="CaixaDeTexto 10">
+                <a:extLst>
+                  <a:ext uri="{FF2B5EF4-FFF2-40B4-BE49-F238E27FC236}">
+                    <a16:creationId xmlns:a16="http://schemas.microsoft.com/office/drawing/2014/main" id="{96FE5697-9552-3F28-E3DB-A5DD326AAF1B}"/>
+                  </a:ext>
+                </a:extLst>
+              </p:cNvPr>
+              <p:cNvSpPr txBox="1">
+                <a:spLocks noRot="1" noChangeAspect="1" noMove="1" noResize="1" noEditPoints="1" noAdjustHandles="1" noChangeArrowheads="1" noChangeShapeType="1" noTextEdit="1"/>
+              </p:cNvSpPr>
+              <p:nvPr/>
+            </p:nvSpPr>
+            <p:spPr>
+              <a:xfrm>
+                <a:off x="13532675" y="1144725"/>
+                <a:ext cx="6188489" cy="505588"/>
+              </a:xfrm>
+              <a:prstGeom prst="rect">
+                <a:avLst/>
+              </a:prstGeom>
+              <a:blipFill>
+                <a:blip r:embed="rId7"/>
+                <a:stretch>
+                  <a:fillRect l="-2459" t="-19512" r="-2049" b="-39024"/>
+                </a:stretch>
+              </a:blipFill>
+            </p:spPr>
+            <p:txBody>
+              <a:bodyPr/>
+              <a:lstStyle/>
+              <a:p>
+                <a:r>
+                  <a:rPr lang="pt-BR">
+                    <a:noFill/>
+                  </a:rPr>
+                  <a:t> </a:t>
+                </a:r>
+              </a:p>
+            </p:txBody>
+          </p:sp>
+        </mc:Fallback>
+      </mc:AlternateContent>
+      <mc:AlternateContent xmlns:mc="http://schemas.openxmlformats.org/markup-compatibility/2006">
+        <mc:Choice xmlns:a14="http://schemas.microsoft.com/office/drawing/2010/main" Requires="a14">
+          <p:sp>
+            <p:nvSpPr>
+              <p:cNvPr id="13" name="CaixaDeTexto 12">
+                <a:extLst>
+                  <a:ext uri="{FF2B5EF4-FFF2-40B4-BE49-F238E27FC236}">
+                    <a16:creationId xmlns:a16="http://schemas.microsoft.com/office/drawing/2014/main" id="{5DEA1915-C4CE-9E22-328A-F392F888222E}"/>
+                  </a:ext>
+                </a:extLst>
+              </p:cNvPr>
+              <p:cNvSpPr txBox="1"/>
+              <p:nvPr/>
+            </p:nvSpPr>
+            <p:spPr>
+              <a:xfrm>
+                <a:off x="13761275" y="2324950"/>
+                <a:ext cx="3414396" cy="507383"/>
+              </a:xfrm>
+              <a:prstGeom prst="rect">
+                <a:avLst/>
+              </a:prstGeom>
+              <a:noFill/>
+            </p:spPr>
+            <p:txBody>
+              <a:bodyPr wrap="none" lIns="0" tIns="0" rIns="0" bIns="0" rtlCol="0">
+                <a:spAutoFit/>
+              </a:bodyPr>
+              <a:lstStyle/>
+              <a:p>
+                <a:r>
+                  <a:rPr lang="pt-BR" sz="2000" dirty="0" err="1">
+                    <a:latin typeface="Nunito" pitchFamily="2" charset="77"/>
+                  </a:rPr>
+                  <a:t>P</a:t>
+                </a:r>
+                <a:r>
+                  <a:rPr lang="pt-BR" sz="2000" dirty="0">
+                    <a:latin typeface="Nunito" pitchFamily="2" charset="77"/>
+                  </a:rPr>
+                  <a:t>(</a:t>
+                </a:r>
+                <a:r>
+                  <a:rPr lang="pt-BR" sz="2000" dirty="0" err="1">
+                    <a:latin typeface="Nunito" pitchFamily="2" charset="77"/>
+                  </a:rPr>
+                  <a:t>não-fumante|mulher</a:t>
+                </a:r>
+                <a:r>
+                  <a:rPr lang="pt-BR" sz="2000" dirty="0">
+                    <a:latin typeface="Nunito" pitchFamily="2" charset="77"/>
+                  </a:rPr>
+                  <a:t>) = </a:t>
+                </a:r>
+                <a14:m>
+                  <m:oMath xmlns:m="http://schemas.openxmlformats.org/officeDocument/2006/math">
+                    <m:f>
+                      <m:fPr>
+                        <m:ctrlPr>
+                          <a:rPr lang="pt-BR" sz="2000" i="1" smtClean="0">
+                            <a:latin typeface="Cambria Math" panose="02040503050406030204" pitchFamily="18" charset="0"/>
+                          </a:rPr>
+                        </m:ctrlPr>
+                      </m:fPr>
+                      <m:num>
+                        <m:r>
+                          <m:rPr>
+                            <m:nor/>
+                          </m:rPr>
+                          <a:rPr lang="pt-BR" sz="2000" b="0" i="0" smtClean="0">
+                            <a:latin typeface="Nunito" pitchFamily="2" charset="77"/>
+                          </a:rPr>
+                          <m:t>160</m:t>
+                        </m:r>
+                      </m:num>
+                      <m:den>
+                        <m:r>
+                          <m:rPr>
+                            <m:nor/>
+                          </m:rPr>
+                          <a:rPr lang="pt-BR" sz="2000" b="0" i="0" smtClean="0">
+                            <a:latin typeface="Nunito" pitchFamily="2" charset="77"/>
+                          </a:rPr>
+                          <m:t>200</m:t>
+                        </m:r>
+                      </m:den>
+                    </m:f>
+                  </m:oMath>
+                </a14:m>
+                <a:endParaRPr lang="pt-BR" sz="2000" dirty="0">
+                  <a:latin typeface="Nunito" pitchFamily="2" charset="77"/>
+                </a:endParaRPr>
+              </a:p>
+            </p:txBody>
+          </p:sp>
+        </mc:Choice>
+        <mc:Fallback>
+          <p:sp>
+            <p:nvSpPr>
+              <p:cNvPr id="13" name="CaixaDeTexto 12">
+                <a:extLst>
+                  <a:ext uri="{FF2B5EF4-FFF2-40B4-BE49-F238E27FC236}">
+                    <a16:creationId xmlns:a16="http://schemas.microsoft.com/office/drawing/2014/main" id="{5DEA1915-C4CE-9E22-328A-F392F888222E}"/>
+                  </a:ext>
+                </a:extLst>
+              </p:cNvPr>
+              <p:cNvSpPr txBox="1">
+                <a:spLocks noRot="1" noChangeAspect="1" noMove="1" noResize="1" noEditPoints="1" noAdjustHandles="1" noChangeArrowheads="1" noChangeShapeType="1" noTextEdit="1"/>
+              </p:cNvSpPr>
+              <p:nvPr/>
+            </p:nvSpPr>
+            <p:spPr>
+              <a:xfrm>
+                <a:off x="13761275" y="2324950"/>
+                <a:ext cx="3414396" cy="507383"/>
+              </a:xfrm>
+              <a:prstGeom prst="rect">
+                <a:avLst/>
+              </a:prstGeom>
+              <a:blipFill>
+                <a:blip r:embed="rId8"/>
+                <a:stretch>
+                  <a:fillRect l="-4444" t="-2381" r="-1852" b="-16667"/>
+                </a:stretch>
+              </a:blipFill>
+            </p:spPr>
+            <p:txBody>
+              <a:bodyPr/>
+              <a:lstStyle/>
+              <a:p>
+                <a:r>
+                  <a:rPr lang="pt-BR">
+                    <a:noFill/>
+                  </a:rPr>
+                  <a:t> </a:t>
+                </a:r>
+              </a:p>
+            </p:txBody>
+          </p:sp>
+        </mc:Fallback>
+      </mc:AlternateContent>
+      <p:sp>
+        <p:nvSpPr>
+          <p:cNvPr id="14" name="CaixaDeTexto 13">
+            <a:extLst>
+              <a:ext uri="{FF2B5EF4-FFF2-40B4-BE49-F238E27FC236}">
+                <a16:creationId xmlns:a16="http://schemas.microsoft.com/office/drawing/2014/main" id="{26E92E07-97E6-621B-8BD4-C75485A0D116}"/>
+              </a:ext>
+            </a:extLst>
+          </p:cNvPr>
+          <p:cNvSpPr txBox="1"/>
+          <p:nvPr/>
+        </p:nvSpPr>
+        <p:spPr>
+          <a:xfrm>
+            <a:off x="17186621" y="2432223"/>
+            <a:ext cx="1603324" cy="400110"/>
+          </a:xfrm>
+          <a:prstGeom prst="rect">
+            <a:avLst/>
+          </a:prstGeom>
+          <a:noFill/>
+        </p:spPr>
+        <p:txBody>
+          <a:bodyPr wrap="none" rtlCol="0">
+            <a:spAutoFit/>
+          </a:bodyPr>
+          <a:lstStyle/>
+          <a:p>
+            <a:r>
+              <a:rPr lang="pt-BR" sz="2000" dirty="0">
+                <a:latin typeface="Nunito" pitchFamily="2" charset="77"/>
+              </a:rPr>
+              <a:t>= 0,8 = 80%</a:t>
+            </a:r>
+          </a:p>
+        </p:txBody>
+      </p:sp>
+      <mc:AlternateContent xmlns:mc="http://schemas.openxmlformats.org/markup-compatibility/2006">
+        <mc:Choice xmlns:a14="http://schemas.microsoft.com/office/drawing/2010/main" Requires="a14">
+          <p:sp>
+            <p:nvSpPr>
+              <p:cNvPr id="22" name="CaixaDeTexto 21">
+                <a:extLst>
+                  <a:ext uri="{FF2B5EF4-FFF2-40B4-BE49-F238E27FC236}">
+                    <a16:creationId xmlns:a16="http://schemas.microsoft.com/office/drawing/2014/main" id="{35F119B7-DDA5-B77F-0401-3CDB71764E15}"/>
+                  </a:ext>
+                </a:extLst>
+              </p:cNvPr>
+              <p:cNvSpPr txBox="1"/>
+              <p:nvPr/>
+            </p:nvSpPr>
+            <p:spPr>
+              <a:xfrm>
+                <a:off x="13339281" y="5096481"/>
+                <a:ext cx="6344686" cy="506870"/>
+              </a:xfrm>
+              <a:prstGeom prst="rect">
+                <a:avLst/>
+              </a:prstGeom>
+              <a:noFill/>
+            </p:spPr>
+            <p:txBody>
+              <a:bodyPr wrap="none" lIns="0" tIns="0" rIns="0" bIns="0" rtlCol="0">
+                <a:spAutoFit/>
+              </a:bodyPr>
+              <a:lstStyle/>
+              <a:p>
+                <a:r>
+                  <a:rPr lang="pt-BR" sz="2000" dirty="0" err="1">
+                    <a:latin typeface="Nunito" pitchFamily="2" charset="77"/>
+                  </a:rPr>
+                  <a:t>P</a:t>
+                </a:r>
+                <a:r>
+                  <a:rPr lang="pt-BR" sz="2000" dirty="0">
+                    <a:latin typeface="Nunito" pitchFamily="2" charset="77"/>
+                  </a:rPr>
+                  <a:t>(</a:t>
+                </a:r>
+                <a:r>
+                  <a:rPr lang="pt-BR" sz="2000" dirty="0" err="1">
+                    <a:latin typeface="Nunito" pitchFamily="2" charset="77"/>
+                  </a:rPr>
+                  <a:t>mulher|não-fumante</a:t>
+                </a:r>
+                <a:r>
+                  <a:rPr lang="pt-BR" sz="2000" dirty="0">
+                    <a:latin typeface="Nunito" pitchFamily="2" charset="77"/>
+                  </a:rPr>
+                  <a:t>) = </a:t>
+                </a:r>
+                <a14:m>
+                  <m:oMath xmlns:m="http://schemas.openxmlformats.org/officeDocument/2006/math">
+                    <m:f>
+                      <m:fPr>
+                        <m:ctrlPr>
+                          <a:rPr lang="pt-BR" sz="2000" i="1" smtClean="0">
+                            <a:latin typeface="Cambria Math" panose="02040503050406030204" pitchFamily="18" charset="0"/>
+                          </a:rPr>
+                        </m:ctrlPr>
+                      </m:fPr>
+                      <m:num>
+                        <m:r>
+                          <m:rPr>
+                            <m:nor/>
+                          </m:rPr>
+                          <a:rPr lang="pt-BR" sz="2000" b="0" i="0" smtClean="0">
+                            <a:latin typeface="Nunito" pitchFamily="2" charset="77"/>
+                          </a:rPr>
+                          <m:t>n</m:t>
+                        </m:r>
+                        <m:r>
+                          <m:rPr>
+                            <m:nor/>
+                          </m:rPr>
+                          <a:rPr lang="pt-BR" sz="2000" b="0" i="0" smtClean="0">
+                            <a:latin typeface="Nunito" pitchFamily="2" charset="77"/>
+                          </a:rPr>
+                          <m:t> </m:t>
+                        </m:r>
+                        <m:r>
+                          <m:rPr>
+                            <m:nor/>
+                          </m:rPr>
+                          <a:rPr lang="pt-BR" sz="2000" b="0" i="0" smtClean="0">
+                            <a:latin typeface="Nunito" pitchFamily="2" charset="77"/>
+                          </a:rPr>
+                          <m:t>de</m:t>
+                        </m:r>
+                        <m:r>
+                          <m:rPr>
+                            <m:nor/>
+                          </m:rPr>
+                          <a:rPr lang="pt-BR" sz="2000" b="0" i="0" smtClean="0">
+                            <a:latin typeface="Nunito" pitchFamily="2" charset="77"/>
+                          </a:rPr>
+                          <m:t> </m:t>
+                        </m:r>
+                        <m:r>
+                          <m:rPr>
+                            <m:nor/>
+                          </m:rPr>
+                          <a:rPr lang="pt-BR" sz="2000" b="0" i="0" smtClean="0">
+                            <a:latin typeface="Nunito" pitchFamily="2" charset="77"/>
+                          </a:rPr>
+                          <m:t>mulheres</m:t>
+                        </m:r>
+                        <m:r>
+                          <m:rPr>
+                            <m:nor/>
+                          </m:rPr>
+                          <a:rPr lang="pt-BR" sz="2000" b="0" i="0" smtClean="0">
+                            <a:latin typeface="Nunito" pitchFamily="2" charset="77"/>
+                          </a:rPr>
+                          <m:t> </m:t>
+                        </m:r>
+                        <m:r>
+                          <m:rPr>
+                            <m:nor/>
+                          </m:rPr>
+                          <a:rPr lang="pt-BR" sz="2000" b="0" i="0" smtClean="0">
+                            <a:latin typeface="Nunito" pitchFamily="2" charset="77"/>
+                          </a:rPr>
+                          <m:t>n</m:t>
+                        </m:r>
+                        <m:r>
+                          <m:rPr>
+                            <m:nor/>
+                          </m:rPr>
+                          <a:rPr lang="pt-BR" sz="2000" i="0">
+                            <a:latin typeface="Nunito" pitchFamily="2" charset="77"/>
+                          </a:rPr>
+                          <m:t>ã</m:t>
+                        </m:r>
+                        <m:r>
+                          <m:rPr>
+                            <m:nor/>
+                          </m:rPr>
+                          <a:rPr lang="pt-BR" sz="2000" b="0" i="0" smtClean="0">
+                            <a:latin typeface="Nunito" pitchFamily="2" charset="77"/>
+                          </a:rPr>
+                          <m:t>o</m:t>
+                        </m:r>
+                        <m:r>
+                          <m:rPr>
+                            <m:nor/>
+                          </m:rPr>
+                          <a:rPr lang="pt-BR" sz="2000" b="0" i="0" smtClean="0">
+                            <a:latin typeface="Nunito" pitchFamily="2" charset="77"/>
+                          </a:rPr>
+                          <m:t>−</m:t>
+                        </m:r>
+                        <m:r>
+                          <m:rPr>
+                            <m:nor/>
+                          </m:rPr>
+                          <a:rPr lang="pt-BR" sz="2000" b="0" i="0" smtClean="0">
+                            <a:latin typeface="Nunito" pitchFamily="2" charset="77"/>
+                          </a:rPr>
+                          <m:t>fumantes</m:t>
+                        </m:r>
+                      </m:num>
+                      <m:den>
+                        <m:r>
+                          <m:rPr>
+                            <m:nor/>
+                          </m:rPr>
+                          <a:rPr lang="pt-BR" sz="2000" b="0" i="0" smtClean="0">
+                            <a:latin typeface="Nunito" pitchFamily="2" charset="77"/>
+                          </a:rPr>
+                          <m:t>n</m:t>
+                        </m:r>
+                        <m:r>
+                          <m:rPr>
+                            <m:nor/>
+                          </m:rPr>
+                          <a:rPr lang="pt-BR" sz="2000" b="0" i="0" smtClean="0">
+                            <a:latin typeface="Nunito" pitchFamily="2" charset="77"/>
+                          </a:rPr>
+                          <m:t> </m:t>
+                        </m:r>
+                        <m:r>
+                          <m:rPr>
+                            <m:nor/>
+                          </m:rPr>
+                          <a:rPr lang="pt-BR" sz="2000" b="0" i="0" smtClean="0">
+                            <a:latin typeface="Nunito" pitchFamily="2" charset="77"/>
+                          </a:rPr>
+                          <m:t>de</m:t>
+                        </m:r>
+                        <m:r>
+                          <m:rPr>
+                            <m:nor/>
+                          </m:rPr>
+                          <a:rPr lang="pt-BR" sz="2000" b="0" i="0" smtClean="0">
+                            <a:latin typeface="Nunito" pitchFamily="2" charset="77"/>
+                          </a:rPr>
+                          <m:t> </m:t>
+                        </m:r>
+                        <m:r>
+                          <m:rPr>
+                            <m:nor/>
+                          </m:rPr>
+                          <a:rPr lang="pt-BR" sz="2000">
+                            <a:latin typeface="Nunito" pitchFamily="2" charset="77"/>
+                          </a:rPr>
+                          <m:t>n</m:t>
+                        </m:r>
+                        <m:r>
+                          <m:rPr>
+                            <m:nor/>
+                          </m:rPr>
+                          <a:rPr lang="pt-BR" sz="2000">
+                            <a:latin typeface="Nunito" pitchFamily="2" charset="77"/>
+                          </a:rPr>
+                          <m:t>ã</m:t>
+                        </m:r>
+                        <m:r>
+                          <m:rPr>
+                            <m:nor/>
+                          </m:rPr>
+                          <a:rPr lang="pt-BR" sz="2000">
+                            <a:latin typeface="Nunito" pitchFamily="2" charset="77"/>
+                          </a:rPr>
+                          <m:t>o</m:t>
+                        </m:r>
+                        <m:r>
+                          <m:rPr>
+                            <m:nor/>
+                          </m:rPr>
+                          <a:rPr lang="pt-BR" sz="2000">
+                            <a:latin typeface="Nunito" pitchFamily="2" charset="77"/>
+                          </a:rPr>
+                          <m:t>−</m:t>
+                        </m:r>
+                        <m:r>
+                          <m:rPr>
+                            <m:nor/>
+                          </m:rPr>
+                          <a:rPr lang="pt-BR" sz="2000">
+                            <a:latin typeface="Nunito" pitchFamily="2" charset="77"/>
+                          </a:rPr>
+                          <m:t>fumantes</m:t>
+                        </m:r>
+                      </m:den>
+                    </m:f>
+                  </m:oMath>
+                </a14:m>
+                <a:endParaRPr lang="pt-BR" sz="2000" dirty="0">
+                  <a:latin typeface="Nunito" pitchFamily="2" charset="77"/>
+                </a:endParaRPr>
+              </a:p>
+            </p:txBody>
+          </p:sp>
+        </mc:Choice>
+        <mc:Fallback>
+          <p:sp>
+            <p:nvSpPr>
+              <p:cNvPr id="22" name="CaixaDeTexto 21">
+                <a:extLst>
+                  <a:ext uri="{FF2B5EF4-FFF2-40B4-BE49-F238E27FC236}">
+                    <a16:creationId xmlns:a16="http://schemas.microsoft.com/office/drawing/2014/main" id="{35F119B7-DDA5-B77F-0401-3CDB71764E15}"/>
+                  </a:ext>
+                </a:extLst>
+              </p:cNvPr>
+              <p:cNvSpPr txBox="1">
+                <a:spLocks noRot="1" noChangeAspect="1" noMove="1" noResize="1" noEditPoints="1" noAdjustHandles="1" noChangeArrowheads="1" noChangeShapeType="1" noTextEdit="1"/>
+              </p:cNvSpPr>
+              <p:nvPr/>
+            </p:nvSpPr>
+            <p:spPr>
+              <a:xfrm>
+                <a:off x="13339281" y="5096481"/>
+                <a:ext cx="6344686" cy="506870"/>
+              </a:xfrm>
+              <a:prstGeom prst="rect">
+                <a:avLst/>
+              </a:prstGeom>
+              <a:blipFill>
+                <a:blip r:embed="rId9"/>
+                <a:stretch>
+                  <a:fillRect l="-2400" t="-19512" b="-39024"/>
+                </a:stretch>
+              </a:blipFill>
+            </p:spPr>
+            <p:txBody>
+              <a:bodyPr/>
+              <a:lstStyle/>
+              <a:p>
+                <a:r>
+                  <a:rPr lang="pt-BR">
+                    <a:noFill/>
+                  </a:rPr>
+                  <a:t> </a:t>
+                </a:r>
+              </a:p>
+            </p:txBody>
+          </p:sp>
+        </mc:Fallback>
+      </mc:AlternateContent>
+      <mc:AlternateContent xmlns:mc="http://schemas.openxmlformats.org/markup-compatibility/2006">
+        <mc:Choice xmlns:a14="http://schemas.microsoft.com/office/drawing/2010/main" Requires="a14">
+          <p:sp>
+            <p:nvSpPr>
+              <p:cNvPr id="23" name="CaixaDeTexto 22">
+                <a:extLst>
+                  <a:ext uri="{FF2B5EF4-FFF2-40B4-BE49-F238E27FC236}">
+                    <a16:creationId xmlns:a16="http://schemas.microsoft.com/office/drawing/2014/main" id="{79724EDE-3280-D623-C583-67E28FEADA88}"/>
+                  </a:ext>
+                </a:extLst>
+              </p:cNvPr>
+              <p:cNvSpPr txBox="1"/>
+              <p:nvPr/>
+            </p:nvSpPr>
+            <p:spPr>
+              <a:xfrm>
+                <a:off x="13321145" y="6000112"/>
+                <a:ext cx="3414396" cy="507383"/>
+              </a:xfrm>
+              <a:prstGeom prst="rect">
+                <a:avLst/>
+              </a:prstGeom>
+              <a:noFill/>
+            </p:spPr>
+            <p:txBody>
+              <a:bodyPr wrap="none" lIns="0" tIns="0" rIns="0" bIns="0" rtlCol="0">
+                <a:spAutoFit/>
+              </a:bodyPr>
+              <a:lstStyle/>
+              <a:p>
+                <a:r>
+                  <a:rPr lang="pt-BR" sz="2000" dirty="0" err="1">
+                    <a:latin typeface="Nunito" pitchFamily="2" charset="77"/>
+                  </a:rPr>
+                  <a:t>P</a:t>
+                </a:r>
+                <a:r>
+                  <a:rPr lang="pt-BR" sz="2000" dirty="0">
+                    <a:latin typeface="Nunito" pitchFamily="2" charset="77"/>
+                  </a:rPr>
+                  <a:t>(</a:t>
+                </a:r>
+                <a:r>
+                  <a:rPr lang="pt-BR" sz="2000" dirty="0" err="1">
+                    <a:latin typeface="Nunito" pitchFamily="2" charset="77"/>
+                  </a:rPr>
+                  <a:t>mulher|não-fumante</a:t>
+                </a:r>
+                <a:r>
+                  <a:rPr lang="pt-BR" sz="2000" dirty="0">
+                    <a:latin typeface="Nunito" pitchFamily="2" charset="77"/>
+                  </a:rPr>
+                  <a:t>) = </a:t>
+                </a:r>
+                <a14:m>
+                  <m:oMath xmlns:m="http://schemas.openxmlformats.org/officeDocument/2006/math">
+                    <m:f>
+                      <m:fPr>
+                        <m:ctrlPr>
+                          <a:rPr lang="pt-BR" sz="2000" i="1" smtClean="0">
+                            <a:latin typeface="Cambria Math" panose="02040503050406030204" pitchFamily="18" charset="0"/>
+                          </a:rPr>
+                        </m:ctrlPr>
+                      </m:fPr>
+                      <m:num>
+                        <m:r>
+                          <m:rPr>
+                            <m:nor/>
+                          </m:rPr>
+                          <a:rPr lang="pt-BR" sz="2000" b="0" i="0" smtClean="0">
+                            <a:latin typeface="Nunito" pitchFamily="2" charset="77"/>
+                          </a:rPr>
+                          <m:t>160</m:t>
+                        </m:r>
+                      </m:num>
+                      <m:den>
+                        <m:r>
+                          <m:rPr>
+                            <m:nor/>
+                          </m:rPr>
+                          <a:rPr lang="pt-BR" sz="2000" b="0" i="0" smtClean="0">
+                            <a:latin typeface="Nunito" pitchFamily="2" charset="77"/>
+                          </a:rPr>
+                          <m:t>2</m:t>
+                        </m:r>
+                        <m:r>
+                          <m:rPr>
+                            <m:nor/>
+                          </m:rPr>
+                          <a:rPr lang="pt-BR" sz="2000" b="0" i="0" smtClean="0">
+                            <a:latin typeface="Nunito" pitchFamily="2" charset="77"/>
+                          </a:rPr>
+                          <m:t>5</m:t>
+                        </m:r>
+                        <m:r>
+                          <m:rPr>
+                            <m:nor/>
+                          </m:rPr>
+                          <a:rPr lang="pt-BR" sz="2000" b="0" i="0" smtClean="0">
+                            <a:latin typeface="Nunito" pitchFamily="2" charset="77"/>
+                          </a:rPr>
+                          <m:t>0</m:t>
+                        </m:r>
+                      </m:den>
+                    </m:f>
+                  </m:oMath>
+                </a14:m>
+                <a:endParaRPr lang="pt-BR" sz="2000" dirty="0">
+                  <a:latin typeface="Nunito" pitchFamily="2" charset="77"/>
+                </a:endParaRPr>
+              </a:p>
+            </p:txBody>
+          </p:sp>
+        </mc:Choice>
+        <mc:Fallback>
+          <p:sp>
+            <p:nvSpPr>
+              <p:cNvPr id="23" name="CaixaDeTexto 22">
+                <a:extLst>
+                  <a:ext uri="{FF2B5EF4-FFF2-40B4-BE49-F238E27FC236}">
+                    <a16:creationId xmlns:a16="http://schemas.microsoft.com/office/drawing/2014/main" id="{79724EDE-3280-D623-C583-67E28FEADA88}"/>
+                  </a:ext>
+                </a:extLst>
+              </p:cNvPr>
+              <p:cNvSpPr txBox="1">
+                <a:spLocks noRot="1" noChangeAspect="1" noMove="1" noResize="1" noEditPoints="1" noAdjustHandles="1" noChangeArrowheads="1" noChangeShapeType="1" noTextEdit="1"/>
+              </p:cNvSpPr>
+              <p:nvPr/>
+            </p:nvSpPr>
+            <p:spPr>
+              <a:xfrm>
+                <a:off x="13321145" y="6000112"/>
+                <a:ext cx="3414396" cy="507383"/>
+              </a:xfrm>
+              <a:prstGeom prst="rect">
+                <a:avLst/>
+              </a:prstGeom>
+              <a:blipFill>
+                <a:blip r:embed="rId10"/>
+                <a:stretch>
+                  <a:fillRect l="-4444" t="-4878" r="-1852" b="-17073"/>
+                </a:stretch>
+              </a:blipFill>
+            </p:spPr>
+            <p:txBody>
+              <a:bodyPr/>
+              <a:lstStyle/>
+              <a:p>
+                <a:r>
+                  <a:rPr lang="pt-BR">
+                    <a:noFill/>
+                  </a:rPr>
+                  <a:t> </a:t>
+                </a:r>
+              </a:p>
+            </p:txBody>
+          </p:sp>
+        </mc:Fallback>
+      </mc:AlternateContent>
+      <p:sp>
+        <p:nvSpPr>
+          <p:cNvPr id="24" name="CaixaDeTexto 23">
+            <a:extLst>
+              <a:ext uri="{FF2B5EF4-FFF2-40B4-BE49-F238E27FC236}">
+                <a16:creationId xmlns:a16="http://schemas.microsoft.com/office/drawing/2014/main" id="{EB06D685-601E-8E6D-D671-1FAAAB4A9253}"/>
+              </a:ext>
+            </a:extLst>
+          </p:cNvPr>
+          <p:cNvSpPr txBox="1"/>
+          <p:nvPr/>
+        </p:nvSpPr>
+        <p:spPr>
+          <a:xfrm>
+            <a:off x="16746491" y="6107385"/>
+            <a:ext cx="1757212" cy="400110"/>
+          </a:xfrm>
+          <a:prstGeom prst="rect">
+            <a:avLst/>
+          </a:prstGeom>
+          <a:noFill/>
+        </p:spPr>
+        <p:txBody>
+          <a:bodyPr wrap="none" rtlCol="0">
+            <a:spAutoFit/>
+          </a:bodyPr>
+          <a:lstStyle/>
+          <a:p>
+            <a:r>
+              <a:rPr lang="pt-BR" sz="2000" dirty="0">
+                <a:latin typeface="Nunito" pitchFamily="2" charset="77"/>
+              </a:rPr>
+              <a:t>= 0,64 = 64%</a:t>
+            </a:r>
+          </a:p>
+        </p:txBody>
+      </p:sp>
     </p:spTree>
     <p:extLst>
       <p:ext uri="{BB962C8B-B14F-4D97-AF65-F5344CB8AC3E}">
@@ -5971,10 +6309,4587 @@
   <p:clrMapOvr>
     <a:masterClrMapping/>
   </p:clrMapOvr>
+  <p:timing>
+    <p:tnLst>
+      <p:par>
+        <p:cTn id="1" dur="indefinite" restart="never" nodeType="tmRoot">
+          <p:childTnLst>
+            <p:seq concurrent="1" nextAc="seek">
+              <p:cTn id="2" dur="indefinite" nodeType="mainSeq">
+                <p:childTnLst>
+                  <p:par>
+                    <p:cTn id="3" fill="hold">
+                      <p:stCondLst>
+                        <p:cond delay="indefinite"/>
+                      </p:stCondLst>
+                      <p:childTnLst>
+                        <p:par>
+                          <p:cTn id="4" fill="hold">
+                            <p:stCondLst>
+                              <p:cond delay="0"/>
+                            </p:stCondLst>
+                            <p:childTnLst>
+                              <p:par>
+                                <p:cTn id="5" presetID="1" presetClass="entr" presetSubtype="0" fill="hold" grpId="0" nodeType="clickEffect">
+                                  <p:stCondLst>
+                                    <p:cond delay="0"/>
+                                  </p:stCondLst>
+                                  <p:childTnLst>
+                                    <p:set>
+                                      <p:cBhvr>
+                                        <p:cTn id="6" dur="1" fill="hold">
+                                          <p:stCondLst>
+                                            <p:cond delay="0"/>
+                                          </p:stCondLst>
+                                        </p:cTn>
+                                        <p:tgtEl>
+                                          <p:spTgt spid="4"/>
+                                        </p:tgtEl>
+                                        <p:attrNameLst>
+                                          <p:attrName>style.visibility</p:attrName>
+                                        </p:attrNameLst>
+                                      </p:cBhvr>
+                                      <p:to>
+                                        <p:strVal val="visible"/>
+                                      </p:to>
+                                    </p:set>
+                                  </p:childTnLst>
+                                </p:cTn>
+                              </p:par>
+                            </p:childTnLst>
+                          </p:cTn>
+                        </p:par>
+                      </p:childTnLst>
+                    </p:cTn>
+                  </p:par>
+                  <p:par>
+                    <p:cTn id="7" fill="hold">
+                      <p:stCondLst>
+                        <p:cond delay="indefinite"/>
+                      </p:stCondLst>
+                      <p:childTnLst>
+                        <p:par>
+                          <p:cTn id="8" fill="hold">
+                            <p:stCondLst>
+                              <p:cond delay="0"/>
+                            </p:stCondLst>
+                            <p:childTnLst>
+                              <p:par>
+                                <p:cTn id="9" presetID="1" presetClass="entr" presetSubtype="0" fill="hold" grpId="0" nodeType="clickEffect">
+                                  <p:stCondLst>
+                                    <p:cond delay="0"/>
+                                  </p:stCondLst>
+                                  <p:childTnLst>
+                                    <p:set>
+                                      <p:cBhvr>
+                                        <p:cTn id="10" dur="1" fill="hold">
+                                          <p:stCondLst>
+                                            <p:cond delay="0"/>
+                                          </p:stCondLst>
+                                        </p:cTn>
+                                        <p:tgtEl>
+                                          <p:spTgt spid="8"/>
+                                        </p:tgtEl>
+                                        <p:attrNameLst>
+                                          <p:attrName>style.visibility</p:attrName>
+                                        </p:attrNameLst>
+                                      </p:cBhvr>
+                                      <p:to>
+                                        <p:strVal val="visible"/>
+                                      </p:to>
+                                    </p:set>
+                                  </p:childTnLst>
+                                </p:cTn>
+                              </p:par>
+                            </p:childTnLst>
+                          </p:cTn>
+                        </p:par>
+                      </p:childTnLst>
+                    </p:cTn>
+                  </p:par>
+                </p:childTnLst>
+              </p:cTn>
+              <p:prevCondLst>
+                <p:cond evt="onPrev" delay="0">
+                  <p:tgtEl>
+                    <p:sldTgt/>
+                  </p:tgtEl>
+                </p:cond>
+              </p:prevCondLst>
+              <p:nextCondLst>
+                <p:cond evt="onNext" delay="0">
+                  <p:tgtEl>
+                    <p:sldTgt/>
+                  </p:tgtEl>
+                </p:cond>
+              </p:nextCondLst>
+            </p:seq>
+          </p:childTnLst>
+        </p:cTn>
+      </p:par>
+    </p:tnLst>
+    <p:bldLst>
+      <p:bldP spid="4" grpId="0"/>
+      <p:bldP spid="8" grpId="0"/>
+    </p:bldLst>
+  </p:timing>
 </p:sld>
 </file>
 
 <file path=ppt/slides/slide2.xml><?xml version="1.0" encoding="utf-8"?>
+<p:sld xmlns:a="http://schemas.openxmlformats.org/drawingml/2006/main" xmlns:r="http://schemas.openxmlformats.org/officeDocument/2006/relationships" xmlns:p="http://schemas.openxmlformats.org/presentationml/2006/main">
+  <p:cSld>
+    <p:spTree>
+      <p:nvGrpSpPr>
+        <p:cNvPr id="1" name=""/>
+        <p:cNvGrpSpPr/>
+        <p:nvPr/>
+      </p:nvGrpSpPr>
+      <p:grpSpPr>
+        <a:xfrm>
+          <a:off x="0" y="0"/>
+          <a:ext cx="0" cy="0"/>
+          <a:chOff x="0" y="0"/>
+          <a:chExt cx="0" cy="0"/>
+        </a:xfrm>
+      </p:grpSpPr>
+      <p:sp>
+        <p:nvSpPr>
+          <p:cNvPr id="29" name="Retângulo 28">
+            <a:extLst>
+              <a:ext uri="{FF2B5EF4-FFF2-40B4-BE49-F238E27FC236}">
+                <a16:creationId xmlns:a16="http://schemas.microsoft.com/office/drawing/2014/main" id="{9D3F0C5F-5095-F47C-01EE-08D0DECD540E}"/>
+              </a:ext>
+            </a:extLst>
+          </p:cNvPr>
+          <p:cNvSpPr/>
+          <p:nvPr/>
+        </p:nvSpPr>
+        <p:spPr>
+          <a:xfrm>
+            <a:off x="1494151" y="1350819"/>
+            <a:ext cx="2600622" cy="976745"/>
+          </a:xfrm>
+          <a:prstGeom prst="rect">
+            <a:avLst/>
+          </a:prstGeom>
+          <a:solidFill>
+            <a:schemeClr val="bg1"/>
+          </a:solidFill>
+          <a:ln>
+            <a:noFill/>
+          </a:ln>
+        </p:spPr>
+        <p:style>
+          <a:lnRef idx="2">
+            <a:schemeClr val="accent1">
+              <a:shade val="15000"/>
+            </a:schemeClr>
+          </a:lnRef>
+          <a:fillRef idx="1">
+            <a:schemeClr val="accent1"/>
+          </a:fillRef>
+          <a:effectRef idx="0">
+            <a:schemeClr val="accent1"/>
+          </a:effectRef>
+          <a:fontRef idx="minor">
+            <a:schemeClr val="lt1"/>
+          </a:fontRef>
+        </p:style>
+        <p:txBody>
+          <a:bodyPr rtlCol="0" anchor="ctr"/>
+          <a:lstStyle/>
+          <a:p>
+            <a:pPr algn="ctr"/>
+            <a:endParaRPr lang="pt-BR"/>
+          </a:p>
+        </p:txBody>
+      </p:sp>
+      <p:sp>
+        <p:nvSpPr>
+          <p:cNvPr id="27" name="Retângulo 26">
+            <a:extLst>
+              <a:ext uri="{FF2B5EF4-FFF2-40B4-BE49-F238E27FC236}">
+                <a16:creationId xmlns:a16="http://schemas.microsoft.com/office/drawing/2014/main" id="{830EEE6D-1EA3-00CC-36E7-11C197389086}"/>
+              </a:ext>
+            </a:extLst>
+          </p:cNvPr>
+          <p:cNvSpPr/>
+          <p:nvPr/>
+        </p:nvSpPr>
+        <p:spPr>
+          <a:xfrm>
+            <a:off x="14473369" y="5590309"/>
+            <a:ext cx="5822872" cy="1870364"/>
+          </a:xfrm>
+          <a:prstGeom prst="rect">
+            <a:avLst/>
+          </a:prstGeom>
+          <a:solidFill>
+            <a:schemeClr val="bg1"/>
+          </a:solidFill>
+          <a:ln>
+            <a:noFill/>
+          </a:ln>
+        </p:spPr>
+        <p:style>
+          <a:lnRef idx="2">
+            <a:schemeClr val="accent1">
+              <a:shade val="15000"/>
+            </a:schemeClr>
+          </a:lnRef>
+          <a:fillRef idx="1">
+            <a:schemeClr val="accent1"/>
+          </a:fillRef>
+          <a:effectRef idx="0">
+            <a:schemeClr val="accent1"/>
+          </a:effectRef>
+          <a:fontRef idx="minor">
+            <a:schemeClr val="lt1"/>
+          </a:fontRef>
+        </p:style>
+        <p:txBody>
+          <a:bodyPr rtlCol="0" anchor="ctr"/>
+          <a:lstStyle/>
+          <a:p>
+            <a:pPr algn="ctr"/>
+            <a:endParaRPr lang="pt-BR"/>
+          </a:p>
+        </p:txBody>
+      </p:sp>
+      <p:sp>
+        <p:nvSpPr>
+          <p:cNvPr id="21" name="Retângulo 20">
+            <a:extLst>
+              <a:ext uri="{FF2B5EF4-FFF2-40B4-BE49-F238E27FC236}">
+                <a16:creationId xmlns:a16="http://schemas.microsoft.com/office/drawing/2014/main" id="{51E188CC-4A0D-7F6E-45F9-6D3DDD2A178B}"/>
+              </a:ext>
+            </a:extLst>
+          </p:cNvPr>
+          <p:cNvSpPr/>
+          <p:nvPr/>
+        </p:nvSpPr>
+        <p:spPr>
+          <a:xfrm>
+            <a:off x="1514933" y="6276189"/>
+            <a:ext cx="4014512" cy="929559"/>
+          </a:xfrm>
+          <a:prstGeom prst="rect">
+            <a:avLst/>
+          </a:prstGeom>
+          <a:solidFill>
+            <a:schemeClr val="bg1"/>
+          </a:solidFill>
+          <a:ln>
+            <a:noFill/>
+          </a:ln>
+        </p:spPr>
+        <p:style>
+          <a:lnRef idx="2">
+            <a:schemeClr val="accent1">
+              <a:shade val="15000"/>
+            </a:schemeClr>
+          </a:lnRef>
+          <a:fillRef idx="1">
+            <a:schemeClr val="accent1"/>
+          </a:fillRef>
+          <a:effectRef idx="0">
+            <a:schemeClr val="accent1"/>
+          </a:effectRef>
+          <a:fontRef idx="minor">
+            <a:schemeClr val="lt1"/>
+          </a:fontRef>
+        </p:style>
+        <p:txBody>
+          <a:bodyPr rtlCol="0" anchor="ctr"/>
+          <a:lstStyle/>
+          <a:p>
+            <a:pPr algn="ctr"/>
+            <a:endParaRPr lang="pt-BR"/>
+          </a:p>
+        </p:txBody>
+      </p:sp>
+      <p:sp>
+        <p:nvSpPr>
+          <p:cNvPr id="17" name="Retângulo 16">
+            <a:extLst>
+              <a:ext uri="{FF2B5EF4-FFF2-40B4-BE49-F238E27FC236}">
+                <a16:creationId xmlns:a16="http://schemas.microsoft.com/office/drawing/2014/main" id="{81731262-35B0-C156-6137-CA885D9E8AF1}"/>
+              </a:ext>
+            </a:extLst>
+          </p:cNvPr>
+          <p:cNvSpPr/>
+          <p:nvPr/>
+        </p:nvSpPr>
+        <p:spPr>
+          <a:xfrm>
+            <a:off x="562877" y="4527968"/>
+            <a:ext cx="6024959" cy="896086"/>
+          </a:xfrm>
+          <a:prstGeom prst="rect">
+            <a:avLst/>
+          </a:prstGeom>
+          <a:solidFill>
+            <a:schemeClr val="bg1"/>
+          </a:solidFill>
+          <a:ln>
+            <a:noFill/>
+          </a:ln>
+        </p:spPr>
+        <p:style>
+          <a:lnRef idx="2">
+            <a:schemeClr val="accent1">
+              <a:shade val="15000"/>
+            </a:schemeClr>
+          </a:lnRef>
+          <a:fillRef idx="1">
+            <a:schemeClr val="accent1"/>
+          </a:fillRef>
+          <a:effectRef idx="0">
+            <a:schemeClr val="accent1"/>
+          </a:effectRef>
+          <a:fontRef idx="minor">
+            <a:schemeClr val="lt1"/>
+          </a:fontRef>
+        </p:style>
+        <p:txBody>
+          <a:bodyPr rtlCol="0" anchor="ctr"/>
+          <a:lstStyle/>
+          <a:p>
+            <a:pPr algn="ctr"/>
+            <a:endParaRPr lang="pt-BR"/>
+          </a:p>
+        </p:txBody>
+      </p:sp>
+      <p:sp>
+        <p:nvSpPr>
+          <p:cNvPr id="14" name="Retângulo 13">
+            <a:extLst>
+              <a:ext uri="{FF2B5EF4-FFF2-40B4-BE49-F238E27FC236}">
+                <a16:creationId xmlns:a16="http://schemas.microsoft.com/office/drawing/2014/main" id="{CB999A0A-22FF-569C-2044-18FBFC4633A0}"/>
+              </a:ext>
+            </a:extLst>
+          </p:cNvPr>
+          <p:cNvSpPr/>
+          <p:nvPr/>
+        </p:nvSpPr>
+        <p:spPr>
+          <a:xfrm>
+            <a:off x="14203203" y="2532555"/>
+            <a:ext cx="5706550" cy="1650887"/>
+          </a:xfrm>
+          <a:prstGeom prst="rect">
+            <a:avLst/>
+          </a:prstGeom>
+          <a:solidFill>
+            <a:schemeClr val="bg1"/>
+          </a:solidFill>
+          <a:ln>
+            <a:noFill/>
+          </a:ln>
+        </p:spPr>
+        <p:style>
+          <a:lnRef idx="2">
+            <a:schemeClr val="accent1">
+              <a:shade val="15000"/>
+            </a:schemeClr>
+          </a:lnRef>
+          <a:fillRef idx="1">
+            <a:schemeClr val="accent1"/>
+          </a:fillRef>
+          <a:effectRef idx="0">
+            <a:schemeClr val="accent1"/>
+          </a:effectRef>
+          <a:fontRef idx="minor">
+            <a:schemeClr val="lt1"/>
+          </a:fontRef>
+        </p:style>
+        <p:txBody>
+          <a:bodyPr rtlCol="0" anchor="ctr"/>
+          <a:lstStyle/>
+          <a:p>
+            <a:pPr algn="ctr"/>
+            <a:endParaRPr lang="pt-BR"/>
+          </a:p>
+        </p:txBody>
+      </p:sp>
+      <p:sp>
+        <p:nvSpPr>
+          <p:cNvPr id="9" name="Retângulo 8">
+            <a:extLst>
+              <a:ext uri="{FF2B5EF4-FFF2-40B4-BE49-F238E27FC236}">
+                <a16:creationId xmlns:a16="http://schemas.microsoft.com/office/drawing/2014/main" id="{1EA2AFF1-B094-057A-6E0C-996E3DD3408D}"/>
+              </a:ext>
+            </a:extLst>
+          </p:cNvPr>
+          <p:cNvSpPr/>
+          <p:nvPr/>
+        </p:nvSpPr>
+        <p:spPr>
+          <a:xfrm>
+            <a:off x="5798127" y="2244436"/>
+            <a:ext cx="5400000" cy="1475509"/>
+          </a:xfrm>
+          <a:prstGeom prst="rect">
+            <a:avLst/>
+          </a:prstGeom>
+          <a:solidFill>
+            <a:schemeClr val="bg1"/>
+          </a:solidFill>
+          <a:ln>
+            <a:noFill/>
+          </a:ln>
+        </p:spPr>
+        <p:style>
+          <a:lnRef idx="2">
+            <a:schemeClr val="accent1">
+              <a:shade val="15000"/>
+            </a:schemeClr>
+          </a:lnRef>
+          <a:fillRef idx="1">
+            <a:schemeClr val="accent1"/>
+          </a:fillRef>
+          <a:effectRef idx="0">
+            <a:schemeClr val="accent1"/>
+          </a:effectRef>
+          <a:fontRef idx="minor">
+            <a:schemeClr val="lt1"/>
+          </a:fontRef>
+        </p:style>
+        <p:txBody>
+          <a:bodyPr rtlCol="0" anchor="ctr"/>
+          <a:lstStyle/>
+          <a:p>
+            <a:pPr algn="ctr"/>
+            <a:endParaRPr lang="pt-BR"/>
+          </a:p>
+        </p:txBody>
+      </p:sp>
+      <p:sp>
+        <p:nvSpPr>
+          <p:cNvPr id="5" name="Retângulo 4">
+            <a:extLst>
+              <a:ext uri="{FF2B5EF4-FFF2-40B4-BE49-F238E27FC236}">
+                <a16:creationId xmlns:a16="http://schemas.microsoft.com/office/drawing/2014/main" id="{33D27596-D93D-0634-3D6C-A03CB61EC784}"/>
+              </a:ext>
+            </a:extLst>
+          </p:cNvPr>
+          <p:cNvSpPr/>
+          <p:nvPr/>
+        </p:nvSpPr>
+        <p:spPr>
+          <a:xfrm>
+            <a:off x="7502236" y="6587836"/>
+            <a:ext cx="5673437" cy="1766455"/>
+          </a:xfrm>
+          <a:prstGeom prst="rect">
+            <a:avLst/>
+          </a:prstGeom>
+          <a:solidFill>
+            <a:schemeClr val="bg1"/>
+          </a:solidFill>
+          <a:ln>
+            <a:noFill/>
+          </a:ln>
+        </p:spPr>
+        <p:style>
+          <a:lnRef idx="2">
+            <a:schemeClr val="accent1">
+              <a:shade val="15000"/>
+            </a:schemeClr>
+          </a:lnRef>
+          <a:fillRef idx="1">
+            <a:schemeClr val="accent1"/>
+          </a:fillRef>
+          <a:effectRef idx="0">
+            <a:schemeClr val="accent1"/>
+          </a:effectRef>
+          <a:fontRef idx="minor">
+            <a:schemeClr val="lt1"/>
+          </a:fontRef>
+        </p:style>
+        <p:txBody>
+          <a:bodyPr rtlCol="0" anchor="ctr"/>
+          <a:lstStyle/>
+          <a:p>
+            <a:pPr algn="ctr"/>
+            <a:endParaRPr lang="pt-BR"/>
+          </a:p>
+        </p:txBody>
+      </p:sp>
+      <mc:AlternateContent xmlns:mc="http://schemas.openxmlformats.org/markup-compatibility/2006">
+        <mc:Choice xmlns:a14="http://schemas.microsoft.com/office/drawing/2010/main" Requires="a14">
+          <p:sp>
+            <p:nvSpPr>
+              <p:cNvPr id="2" name="CaixaDeTexto 1">
+                <a:extLst>
+                  <a:ext uri="{FF2B5EF4-FFF2-40B4-BE49-F238E27FC236}">
+                    <a16:creationId xmlns:a16="http://schemas.microsoft.com/office/drawing/2014/main" id="{FE517EF6-087C-1D4C-E7B0-E1B3D0AF362A}"/>
+                  </a:ext>
+                </a:extLst>
+              </p:cNvPr>
+              <p:cNvSpPr txBox="1"/>
+              <p:nvPr/>
+            </p:nvSpPr>
+            <p:spPr>
+              <a:xfrm>
+                <a:off x="7705517" y="6804070"/>
+                <a:ext cx="5312352" cy="505588"/>
+              </a:xfrm>
+              <a:prstGeom prst="rect">
+                <a:avLst/>
+              </a:prstGeom>
+              <a:noFill/>
+            </p:spPr>
+            <p:txBody>
+              <a:bodyPr wrap="none" lIns="0" tIns="0" rIns="0" bIns="0" rtlCol="0">
+                <a:spAutoFit/>
+              </a:bodyPr>
+              <a:lstStyle/>
+              <a:p>
+                <a:r>
+                  <a:rPr lang="pt-BR" sz="2000" dirty="0" err="1">
+                    <a:latin typeface="Nunito" pitchFamily="2" charset="77"/>
+                  </a:rPr>
+                  <a:t>P</a:t>
+                </a:r>
+                <a:r>
+                  <a:rPr lang="pt-BR" sz="2000" dirty="0">
+                    <a:latin typeface="Nunito" pitchFamily="2" charset="77"/>
+                  </a:rPr>
+                  <a:t>(</a:t>
+                </a:r>
+                <a:r>
+                  <a:rPr lang="pt-BR" sz="2000" dirty="0" err="1">
+                    <a:latin typeface="Nunito" pitchFamily="2" charset="77"/>
+                  </a:rPr>
+                  <a:t>fumante|mulher</a:t>
+                </a:r>
+                <a:r>
+                  <a:rPr lang="pt-BR" sz="2000" dirty="0">
+                    <a:latin typeface="Nunito" pitchFamily="2" charset="77"/>
+                  </a:rPr>
+                  <a:t>) = </a:t>
+                </a:r>
+                <a14:m>
+                  <m:oMath xmlns:m="http://schemas.openxmlformats.org/officeDocument/2006/math">
+                    <m:f>
+                      <m:fPr>
+                        <m:ctrlPr>
+                          <a:rPr lang="pt-BR" sz="2000" i="1" smtClean="0">
+                            <a:latin typeface="Cambria Math" panose="02040503050406030204" pitchFamily="18" charset="0"/>
+                          </a:rPr>
+                        </m:ctrlPr>
+                      </m:fPr>
+                      <m:num>
+                        <m:r>
+                          <m:rPr>
+                            <m:nor/>
+                          </m:rPr>
+                          <a:rPr lang="pt-BR" sz="2000" b="0" i="0" smtClean="0">
+                            <a:latin typeface="Nunito" pitchFamily="2" charset="77"/>
+                          </a:rPr>
+                          <m:t>n</m:t>
+                        </m:r>
+                        <m:r>
+                          <m:rPr>
+                            <m:nor/>
+                          </m:rPr>
+                          <a:rPr lang="pt-BR" sz="2000" b="0" i="0" smtClean="0">
+                            <a:latin typeface="Nunito" pitchFamily="2" charset="77"/>
+                          </a:rPr>
+                          <m:t> </m:t>
+                        </m:r>
+                        <m:r>
+                          <m:rPr>
+                            <m:nor/>
+                          </m:rPr>
+                          <a:rPr lang="pt-BR" sz="2000" b="0" i="0" smtClean="0">
+                            <a:latin typeface="Nunito" pitchFamily="2" charset="77"/>
+                          </a:rPr>
+                          <m:t>de</m:t>
+                        </m:r>
+                        <m:r>
+                          <m:rPr>
+                            <m:nor/>
+                          </m:rPr>
+                          <a:rPr lang="pt-BR" sz="2000" b="0" i="0" smtClean="0">
+                            <a:latin typeface="Nunito" pitchFamily="2" charset="77"/>
+                          </a:rPr>
+                          <m:t> </m:t>
+                        </m:r>
+                        <m:r>
+                          <m:rPr>
+                            <m:nor/>
+                          </m:rPr>
+                          <a:rPr lang="pt-BR" sz="2000" b="0" i="0" smtClean="0">
+                            <a:latin typeface="Nunito" pitchFamily="2" charset="77"/>
+                          </a:rPr>
+                          <m:t>mulheres</m:t>
+                        </m:r>
+                        <m:r>
+                          <m:rPr>
+                            <m:nor/>
+                          </m:rPr>
+                          <a:rPr lang="pt-BR" sz="2000" b="0" i="0" smtClean="0">
+                            <a:latin typeface="Nunito" pitchFamily="2" charset="77"/>
+                          </a:rPr>
+                          <m:t> </m:t>
+                        </m:r>
+                        <m:r>
+                          <m:rPr>
+                            <m:nor/>
+                          </m:rPr>
+                          <a:rPr lang="pt-BR" sz="2000" b="0" i="0" smtClean="0">
+                            <a:latin typeface="Nunito" pitchFamily="2" charset="77"/>
+                          </a:rPr>
+                          <m:t>fumantes</m:t>
+                        </m:r>
+                      </m:num>
+                      <m:den>
+                        <m:r>
+                          <m:rPr>
+                            <m:nor/>
+                          </m:rPr>
+                          <a:rPr lang="pt-BR" sz="2000" b="0" i="0" smtClean="0">
+                            <a:latin typeface="Nunito" pitchFamily="2" charset="77"/>
+                          </a:rPr>
+                          <m:t>n</m:t>
+                        </m:r>
+                        <m:r>
+                          <m:rPr>
+                            <m:nor/>
+                          </m:rPr>
+                          <a:rPr lang="pt-BR" sz="2000" b="0" i="0" smtClean="0">
+                            <a:latin typeface="Nunito" pitchFamily="2" charset="77"/>
+                          </a:rPr>
+                          <m:t> </m:t>
+                        </m:r>
+                        <m:r>
+                          <m:rPr>
+                            <m:nor/>
+                          </m:rPr>
+                          <a:rPr lang="pt-BR" sz="2000" b="0" i="0" smtClean="0">
+                            <a:latin typeface="Nunito" pitchFamily="2" charset="77"/>
+                          </a:rPr>
+                          <m:t>de</m:t>
+                        </m:r>
+                        <m:r>
+                          <m:rPr>
+                            <m:nor/>
+                          </m:rPr>
+                          <a:rPr lang="pt-BR" sz="2000" b="0" i="0" smtClean="0">
+                            <a:latin typeface="Nunito" pitchFamily="2" charset="77"/>
+                          </a:rPr>
+                          <m:t> </m:t>
+                        </m:r>
+                        <m:r>
+                          <m:rPr>
+                            <m:nor/>
+                          </m:rPr>
+                          <a:rPr lang="pt-BR" sz="2000" b="0" i="0" smtClean="0">
+                            <a:latin typeface="Nunito" pitchFamily="2" charset="77"/>
+                          </a:rPr>
+                          <m:t>mulheres</m:t>
+                        </m:r>
+                      </m:den>
+                    </m:f>
+                  </m:oMath>
+                </a14:m>
+                <a:endParaRPr lang="pt-BR" sz="2000" dirty="0">
+                  <a:latin typeface="Nunito" pitchFamily="2" charset="77"/>
+                </a:endParaRPr>
+              </a:p>
+            </p:txBody>
+          </p:sp>
+        </mc:Choice>
+        <mc:Fallback>
+          <p:sp>
+            <p:nvSpPr>
+              <p:cNvPr id="2" name="CaixaDeTexto 1">
+                <a:extLst>
+                  <a:ext uri="{FF2B5EF4-FFF2-40B4-BE49-F238E27FC236}">
+                    <a16:creationId xmlns:a16="http://schemas.microsoft.com/office/drawing/2014/main" id="{FE517EF6-087C-1D4C-E7B0-E1B3D0AF362A}"/>
+                  </a:ext>
+                </a:extLst>
+              </p:cNvPr>
+              <p:cNvSpPr txBox="1">
+                <a:spLocks noRot="1" noChangeAspect="1" noMove="1" noResize="1" noEditPoints="1" noAdjustHandles="1" noChangeArrowheads="1" noChangeShapeType="1" noTextEdit="1"/>
+              </p:cNvSpPr>
+              <p:nvPr/>
+            </p:nvSpPr>
+            <p:spPr>
+              <a:xfrm>
+                <a:off x="7705517" y="6804070"/>
+                <a:ext cx="5312352" cy="505588"/>
+              </a:xfrm>
+              <a:prstGeom prst="rect">
+                <a:avLst/>
+              </a:prstGeom>
+              <a:blipFill>
+                <a:blip r:embed="rId2"/>
+                <a:stretch>
+                  <a:fillRect l="-2864" t="-19512" b="-41463"/>
+                </a:stretch>
+              </a:blipFill>
+            </p:spPr>
+            <p:txBody>
+              <a:bodyPr/>
+              <a:lstStyle/>
+              <a:p>
+                <a:r>
+                  <a:rPr lang="pt-BR">
+                    <a:noFill/>
+                  </a:rPr>
+                  <a:t> </a:t>
+                </a:r>
+              </a:p>
+            </p:txBody>
+          </p:sp>
+        </mc:Fallback>
+      </mc:AlternateContent>
+      <mc:AlternateContent xmlns:mc="http://schemas.openxmlformats.org/markup-compatibility/2006">
+        <mc:Choice xmlns:a14="http://schemas.microsoft.com/office/drawing/2010/main" Requires="a14">
+          <p:sp>
+            <p:nvSpPr>
+              <p:cNvPr id="3" name="CaixaDeTexto 2">
+                <a:extLst>
+                  <a:ext uri="{FF2B5EF4-FFF2-40B4-BE49-F238E27FC236}">
+                    <a16:creationId xmlns:a16="http://schemas.microsoft.com/office/drawing/2014/main" id="{0976C29B-AFE4-2C36-AFC8-E7861213077F}"/>
+                  </a:ext>
+                </a:extLst>
+              </p:cNvPr>
+              <p:cNvSpPr txBox="1"/>
+              <p:nvPr/>
+            </p:nvSpPr>
+            <p:spPr>
+              <a:xfrm>
+                <a:off x="7705516" y="7638558"/>
+                <a:ext cx="2880597" cy="507383"/>
+              </a:xfrm>
+              <a:prstGeom prst="rect">
+                <a:avLst/>
+              </a:prstGeom>
+              <a:noFill/>
+            </p:spPr>
+            <p:txBody>
+              <a:bodyPr wrap="none" lIns="0" tIns="0" rIns="0" bIns="0" rtlCol="0">
+                <a:spAutoFit/>
+              </a:bodyPr>
+              <a:lstStyle/>
+              <a:p>
+                <a:r>
+                  <a:rPr lang="pt-BR" sz="2000" dirty="0" err="1">
+                    <a:latin typeface="Nunito" pitchFamily="2" charset="77"/>
+                  </a:rPr>
+                  <a:t>P</a:t>
+                </a:r>
+                <a:r>
+                  <a:rPr lang="pt-BR" sz="2000" dirty="0">
+                    <a:latin typeface="Nunito" pitchFamily="2" charset="77"/>
+                  </a:rPr>
+                  <a:t>(</a:t>
+                </a:r>
+                <a:r>
+                  <a:rPr lang="pt-BR" sz="2000" dirty="0" err="1">
+                    <a:latin typeface="Nunito" pitchFamily="2" charset="77"/>
+                  </a:rPr>
+                  <a:t>fumante|mulher</a:t>
+                </a:r>
+                <a:r>
+                  <a:rPr lang="pt-BR" sz="2000" dirty="0">
+                    <a:latin typeface="Nunito" pitchFamily="2" charset="77"/>
+                  </a:rPr>
+                  <a:t>) = </a:t>
+                </a:r>
+                <a14:m>
+                  <m:oMath xmlns:m="http://schemas.openxmlformats.org/officeDocument/2006/math">
+                    <m:f>
+                      <m:fPr>
+                        <m:ctrlPr>
+                          <a:rPr lang="pt-BR" sz="2000" i="1" smtClean="0">
+                            <a:latin typeface="Cambria Math" panose="02040503050406030204" pitchFamily="18" charset="0"/>
+                          </a:rPr>
+                        </m:ctrlPr>
+                      </m:fPr>
+                      <m:num>
+                        <m:r>
+                          <m:rPr>
+                            <m:nor/>
+                          </m:rPr>
+                          <a:rPr lang="pt-BR" sz="2000" b="0" i="0" smtClean="0">
+                            <a:latin typeface="Nunito" pitchFamily="2" charset="77"/>
+                          </a:rPr>
+                          <m:t>40</m:t>
+                        </m:r>
+                      </m:num>
+                      <m:den>
+                        <m:r>
+                          <m:rPr>
+                            <m:nor/>
+                          </m:rPr>
+                          <a:rPr lang="pt-BR" sz="2000" b="0" i="0" smtClean="0">
+                            <a:latin typeface="Nunito" pitchFamily="2" charset="77"/>
+                          </a:rPr>
+                          <m:t>200</m:t>
+                        </m:r>
+                      </m:den>
+                    </m:f>
+                  </m:oMath>
+                </a14:m>
+                <a:endParaRPr lang="pt-BR" sz="2000" dirty="0">
+                  <a:latin typeface="Nunito" pitchFamily="2" charset="77"/>
+                </a:endParaRPr>
+              </a:p>
+            </p:txBody>
+          </p:sp>
+        </mc:Choice>
+        <mc:Fallback>
+          <p:sp>
+            <p:nvSpPr>
+              <p:cNvPr id="3" name="CaixaDeTexto 2">
+                <a:extLst>
+                  <a:ext uri="{FF2B5EF4-FFF2-40B4-BE49-F238E27FC236}">
+                    <a16:creationId xmlns:a16="http://schemas.microsoft.com/office/drawing/2014/main" id="{0976C29B-AFE4-2C36-AFC8-E7861213077F}"/>
+                  </a:ext>
+                </a:extLst>
+              </p:cNvPr>
+              <p:cNvSpPr txBox="1">
+                <a:spLocks noRot="1" noChangeAspect="1" noMove="1" noResize="1" noEditPoints="1" noAdjustHandles="1" noChangeArrowheads="1" noChangeShapeType="1" noTextEdit="1"/>
+              </p:cNvSpPr>
+              <p:nvPr/>
+            </p:nvSpPr>
+            <p:spPr>
+              <a:xfrm>
+                <a:off x="7705516" y="7638558"/>
+                <a:ext cx="2880597" cy="507383"/>
+              </a:xfrm>
+              <a:prstGeom prst="rect">
+                <a:avLst/>
+              </a:prstGeom>
+              <a:blipFill>
+                <a:blip r:embed="rId3"/>
+                <a:stretch>
+                  <a:fillRect l="-5263" t="-4878" r="-2632" b="-17073"/>
+                </a:stretch>
+              </a:blipFill>
+            </p:spPr>
+            <p:txBody>
+              <a:bodyPr/>
+              <a:lstStyle/>
+              <a:p>
+                <a:r>
+                  <a:rPr lang="pt-BR">
+                    <a:noFill/>
+                  </a:rPr>
+                  <a:t> </a:t>
+                </a:r>
+              </a:p>
+            </p:txBody>
+          </p:sp>
+        </mc:Fallback>
+      </mc:AlternateContent>
+      <p:sp>
+        <p:nvSpPr>
+          <p:cNvPr id="4" name="CaixaDeTexto 3">
+            <a:extLst>
+              <a:ext uri="{FF2B5EF4-FFF2-40B4-BE49-F238E27FC236}">
+                <a16:creationId xmlns:a16="http://schemas.microsoft.com/office/drawing/2014/main" id="{EF697817-94BB-2E8F-F851-D9BCA071F559}"/>
+              </a:ext>
+            </a:extLst>
+          </p:cNvPr>
+          <p:cNvSpPr txBox="1"/>
+          <p:nvPr/>
+        </p:nvSpPr>
+        <p:spPr>
+          <a:xfrm>
+            <a:off x="10578986" y="7724324"/>
+            <a:ext cx="1603324" cy="400110"/>
+          </a:xfrm>
+          <a:prstGeom prst="rect">
+            <a:avLst/>
+          </a:prstGeom>
+          <a:noFill/>
+        </p:spPr>
+        <p:txBody>
+          <a:bodyPr wrap="none" rtlCol="0">
+            <a:spAutoFit/>
+          </a:bodyPr>
+          <a:lstStyle/>
+          <a:p>
+            <a:r>
+              <a:rPr lang="pt-BR" sz="2000" dirty="0">
+                <a:latin typeface="Nunito" pitchFamily="2" charset="77"/>
+              </a:rPr>
+              <a:t>= 0,2 = 20%</a:t>
+            </a:r>
+          </a:p>
+        </p:txBody>
+      </p:sp>
+      <p:sp>
+        <p:nvSpPr>
+          <p:cNvPr id="6" name="CaixaDeTexto 5">
+            <a:extLst>
+              <a:ext uri="{FF2B5EF4-FFF2-40B4-BE49-F238E27FC236}">
+                <a16:creationId xmlns:a16="http://schemas.microsoft.com/office/drawing/2014/main" id="{E4DAF138-31FC-838D-3379-3A0080D97CCB}"/>
+              </a:ext>
+            </a:extLst>
+          </p:cNvPr>
+          <p:cNvSpPr txBox="1"/>
+          <p:nvPr/>
+        </p:nvSpPr>
+        <p:spPr>
+          <a:xfrm>
+            <a:off x="5897228" y="2408350"/>
+            <a:ext cx="5256164" cy="400110"/>
+          </a:xfrm>
+          <a:prstGeom prst="rect">
+            <a:avLst/>
+          </a:prstGeom>
+          <a:noFill/>
+        </p:spPr>
+        <p:txBody>
+          <a:bodyPr wrap="square">
+            <a:spAutoFit/>
+          </a:bodyPr>
+          <a:lstStyle/>
+          <a:p>
+            <a:pPr algn="ctr"/>
+            <a:r>
+              <a:rPr lang="pt-BR" sz="2000" dirty="0" err="1">
+                <a:latin typeface="Nunito" panose="00000500000000000000" pitchFamily="2" charset="0"/>
+                <a:cs typeface="Segoe UI" panose="020B0502040204020203" pitchFamily="34" charset="0"/>
+              </a:rPr>
+              <a:t>P</a:t>
+            </a:r>
+            <a:r>
+              <a:rPr lang="pt-BR" sz="2000" dirty="0">
+                <a:latin typeface="Nunito" panose="00000500000000000000" pitchFamily="2" charset="0"/>
+                <a:cs typeface="Segoe UI" panose="020B0502040204020203" pitchFamily="34" charset="0"/>
+              </a:rPr>
+              <a:t>(</a:t>
+            </a:r>
+            <a:r>
+              <a:rPr lang="pt-BR" sz="2000" dirty="0" err="1">
+                <a:latin typeface="Nunito" panose="00000500000000000000" pitchFamily="2" charset="0"/>
+                <a:cs typeface="Segoe UI" panose="020B0502040204020203" pitchFamily="34" charset="0"/>
+              </a:rPr>
+              <a:t>não-fumante|mulher</a:t>
+            </a:r>
+            <a:r>
+              <a:rPr lang="pt-BR" sz="2000" dirty="0">
+                <a:latin typeface="Nunito" panose="00000500000000000000" pitchFamily="2" charset="0"/>
+                <a:cs typeface="Segoe UI" panose="020B0502040204020203" pitchFamily="34" charset="0"/>
+              </a:rPr>
+              <a:t>) + </a:t>
+            </a:r>
+            <a:r>
+              <a:rPr lang="pt-BR" sz="2000" dirty="0" err="1">
+                <a:latin typeface="Nunito" panose="00000500000000000000" pitchFamily="2" charset="0"/>
+                <a:cs typeface="Segoe UI" panose="020B0502040204020203" pitchFamily="34" charset="0"/>
+              </a:rPr>
+              <a:t>P</a:t>
+            </a:r>
+            <a:r>
+              <a:rPr lang="pt-BR" sz="2000" dirty="0">
+                <a:latin typeface="Nunito" panose="00000500000000000000" pitchFamily="2" charset="0"/>
+                <a:cs typeface="Segoe UI" panose="020B0502040204020203" pitchFamily="34" charset="0"/>
+              </a:rPr>
+              <a:t>(</a:t>
+            </a:r>
+            <a:r>
+              <a:rPr lang="pt-BR" sz="2000" dirty="0" err="1">
+                <a:latin typeface="Nunito" panose="00000500000000000000" pitchFamily="2" charset="0"/>
+                <a:cs typeface="Segoe UI" panose="020B0502040204020203" pitchFamily="34" charset="0"/>
+              </a:rPr>
+              <a:t>fumante|mulher</a:t>
+            </a:r>
+            <a:r>
+              <a:rPr lang="pt-BR" sz="2000" dirty="0">
+                <a:latin typeface="Nunito" panose="00000500000000000000" pitchFamily="2" charset="0"/>
+                <a:cs typeface="Segoe UI" panose="020B0502040204020203" pitchFamily="34" charset="0"/>
+              </a:rPr>
+              <a:t>)</a:t>
+            </a:r>
+            <a:endParaRPr lang="pt-BR" sz="2000" dirty="0"/>
+          </a:p>
+        </p:txBody>
+      </p:sp>
+      <p:sp>
+        <p:nvSpPr>
+          <p:cNvPr id="7" name="CaixaDeTexto 6">
+            <a:extLst>
+              <a:ext uri="{FF2B5EF4-FFF2-40B4-BE49-F238E27FC236}">
+                <a16:creationId xmlns:a16="http://schemas.microsoft.com/office/drawing/2014/main" id="{D0EF1DEC-F570-C704-8AEC-BE7854EF26F0}"/>
+              </a:ext>
+            </a:extLst>
+          </p:cNvPr>
+          <p:cNvSpPr txBox="1"/>
+          <p:nvPr/>
+        </p:nvSpPr>
+        <p:spPr>
+          <a:xfrm>
+            <a:off x="6392956" y="2815738"/>
+            <a:ext cx="4264711" cy="400110"/>
+          </a:xfrm>
+          <a:prstGeom prst="rect">
+            <a:avLst/>
+          </a:prstGeom>
+          <a:noFill/>
+        </p:spPr>
+        <p:txBody>
+          <a:bodyPr wrap="square">
+            <a:spAutoFit/>
+          </a:bodyPr>
+          <a:lstStyle/>
+          <a:p>
+            <a:pPr algn="ctr"/>
+            <a:r>
+              <a:rPr lang="pt-BR" sz="2000" dirty="0">
+                <a:latin typeface="Nunito" panose="00000500000000000000" pitchFamily="2" charset="0"/>
+                <a:cs typeface="Segoe UI" panose="020B0502040204020203" pitchFamily="34" charset="0"/>
+              </a:rPr>
+              <a:t>0,8 + 0,2</a:t>
+            </a:r>
+            <a:endParaRPr lang="pt-BR" sz="2000" dirty="0"/>
+          </a:p>
+        </p:txBody>
+      </p:sp>
+      <p:sp>
+        <p:nvSpPr>
+          <p:cNvPr id="8" name="CaixaDeTexto 7">
+            <a:extLst>
+              <a:ext uri="{FF2B5EF4-FFF2-40B4-BE49-F238E27FC236}">
+                <a16:creationId xmlns:a16="http://schemas.microsoft.com/office/drawing/2014/main" id="{AE36B454-4CB9-FB5C-DA3A-6D281E351562}"/>
+              </a:ext>
+            </a:extLst>
+          </p:cNvPr>
+          <p:cNvSpPr txBox="1"/>
+          <p:nvPr/>
+        </p:nvSpPr>
+        <p:spPr>
+          <a:xfrm>
+            <a:off x="6392955" y="3202189"/>
+            <a:ext cx="4264711" cy="400110"/>
+          </a:xfrm>
+          <a:prstGeom prst="rect">
+            <a:avLst/>
+          </a:prstGeom>
+          <a:noFill/>
+        </p:spPr>
+        <p:txBody>
+          <a:bodyPr wrap="square">
+            <a:spAutoFit/>
+          </a:bodyPr>
+          <a:lstStyle/>
+          <a:p>
+            <a:pPr algn="ctr"/>
+            <a:r>
+              <a:rPr lang="pt-BR" sz="2000" dirty="0">
+                <a:latin typeface="Nunito" panose="00000500000000000000" pitchFamily="2" charset="0"/>
+                <a:cs typeface="Segoe UI" panose="020B0502040204020203" pitchFamily="34" charset="0"/>
+              </a:rPr>
+              <a:t>1</a:t>
+            </a:r>
+            <a:endParaRPr lang="pt-BR" sz="2000" dirty="0"/>
+          </a:p>
+        </p:txBody>
+      </p:sp>
+      <p:sp>
+        <p:nvSpPr>
+          <p:cNvPr id="10" name="CaixaDeTexto 9">
+            <a:extLst>
+              <a:ext uri="{FF2B5EF4-FFF2-40B4-BE49-F238E27FC236}">
+                <a16:creationId xmlns:a16="http://schemas.microsoft.com/office/drawing/2014/main" id="{9A8B14F0-E87A-E5EE-B452-17D51AD90443}"/>
+              </a:ext>
+            </a:extLst>
+          </p:cNvPr>
+          <p:cNvSpPr txBox="1"/>
+          <p:nvPr/>
+        </p:nvSpPr>
+        <p:spPr>
+          <a:xfrm>
+            <a:off x="13962396" y="2615683"/>
+            <a:ext cx="6213233" cy="400110"/>
+          </a:xfrm>
+          <a:prstGeom prst="rect">
+            <a:avLst/>
+          </a:prstGeom>
+          <a:noFill/>
+        </p:spPr>
+        <p:txBody>
+          <a:bodyPr wrap="square">
+            <a:spAutoFit/>
+          </a:bodyPr>
+          <a:lstStyle/>
+          <a:p>
+            <a:pPr algn="ctr"/>
+            <a:r>
+              <a:rPr lang="pt-BR" sz="2000" dirty="0" err="1">
+                <a:latin typeface="Nunito" panose="00000500000000000000" pitchFamily="2" charset="0"/>
+                <a:cs typeface="Segoe UI" panose="020B0502040204020203" pitchFamily="34" charset="0"/>
+              </a:rPr>
+              <a:t>P</a:t>
+            </a:r>
+            <a:r>
+              <a:rPr lang="pt-BR" sz="2000" dirty="0">
+                <a:latin typeface="Nunito" panose="00000500000000000000" pitchFamily="2" charset="0"/>
+                <a:cs typeface="Segoe UI" panose="020B0502040204020203" pitchFamily="34" charset="0"/>
+              </a:rPr>
+              <a:t>(</a:t>
+            </a:r>
+            <a:r>
+              <a:rPr lang="pt-BR" sz="2000" dirty="0" err="1">
+                <a:latin typeface="Nunito" panose="00000500000000000000" pitchFamily="2" charset="0"/>
+                <a:cs typeface="Segoe UI" panose="020B0502040204020203" pitchFamily="34" charset="0"/>
+              </a:rPr>
+              <a:t>não-fumante|mulher</a:t>
+            </a:r>
+            <a:r>
+              <a:rPr lang="pt-BR" sz="2000" dirty="0">
+                <a:latin typeface="Nunito" panose="00000500000000000000" pitchFamily="2" charset="0"/>
+                <a:cs typeface="Segoe UI" panose="020B0502040204020203" pitchFamily="34" charset="0"/>
+              </a:rPr>
+              <a:t>) + </a:t>
+            </a:r>
+            <a:r>
+              <a:rPr lang="pt-BR" sz="2000" dirty="0" err="1">
+                <a:latin typeface="Nunito" panose="00000500000000000000" pitchFamily="2" charset="0"/>
+                <a:cs typeface="Segoe UI" panose="020B0502040204020203" pitchFamily="34" charset="0"/>
+              </a:rPr>
+              <a:t>P</a:t>
+            </a:r>
+            <a:r>
+              <a:rPr lang="pt-BR" sz="2000" dirty="0">
+                <a:latin typeface="Nunito" panose="00000500000000000000" pitchFamily="2" charset="0"/>
+                <a:cs typeface="Segoe UI" panose="020B0502040204020203" pitchFamily="34" charset="0"/>
+              </a:rPr>
+              <a:t>(</a:t>
+            </a:r>
+            <a:r>
+              <a:rPr lang="pt-BR" sz="2000" dirty="0" err="1">
+                <a:latin typeface="Nunito" panose="00000500000000000000" pitchFamily="2" charset="0"/>
+                <a:cs typeface="Segoe UI" panose="020B0502040204020203" pitchFamily="34" charset="0"/>
+              </a:rPr>
+              <a:t>fumante|mulher</a:t>
+            </a:r>
+            <a:r>
+              <a:rPr lang="pt-BR" sz="2000" dirty="0">
+                <a:latin typeface="Nunito" panose="00000500000000000000" pitchFamily="2" charset="0"/>
+                <a:cs typeface="Segoe UI" panose="020B0502040204020203" pitchFamily="34" charset="0"/>
+              </a:rPr>
+              <a:t>) = 1</a:t>
+            </a:r>
+            <a:endParaRPr lang="pt-BR" sz="2000" dirty="0"/>
+          </a:p>
+        </p:txBody>
+      </p:sp>
+      <p:sp>
+        <p:nvSpPr>
+          <p:cNvPr id="11" name="CaixaDeTexto 10">
+            <a:extLst>
+              <a:ext uri="{FF2B5EF4-FFF2-40B4-BE49-F238E27FC236}">
+                <a16:creationId xmlns:a16="http://schemas.microsoft.com/office/drawing/2014/main" id="{59388478-55ED-28F8-CA9F-7BADF62D7BAE}"/>
+              </a:ext>
+            </a:extLst>
+          </p:cNvPr>
+          <p:cNvSpPr txBox="1"/>
+          <p:nvPr/>
+        </p:nvSpPr>
+        <p:spPr>
+          <a:xfrm>
+            <a:off x="13951288" y="3181745"/>
+            <a:ext cx="6213233" cy="400110"/>
+          </a:xfrm>
+          <a:prstGeom prst="rect">
+            <a:avLst/>
+          </a:prstGeom>
+          <a:noFill/>
+        </p:spPr>
+        <p:txBody>
+          <a:bodyPr wrap="square">
+            <a:spAutoFit/>
+          </a:bodyPr>
+          <a:lstStyle/>
+          <a:p>
+            <a:pPr algn="ctr"/>
+            <a:r>
+              <a:rPr lang="pt-BR" sz="2000" b="1" dirty="0" err="1">
+                <a:solidFill>
+                  <a:srgbClr val="2794A0"/>
+                </a:solidFill>
+                <a:latin typeface="Nunito" panose="00000500000000000000" pitchFamily="2" charset="0"/>
+                <a:cs typeface="Segoe UI" panose="020B0502040204020203" pitchFamily="34" charset="0"/>
+              </a:rPr>
+              <a:t>p</a:t>
+            </a:r>
+            <a:r>
+              <a:rPr lang="pt-BR" sz="2000" dirty="0">
+                <a:latin typeface="Nunito" panose="00000500000000000000" pitchFamily="2" charset="0"/>
+                <a:cs typeface="Segoe UI" panose="020B0502040204020203" pitchFamily="34" charset="0"/>
+              </a:rPr>
+              <a:t> + </a:t>
+            </a:r>
+            <a:r>
+              <a:rPr lang="pt-BR" sz="2000" dirty="0" err="1">
+                <a:latin typeface="Nunito" panose="00000500000000000000" pitchFamily="2" charset="0"/>
+                <a:cs typeface="Segoe UI" panose="020B0502040204020203" pitchFamily="34" charset="0"/>
+              </a:rPr>
+              <a:t>P</a:t>
+            </a:r>
+            <a:r>
+              <a:rPr lang="pt-BR" sz="2000" dirty="0">
+                <a:latin typeface="Nunito" panose="00000500000000000000" pitchFamily="2" charset="0"/>
+                <a:cs typeface="Segoe UI" panose="020B0502040204020203" pitchFamily="34" charset="0"/>
+              </a:rPr>
+              <a:t>(</a:t>
+            </a:r>
+            <a:r>
+              <a:rPr lang="pt-BR" sz="2000" dirty="0" err="1">
+                <a:latin typeface="Nunito" panose="00000500000000000000" pitchFamily="2" charset="0"/>
+                <a:cs typeface="Segoe UI" panose="020B0502040204020203" pitchFamily="34" charset="0"/>
+              </a:rPr>
+              <a:t>fumante|mulher</a:t>
+            </a:r>
+            <a:r>
+              <a:rPr lang="pt-BR" sz="2000" dirty="0">
+                <a:latin typeface="Nunito" panose="00000500000000000000" pitchFamily="2" charset="0"/>
+                <a:cs typeface="Segoe UI" panose="020B0502040204020203" pitchFamily="34" charset="0"/>
+              </a:rPr>
+              <a:t>) = 1</a:t>
+            </a:r>
+            <a:endParaRPr lang="pt-BR" sz="2000" dirty="0"/>
+          </a:p>
+        </p:txBody>
+      </p:sp>
+      <p:sp>
+        <p:nvSpPr>
+          <p:cNvPr id="12" name="Chave Direita 11">
+            <a:extLst>
+              <a:ext uri="{FF2B5EF4-FFF2-40B4-BE49-F238E27FC236}">
+                <a16:creationId xmlns:a16="http://schemas.microsoft.com/office/drawing/2014/main" id="{2F2D119D-25BD-EE58-CA60-D30E86E16F62}"/>
+              </a:ext>
+            </a:extLst>
+          </p:cNvPr>
+          <p:cNvSpPr/>
+          <p:nvPr/>
+        </p:nvSpPr>
+        <p:spPr>
+          <a:xfrm rot="5400000">
+            <a:off x="15521812" y="1842658"/>
+            <a:ext cx="209730" cy="2556000"/>
+          </a:xfrm>
+          <a:prstGeom prst="rightBrace">
+            <a:avLst>
+              <a:gd name="adj1" fmla="val 73454"/>
+              <a:gd name="adj2" fmla="val 50000"/>
+            </a:avLst>
+          </a:prstGeom>
+          <a:ln w="28575">
+            <a:solidFill>
+              <a:srgbClr val="2794A0"/>
+            </a:solidFill>
+          </a:ln>
+        </p:spPr>
+        <p:style>
+          <a:lnRef idx="1">
+            <a:schemeClr val="accent1"/>
+          </a:lnRef>
+          <a:fillRef idx="0">
+            <a:schemeClr val="accent1"/>
+          </a:fillRef>
+          <a:effectRef idx="0">
+            <a:schemeClr val="accent1"/>
+          </a:effectRef>
+          <a:fontRef idx="minor">
+            <a:schemeClr val="tx1"/>
+          </a:fontRef>
+        </p:style>
+        <p:txBody>
+          <a:bodyPr rtlCol="0" anchor="ctr"/>
+          <a:lstStyle/>
+          <a:p>
+            <a:pPr algn="ctr"/>
+            <a:endParaRPr lang="pt-BR"/>
+          </a:p>
+        </p:txBody>
+      </p:sp>
+      <p:sp>
+        <p:nvSpPr>
+          <p:cNvPr id="13" name="CaixaDeTexto 12">
+            <a:extLst>
+              <a:ext uri="{FF2B5EF4-FFF2-40B4-BE49-F238E27FC236}">
+                <a16:creationId xmlns:a16="http://schemas.microsoft.com/office/drawing/2014/main" id="{57F802BD-A920-703D-23C3-42918A24E5DA}"/>
+              </a:ext>
+            </a:extLst>
+          </p:cNvPr>
+          <p:cNvSpPr txBox="1"/>
+          <p:nvPr/>
+        </p:nvSpPr>
+        <p:spPr>
+          <a:xfrm>
+            <a:off x="13958316" y="3649826"/>
+            <a:ext cx="6213233" cy="400110"/>
+          </a:xfrm>
+          <a:prstGeom prst="rect">
+            <a:avLst/>
+          </a:prstGeom>
+          <a:noFill/>
+        </p:spPr>
+        <p:txBody>
+          <a:bodyPr wrap="square">
+            <a:spAutoFit/>
+          </a:bodyPr>
+          <a:lstStyle/>
+          <a:p>
+            <a:pPr algn="ctr"/>
+            <a:r>
+              <a:rPr lang="pt-BR" sz="2000" dirty="0" err="1">
+                <a:latin typeface="Nunito" panose="00000500000000000000" pitchFamily="2" charset="0"/>
+                <a:cs typeface="Segoe UI" panose="020B0502040204020203" pitchFamily="34" charset="0"/>
+              </a:rPr>
+              <a:t>P</a:t>
+            </a:r>
+            <a:r>
+              <a:rPr lang="pt-BR" sz="2000" dirty="0">
+                <a:latin typeface="Nunito" panose="00000500000000000000" pitchFamily="2" charset="0"/>
+                <a:cs typeface="Segoe UI" panose="020B0502040204020203" pitchFamily="34" charset="0"/>
+              </a:rPr>
+              <a:t>(</a:t>
+            </a:r>
+            <a:r>
+              <a:rPr lang="pt-BR" sz="2000" dirty="0" err="1">
+                <a:latin typeface="Nunito" panose="00000500000000000000" pitchFamily="2" charset="0"/>
+                <a:cs typeface="Segoe UI" panose="020B0502040204020203" pitchFamily="34" charset="0"/>
+              </a:rPr>
+              <a:t>fumante|mulher</a:t>
+            </a:r>
+            <a:r>
+              <a:rPr lang="pt-BR" sz="2000" dirty="0">
+                <a:latin typeface="Nunito" panose="00000500000000000000" pitchFamily="2" charset="0"/>
+                <a:cs typeface="Segoe UI" panose="020B0502040204020203" pitchFamily="34" charset="0"/>
+              </a:rPr>
+              <a:t>) = 1 – </a:t>
+            </a:r>
+            <a:r>
+              <a:rPr lang="pt-BR" sz="2000" dirty="0" err="1">
+                <a:latin typeface="Nunito" panose="00000500000000000000" pitchFamily="2" charset="0"/>
+                <a:cs typeface="Segoe UI" panose="020B0502040204020203" pitchFamily="34" charset="0"/>
+              </a:rPr>
+              <a:t>p</a:t>
+            </a:r>
+            <a:endParaRPr lang="pt-BR" sz="2000" dirty="0"/>
+          </a:p>
+        </p:txBody>
+      </p:sp>
+      <mc:AlternateContent xmlns:mc="http://schemas.openxmlformats.org/markup-compatibility/2006">
+        <mc:Choice xmlns:a14="http://schemas.microsoft.com/office/drawing/2010/main" Requires="a14">
+          <p:sp>
+            <p:nvSpPr>
+              <p:cNvPr id="15" name="CaixaDeTexto 14">
+                <a:extLst>
+                  <a:ext uri="{FF2B5EF4-FFF2-40B4-BE49-F238E27FC236}">
+                    <a16:creationId xmlns:a16="http://schemas.microsoft.com/office/drawing/2014/main" id="{395EAEED-4243-EA0A-B539-D19C6B476CA5}"/>
+                  </a:ext>
+                </a:extLst>
+              </p:cNvPr>
+              <p:cNvSpPr txBox="1"/>
+              <p:nvPr/>
+            </p:nvSpPr>
+            <p:spPr>
+              <a:xfrm>
+                <a:off x="3377159" y="4667352"/>
+                <a:ext cx="3068148" cy="553806"/>
+              </a:xfrm>
+              <a:prstGeom prst="rect">
+                <a:avLst/>
+              </a:prstGeom>
+              <a:noFill/>
+            </p:spPr>
+            <p:txBody>
+              <a:bodyPr wrap="square" lIns="0" tIns="0" rIns="0" bIns="0" rtlCol="0">
+                <a:spAutoFit/>
+              </a:bodyPr>
+              <a:lstStyle/>
+              <a:p>
+                <a:r>
+                  <a:rPr lang="pt-BR" sz="2000" dirty="0">
+                    <a:latin typeface="Nunito" pitchFamily="2" charset="77"/>
+                  </a:rPr>
+                  <a:t>= </a:t>
+                </a:r>
+                <a14:m>
+                  <m:oMath xmlns:m="http://schemas.openxmlformats.org/officeDocument/2006/math">
+                    <m:f>
+                      <m:fPr>
+                        <m:ctrlPr>
+                          <a:rPr lang="pt-BR" sz="2000" i="1" smtClean="0">
+                            <a:latin typeface="Cambria Math" panose="02040503050406030204" pitchFamily="18" charset="0"/>
+                          </a:rPr>
+                        </m:ctrlPr>
+                      </m:fPr>
+                      <m:num>
+                        <m:r>
+                          <m:rPr>
+                            <m:nor/>
+                          </m:rPr>
+                          <a:rPr lang="pt-BR" sz="2000" b="0" i="0" smtClean="0">
+                            <a:latin typeface="Nunito" pitchFamily="2" charset="77"/>
+                          </a:rPr>
+                          <m:t>P</m:t>
+                        </m:r>
+                        <m:r>
+                          <m:rPr>
+                            <m:nor/>
+                          </m:rPr>
+                          <a:rPr lang="pt-BR" sz="2000" b="0" i="0" smtClean="0">
+                            <a:latin typeface="Nunito" pitchFamily="2" charset="77"/>
+                          </a:rPr>
+                          <m:t>(</m:t>
+                        </m:r>
+                        <m:r>
+                          <m:rPr>
+                            <m:nor/>
+                          </m:rPr>
+                          <a:rPr lang="pt-BR" sz="2000">
+                            <a:latin typeface="Nunito" pitchFamily="2" charset="77"/>
+                          </a:rPr>
+                          <m:t>n</m:t>
+                        </m:r>
+                        <m:r>
+                          <m:rPr>
+                            <m:nor/>
+                          </m:rPr>
+                          <a:rPr lang="pt-BR" sz="2000">
+                            <a:latin typeface="Nunito" pitchFamily="2" charset="77"/>
+                          </a:rPr>
+                          <m:t>ã</m:t>
+                        </m:r>
+                        <m:r>
+                          <m:rPr>
+                            <m:nor/>
+                          </m:rPr>
+                          <a:rPr lang="pt-BR" sz="2000">
+                            <a:latin typeface="Nunito" pitchFamily="2" charset="77"/>
+                          </a:rPr>
+                          <m:t>o</m:t>
+                        </m:r>
+                        <m:r>
+                          <m:rPr>
+                            <m:nor/>
+                          </m:rPr>
+                          <a:rPr lang="pt-BR" sz="2000">
+                            <a:latin typeface="Nunito" pitchFamily="2" charset="77"/>
+                          </a:rPr>
+                          <m:t>−</m:t>
+                        </m:r>
+                        <m:r>
+                          <m:rPr>
+                            <m:nor/>
+                          </m:rPr>
+                          <a:rPr lang="pt-BR" sz="2000" b="0" i="0" smtClean="0">
+                            <a:latin typeface="Nunito" pitchFamily="2" charset="77"/>
+                          </a:rPr>
+                          <m:t>fumante</m:t>
+                        </m:r>
+                        <m:r>
+                          <m:rPr>
+                            <m:nor/>
+                          </m:rPr>
+                          <a:rPr lang="pt-BR" sz="2000" b="0" i="0" smtClean="0">
+                            <a:latin typeface="Nunito" pitchFamily="2" charset="77"/>
+                          </a:rPr>
+                          <m:t> | </m:t>
+                        </m:r>
+                        <m:r>
+                          <m:rPr>
+                            <m:nor/>
+                          </m:rPr>
+                          <a:rPr lang="pt-BR" sz="2000" b="0" i="0" smtClean="0">
+                            <a:latin typeface="Nunito" pitchFamily="2" charset="77"/>
+                          </a:rPr>
+                          <m:t>mulher</m:t>
+                        </m:r>
+                        <m:r>
+                          <m:rPr>
+                            <m:nor/>
+                          </m:rPr>
+                          <a:rPr lang="pt-BR" sz="2000" b="0" i="0" smtClean="0">
+                            <a:latin typeface="Nunito" pitchFamily="2" charset="77"/>
+                          </a:rPr>
+                          <m:t>)</m:t>
+                        </m:r>
+                      </m:num>
+                      <m:den>
+                        <m:r>
+                          <m:rPr>
+                            <m:nor/>
+                          </m:rPr>
+                          <a:rPr lang="pt-BR" sz="2000" b="0" i="0" smtClean="0">
+                            <a:latin typeface="Nunito" pitchFamily="2" charset="77"/>
+                          </a:rPr>
+                          <m:t>P</m:t>
+                        </m:r>
+                        <m:r>
+                          <m:rPr>
+                            <m:nor/>
+                          </m:rPr>
+                          <a:rPr lang="pt-BR" sz="2000" b="0" i="0" smtClean="0">
+                            <a:latin typeface="Nunito" pitchFamily="2" charset="77"/>
+                          </a:rPr>
+                          <m:t>(</m:t>
+                        </m:r>
+                        <m:r>
+                          <m:rPr>
+                            <m:nor/>
+                          </m:rPr>
+                          <a:rPr lang="pt-BR" sz="2000" b="0" i="0" smtClean="0">
+                            <a:latin typeface="Nunito" pitchFamily="2" charset="77"/>
+                          </a:rPr>
+                          <m:t>fumante</m:t>
+                        </m:r>
+                        <m:r>
+                          <m:rPr>
+                            <m:nor/>
+                          </m:rPr>
+                          <a:rPr lang="pt-BR" sz="2000" b="0" i="0" smtClean="0">
+                            <a:latin typeface="Nunito" pitchFamily="2" charset="77"/>
+                          </a:rPr>
+                          <m:t> | </m:t>
+                        </m:r>
+                        <m:r>
+                          <m:rPr>
+                            <m:nor/>
+                          </m:rPr>
+                          <a:rPr lang="pt-BR" sz="2000" b="0" i="0" smtClean="0">
+                            <a:latin typeface="Nunito" pitchFamily="2" charset="77"/>
+                          </a:rPr>
+                          <m:t>mulher</m:t>
+                        </m:r>
+                        <m:r>
+                          <m:rPr>
+                            <m:nor/>
+                          </m:rPr>
+                          <a:rPr lang="pt-BR" sz="2000" b="0" i="0" smtClean="0">
+                            <a:latin typeface="Nunito" pitchFamily="2" charset="77"/>
+                          </a:rPr>
+                          <m:t>)</m:t>
+                        </m:r>
+                      </m:den>
+                    </m:f>
+                  </m:oMath>
+                </a14:m>
+                <a:endParaRPr lang="pt-BR" sz="2000" dirty="0">
+                  <a:latin typeface="Nunito" pitchFamily="2" charset="77"/>
+                </a:endParaRPr>
+              </a:p>
+            </p:txBody>
+          </p:sp>
+        </mc:Choice>
+        <mc:Fallback>
+          <p:sp>
+            <p:nvSpPr>
+              <p:cNvPr id="15" name="CaixaDeTexto 14">
+                <a:extLst>
+                  <a:ext uri="{FF2B5EF4-FFF2-40B4-BE49-F238E27FC236}">
+                    <a16:creationId xmlns:a16="http://schemas.microsoft.com/office/drawing/2014/main" id="{395EAEED-4243-EA0A-B539-D19C6B476CA5}"/>
+                  </a:ext>
+                </a:extLst>
+              </p:cNvPr>
+              <p:cNvSpPr txBox="1">
+                <a:spLocks noRot="1" noChangeAspect="1" noMove="1" noResize="1" noEditPoints="1" noAdjustHandles="1" noChangeArrowheads="1" noChangeShapeType="1" noTextEdit="1"/>
+              </p:cNvSpPr>
+              <p:nvPr/>
+            </p:nvSpPr>
+            <p:spPr>
+              <a:xfrm>
+                <a:off x="3377159" y="4667352"/>
+                <a:ext cx="3068148" cy="553806"/>
+              </a:xfrm>
+              <a:prstGeom prst="rect">
+                <a:avLst/>
+              </a:prstGeom>
+              <a:blipFill>
+                <a:blip r:embed="rId4"/>
+                <a:stretch>
+                  <a:fillRect l="-4938" t="-18182" r="-2881" b="-31818"/>
+                </a:stretch>
+              </a:blipFill>
+            </p:spPr>
+            <p:txBody>
+              <a:bodyPr/>
+              <a:lstStyle/>
+              <a:p>
+                <a:r>
+                  <a:rPr lang="pt-BR">
+                    <a:noFill/>
+                  </a:rPr>
+                  <a:t> </a:t>
+                </a:r>
+              </a:p>
+            </p:txBody>
+          </p:sp>
+        </mc:Fallback>
+      </mc:AlternateContent>
+      <p:sp>
+        <p:nvSpPr>
+          <p:cNvPr id="16" name="CaixaDeTexto 15">
+            <a:extLst>
+              <a:ext uri="{FF2B5EF4-FFF2-40B4-BE49-F238E27FC236}">
+                <a16:creationId xmlns:a16="http://schemas.microsoft.com/office/drawing/2014/main" id="{F471C6B5-786B-0D3C-07C2-60A3DC7A02C4}"/>
+              </a:ext>
+            </a:extLst>
+          </p:cNvPr>
+          <p:cNvSpPr txBox="1"/>
+          <p:nvPr/>
+        </p:nvSpPr>
+        <p:spPr>
+          <a:xfrm>
+            <a:off x="583659" y="4631878"/>
+            <a:ext cx="2789869" cy="707886"/>
+          </a:xfrm>
+          <a:prstGeom prst="rect">
+            <a:avLst/>
+          </a:prstGeom>
+          <a:noFill/>
+        </p:spPr>
+        <p:txBody>
+          <a:bodyPr wrap="square" rtlCol="0">
+            <a:spAutoFit/>
+          </a:bodyPr>
+          <a:lstStyle/>
+          <a:p>
+            <a:pPr algn="r"/>
+            <a:r>
+              <a:rPr lang="pt-BR" sz="2000" dirty="0">
+                <a:latin typeface="Nunito" pitchFamily="2" charset="77"/>
+              </a:rPr>
+              <a:t>Chance de uma mulher não ser fumante</a:t>
+            </a:r>
+            <a:endParaRPr lang="pt-BR" sz="2000" dirty="0"/>
+          </a:p>
+        </p:txBody>
+      </p:sp>
+      <p:sp>
+        <p:nvSpPr>
+          <p:cNvPr id="18" name="CaixaDeTexto 17">
+            <a:extLst>
+              <a:ext uri="{FF2B5EF4-FFF2-40B4-BE49-F238E27FC236}">
+                <a16:creationId xmlns:a16="http://schemas.microsoft.com/office/drawing/2014/main" id="{3B79C35F-F3F5-3E57-C727-F3F4B271D3F0}"/>
+              </a:ext>
+            </a:extLst>
+          </p:cNvPr>
+          <p:cNvSpPr txBox="1"/>
+          <p:nvPr/>
+        </p:nvSpPr>
+        <p:spPr>
+          <a:xfrm>
+            <a:off x="4950496" y="6490075"/>
+            <a:ext cx="558166" cy="400110"/>
+          </a:xfrm>
+          <a:prstGeom prst="rect">
+            <a:avLst/>
+          </a:prstGeom>
+          <a:noFill/>
+        </p:spPr>
+        <p:txBody>
+          <a:bodyPr wrap="none" rtlCol="0">
+            <a:spAutoFit/>
+          </a:bodyPr>
+          <a:lstStyle/>
+          <a:p>
+            <a:r>
+              <a:rPr lang="pt-BR" sz="2000" dirty="0">
+                <a:latin typeface="Nunito" pitchFamily="2" charset="77"/>
+              </a:rPr>
+              <a:t>= 4</a:t>
+            </a:r>
+          </a:p>
+        </p:txBody>
+      </p:sp>
+      <mc:AlternateContent xmlns:mc="http://schemas.openxmlformats.org/markup-compatibility/2006">
+        <mc:Choice xmlns:a14="http://schemas.microsoft.com/office/drawing/2010/main" Requires="a14">
+          <p:sp>
+            <p:nvSpPr>
+              <p:cNvPr id="19" name="CaixaDeTexto 18">
+                <a:extLst>
+                  <a:ext uri="{FF2B5EF4-FFF2-40B4-BE49-F238E27FC236}">
+                    <a16:creationId xmlns:a16="http://schemas.microsoft.com/office/drawing/2014/main" id="{F0F93B55-3D1A-C795-597A-25713882DD79}"/>
+                  </a:ext>
+                </a:extLst>
+              </p:cNvPr>
+              <p:cNvSpPr txBox="1"/>
+              <p:nvPr/>
+            </p:nvSpPr>
+            <p:spPr>
+              <a:xfrm>
+                <a:off x="4349996" y="6415573"/>
+                <a:ext cx="727843" cy="553806"/>
+              </a:xfrm>
+              <a:prstGeom prst="rect">
+                <a:avLst/>
+              </a:prstGeom>
+              <a:noFill/>
+            </p:spPr>
+            <p:txBody>
+              <a:bodyPr wrap="square" lIns="0" tIns="0" rIns="0" bIns="0" rtlCol="0">
+                <a:spAutoFit/>
+              </a:bodyPr>
+              <a:lstStyle/>
+              <a:p>
+                <a:r>
+                  <a:rPr lang="pt-BR" sz="2000" dirty="0">
+                    <a:latin typeface="Nunito" pitchFamily="2" charset="77"/>
+                  </a:rPr>
+                  <a:t>= </a:t>
+                </a:r>
+                <a14:m>
+                  <m:oMath xmlns:m="http://schemas.openxmlformats.org/officeDocument/2006/math">
+                    <m:f>
+                      <m:fPr>
+                        <m:ctrlPr>
+                          <a:rPr lang="pt-BR" sz="2000" i="1" smtClean="0">
+                            <a:latin typeface="Cambria Math" panose="02040503050406030204" pitchFamily="18" charset="0"/>
+                          </a:rPr>
+                        </m:ctrlPr>
+                      </m:fPr>
+                      <m:num>
+                        <m:r>
+                          <m:rPr>
+                            <m:nor/>
+                          </m:rPr>
+                          <a:rPr lang="pt-BR" sz="2000" b="0" i="0" smtClean="0">
+                            <a:latin typeface="Nunito" pitchFamily="2" charset="77"/>
+                          </a:rPr>
+                          <m:t>0,8</m:t>
+                        </m:r>
+                      </m:num>
+                      <m:den>
+                        <m:r>
+                          <m:rPr>
+                            <m:nor/>
+                          </m:rPr>
+                          <a:rPr lang="pt-BR" sz="2000" b="0" i="0" smtClean="0">
+                            <a:latin typeface="Nunito" pitchFamily="2" charset="77"/>
+                          </a:rPr>
+                          <m:t>0,2</m:t>
+                        </m:r>
+                      </m:den>
+                    </m:f>
+                  </m:oMath>
+                </a14:m>
+                <a:endParaRPr lang="pt-BR" sz="2000" dirty="0">
+                  <a:latin typeface="Nunito" pitchFamily="2" charset="77"/>
+                </a:endParaRPr>
+              </a:p>
+            </p:txBody>
+          </p:sp>
+        </mc:Choice>
+        <mc:Fallback>
+          <p:sp>
+            <p:nvSpPr>
+              <p:cNvPr id="19" name="CaixaDeTexto 18">
+                <a:extLst>
+                  <a:ext uri="{FF2B5EF4-FFF2-40B4-BE49-F238E27FC236}">
+                    <a16:creationId xmlns:a16="http://schemas.microsoft.com/office/drawing/2014/main" id="{F0F93B55-3D1A-C795-597A-25713882DD79}"/>
+                  </a:ext>
+                </a:extLst>
+              </p:cNvPr>
+              <p:cNvSpPr txBox="1">
+                <a:spLocks noRot="1" noChangeAspect="1" noMove="1" noResize="1" noEditPoints="1" noAdjustHandles="1" noChangeArrowheads="1" noChangeShapeType="1" noTextEdit="1"/>
+              </p:cNvSpPr>
+              <p:nvPr/>
+            </p:nvSpPr>
+            <p:spPr>
+              <a:xfrm>
+                <a:off x="4349996" y="6415573"/>
+                <a:ext cx="727843" cy="553806"/>
+              </a:xfrm>
+              <a:prstGeom prst="rect">
+                <a:avLst/>
+              </a:prstGeom>
+              <a:blipFill>
+                <a:blip r:embed="rId5"/>
+                <a:stretch>
+                  <a:fillRect l="-20690" t="-2222" b="-15556"/>
+                </a:stretch>
+              </a:blipFill>
+            </p:spPr>
+            <p:txBody>
+              <a:bodyPr/>
+              <a:lstStyle/>
+              <a:p>
+                <a:r>
+                  <a:rPr lang="pt-BR">
+                    <a:noFill/>
+                  </a:rPr>
+                  <a:t> </a:t>
+                </a:r>
+              </a:p>
+            </p:txBody>
+          </p:sp>
+        </mc:Fallback>
+      </mc:AlternateContent>
+      <p:sp>
+        <p:nvSpPr>
+          <p:cNvPr id="20" name="CaixaDeTexto 19">
+            <a:extLst>
+              <a:ext uri="{FF2B5EF4-FFF2-40B4-BE49-F238E27FC236}">
+                <a16:creationId xmlns:a16="http://schemas.microsoft.com/office/drawing/2014/main" id="{ED5E7BA1-BCCF-A16D-751D-C2E9FC79C4B6}"/>
+              </a:ext>
+            </a:extLst>
+          </p:cNvPr>
+          <p:cNvSpPr txBox="1"/>
+          <p:nvPr/>
+        </p:nvSpPr>
+        <p:spPr>
+          <a:xfrm>
+            <a:off x="1556496" y="6380099"/>
+            <a:ext cx="2789869" cy="707886"/>
+          </a:xfrm>
+          <a:prstGeom prst="rect">
+            <a:avLst/>
+          </a:prstGeom>
+          <a:noFill/>
+        </p:spPr>
+        <p:txBody>
+          <a:bodyPr wrap="square" rtlCol="0">
+            <a:spAutoFit/>
+          </a:bodyPr>
+          <a:lstStyle/>
+          <a:p>
+            <a:pPr algn="r"/>
+            <a:r>
+              <a:rPr lang="pt-BR" sz="2000" dirty="0">
+                <a:latin typeface="Nunito" pitchFamily="2" charset="77"/>
+              </a:rPr>
+              <a:t>Chance de uma mulher não ser fumante</a:t>
+            </a:r>
+            <a:endParaRPr lang="pt-BR" sz="2000" dirty="0"/>
+          </a:p>
+        </p:txBody>
+      </p:sp>
+      <mc:AlternateContent xmlns:mc="http://schemas.openxmlformats.org/markup-compatibility/2006">
+        <mc:Choice xmlns:a14="http://schemas.microsoft.com/office/drawing/2010/main" Requires="a14">
+          <p:sp>
+            <p:nvSpPr>
+              <p:cNvPr id="22" name="CaixaDeTexto 21">
+                <a:extLst>
+                  <a:ext uri="{FF2B5EF4-FFF2-40B4-BE49-F238E27FC236}">
+                    <a16:creationId xmlns:a16="http://schemas.microsoft.com/office/drawing/2014/main" id="{423ACE0E-2B1B-62CB-BA74-63D691FB50BB}"/>
+                  </a:ext>
+                </a:extLst>
+              </p:cNvPr>
+              <p:cNvSpPr txBox="1"/>
+              <p:nvPr/>
+            </p:nvSpPr>
+            <p:spPr>
+              <a:xfrm>
+                <a:off x="17016444" y="5763844"/>
+                <a:ext cx="3068148" cy="553806"/>
+              </a:xfrm>
+              <a:prstGeom prst="rect">
+                <a:avLst/>
+              </a:prstGeom>
+              <a:noFill/>
+            </p:spPr>
+            <p:txBody>
+              <a:bodyPr wrap="square" lIns="0" tIns="0" rIns="0" bIns="0" rtlCol="0">
+                <a:spAutoFit/>
+              </a:bodyPr>
+              <a:lstStyle/>
+              <a:p>
+                <a:r>
+                  <a:rPr lang="pt-BR" sz="2000" dirty="0">
+                    <a:latin typeface="Nunito" pitchFamily="2" charset="77"/>
+                  </a:rPr>
+                  <a:t>= </a:t>
+                </a:r>
+                <a14:m>
+                  <m:oMath xmlns:m="http://schemas.openxmlformats.org/officeDocument/2006/math">
+                    <m:f>
+                      <m:fPr>
+                        <m:ctrlPr>
+                          <a:rPr lang="pt-BR" sz="2000" i="1" smtClean="0">
+                            <a:latin typeface="Cambria Math" panose="02040503050406030204" pitchFamily="18" charset="0"/>
+                          </a:rPr>
+                        </m:ctrlPr>
+                      </m:fPr>
+                      <m:num>
+                        <m:r>
+                          <m:rPr>
+                            <m:nor/>
+                          </m:rPr>
+                          <a:rPr lang="pt-BR" sz="2000" b="0" i="0" smtClean="0">
+                            <a:latin typeface="Nunito" pitchFamily="2" charset="77"/>
+                          </a:rPr>
+                          <m:t>P</m:t>
+                        </m:r>
+                        <m:r>
+                          <m:rPr>
+                            <m:nor/>
+                          </m:rPr>
+                          <a:rPr lang="pt-BR" sz="2000" b="0" i="0" smtClean="0">
+                            <a:latin typeface="Nunito" pitchFamily="2" charset="77"/>
+                          </a:rPr>
+                          <m:t>(</m:t>
+                        </m:r>
+                        <m:r>
+                          <m:rPr>
+                            <m:nor/>
+                          </m:rPr>
+                          <a:rPr lang="pt-BR" sz="2000" b="0" i="0" smtClean="0">
+                            <a:latin typeface="Nunito" pitchFamily="2" charset="77"/>
+                          </a:rPr>
+                          <m:t>fumante</m:t>
+                        </m:r>
+                        <m:r>
+                          <m:rPr>
+                            <m:nor/>
+                          </m:rPr>
+                          <a:rPr lang="pt-BR" sz="2000" b="0" i="0" smtClean="0">
+                            <a:latin typeface="Nunito" pitchFamily="2" charset="77"/>
+                          </a:rPr>
+                          <m:t> | </m:t>
+                        </m:r>
+                        <m:r>
+                          <m:rPr>
+                            <m:nor/>
+                          </m:rPr>
+                          <a:rPr lang="pt-BR" sz="2000" b="0" i="0" smtClean="0">
+                            <a:latin typeface="Nunito" pitchFamily="2" charset="77"/>
+                          </a:rPr>
+                          <m:t>mulher</m:t>
+                        </m:r>
+                        <m:r>
+                          <m:rPr>
+                            <m:nor/>
+                          </m:rPr>
+                          <a:rPr lang="pt-BR" sz="2000" b="0" i="0" smtClean="0">
+                            <a:latin typeface="Nunito" pitchFamily="2" charset="77"/>
+                          </a:rPr>
+                          <m:t>)</m:t>
+                        </m:r>
+                      </m:num>
+                      <m:den>
+                        <m:r>
+                          <m:rPr>
+                            <m:nor/>
+                          </m:rPr>
+                          <a:rPr lang="pt-BR" sz="2000" b="0" i="0" smtClean="0">
+                            <a:latin typeface="Nunito" pitchFamily="2" charset="77"/>
+                          </a:rPr>
+                          <m:t>P</m:t>
+                        </m:r>
+                        <m:r>
+                          <m:rPr>
+                            <m:nor/>
+                          </m:rPr>
+                          <a:rPr lang="pt-BR" sz="2000" b="0" i="0" smtClean="0">
+                            <a:latin typeface="Nunito" pitchFamily="2" charset="77"/>
+                          </a:rPr>
+                          <m:t>(</m:t>
+                        </m:r>
+                        <m:r>
+                          <m:rPr>
+                            <m:nor/>
+                          </m:rPr>
+                          <a:rPr lang="pt-BR" sz="2000">
+                            <a:latin typeface="Nunito" pitchFamily="2" charset="77"/>
+                          </a:rPr>
+                          <m:t>n</m:t>
+                        </m:r>
+                        <m:r>
+                          <m:rPr>
+                            <m:nor/>
+                          </m:rPr>
+                          <a:rPr lang="pt-BR" sz="2000">
+                            <a:latin typeface="Nunito" pitchFamily="2" charset="77"/>
+                          </a:rPr>
+                          <m:t>ã</m:t>
+                        </m:r>
+                        <m:r>
+                          <m:rPr>
+                            <m:nor/>
+                          </m:rPr>
+                          <a:rPr lang="pt-BR" sz="2000">
+                            <a:latin typeface="Nunito" pitchFamily="2" charset="77"/>
+                          </a:rPr>
+                          <m:t>o</m:t>
+                        </m:r>
+                        <m:r>
+                          <m:rPr>
+                            <m:nor/>
+                          </m:rPr>
+                          <a:rPr lang="pt-BR" sz="2000">
+                            <a:latin typeface="Nunito" pitchFamily="2" charset="77"/>
+                          </a:rPr>
+                          <m:t>−</m:t>
+                        </m:r>
+                        <m:r>
+                          <m:rPr>
+                            <m:nor/>
+                          </m:rPr>
+                          <a:rPr lang="pt-BR" sz="2000" b="0" i="0" smtClean="0">
+                            <a:latin typeface="Nunito" pitchFamily="2" charset="77"/>
+                          </a:rPr>
+                          <m:t>fumante</m:t>
+                        </m:r>
+                        <m:r>
+                          <m:rPr>
+                            <m:nor/>
+                          </m:rPr>
+                          <a:rPr lang="pt-BR" sz="2000" b="0" i="0" smtClean="0">
+                            <a:latin typeface="Nunito" pitchFamily="2" charset="77"/>
+                          </a:rPr>
+                          <m:t> | </m:t>
+                        </m:r>
+                        <m:r>
+                          <m:rPr>
+                            <m:nor/>
+                          </m:rPr>
+                          <a:rPr lang="pt-BR" sz="2000" b="0" i="0" smtClean="0">
+                            <a:latin typeface="Nunito" pitchFamily="2" charset="77"/>
+                          </a:rPr>
+                          <m:t>mulher</m:t>
+                        </m:r>
+                        <m:r>
+                          <m:rPr>
+                            <m:nor/>
+                          </m:rPr>
+                          <a:rPr lang="pt-BR" sz="2000" b="0" i="0" smtClean="0">
+                            <a:latin typeface="Nunito" pitchFamily="2" charset="77"/>
+                          </a:rPr>
+                          <m:t>)</m:t>
+                        </m:r>
+                      </m:den>
+                    </m:f>
+                  </m:oMath>
+                </a14:m>
+                <a:endParaRPr lang="pt-BR" sz="2000" dirty="0">
+                  <a:latin typeface="Nunito" pitchFamily="2" charset="77"/>
+                </a:endParaRPr>
+              </a:p>
+            </p:txBody>
+          </p:sp>
+        </mc:Choice>
+        <mc:Fallback>
+          <p:sp>
+            <p:nvSpPr>
+              <p:cNvPr id="22" name="CaixaDeTexto 21">
+                <a:extLst>
+                  <a:ext uri="{FF2B5EF4-FFF2-40B4-BE49-F238E27FC236}">
+                    <a16:creationId xmlns:a16="http://schemas.microsoft.com/office/drawing/2014/main" id="{423ACE0E-2B1B-62CB-BA74-63D691FB50BB}"/>
+                  </a:ext>
+                </a:extLst>
+              </p:cNvPr>
+              <p:cNvSpPr txBox="1">
+                <a:spLocks noRot="1" noChangeAspect="1" noMove="1" noResize="1" noEditPoints="1" noAdjustHandles="1" noChangeArrowheads="1" noChangeShapeType="1" noTextEdit="1"/>
+              </p:cNvSpPr>
+              <p:nvPr/>
+            </p:nvSpPr>
+            <p:spPr>
+              <a:xfrm>
+                <a:off x="17016444" y="5763844"/>
+                <a:ext cx="3068148" cy="553806"/>
+              </a:xfrm>
+              <a:prstGeom prst="rect">
+                <a:avLst/>
+              </a:prstGeom>
+              <a:blipFill>
+                <a:blip r:embed="rId6"/>
+                <a:stretch>
+                  <a:fillRect l="-4938" t="-20455" r="-2881" b="-29545"/>
+                </a:stretch>
+              </a:blipFill>
+            </p:spPr>
+            <p:txBody>
+              <a:bodyPr/>
+              <a:lstStyle/>
+              <a:p>
+                <a:r>
+                  <a:rPr lang="pt-BR">
+                    <a:noFill/>
+                  </a:rPr>
+                  <a:t> </a:t>
+                </a:r>
+              </a:p>
+            </p:txBody>
+          </p:sp>
+        </mc:Fallback>
+      </mc:AlternateContent>
+      <p:sp>
+        <p:nvSpPr>
+          <p:cNvPr id="23" name="CaixaDeTexto 22">
+            <a:extLst>
+              <a:ext uri="{FF2B5EF4-FFF2-40B4-BE49-F238E27FC236}">
+                <a16:creationId xmlns:a16="http://schemas.microsoft.com/office/drawing/2014/main" id="{47D69473-323E-F28B-3FF2-078EF7E95CD7}"/>
+              </a:ext>
+            </a:extLst>
+          </p:cNvPr>
+          <p:cNvSpPr txBox="1"/>
+          <p:nvPr/>
+        </p:nvSpPr>
+        <p:spPr>
+          <a:xfrm>
+            <a:off x="14552944" y="5728370"/>
+            <a:ext cx="2459869" cy="707886"/>
+          </a:xfrm>
+          <a:prstGeom prst="rect">
+            <a:avLst/>
+          </a:prstGeom>
+          <a:noFill/>
+        </p:spPr>
+        <p:txBody>
+          <a:bodyPr wrap="square" rtlCol="0">
+            <a:spAutoFit/>
+          </a:bodyPr>
+          <a:lstStyle/>
+          <a:p>
+            <a:pPr algn="r"/>
+            <a:r>
+              <a:rPr lang="pt-BR" sz="2000" dirty="0">
+                <a:latin typeface="Nunito" pitchFamily="2" charset="77"/>
+              </a:rPr>
+              <a:t>Chance de uma mulher ser fumante</a:t>
+            </a:r>
+            <a:endParaRPr lang="pt-BR" sz="2000" dirty="0"/>
+          </a:p>
+        </p:txBody>
+      </p:sp>
+      <mc:AlternateContent xmlns:mc="http://schemas.openxmlformats.org/markup-compatibility/2006">
+        <mc:Choice xmlns:a14="http://schemas.microsoft.com/office/drawing/2010/main" Requires="a14">
+          <p:sp>
+            <p:nvSpPr>
+              <p:cNvPr id="24" name="CaixaDeTexto 23">
+                <a:extLst>
+                  <a:ext uri="{FF2B5EF4-FFF2-40B4-BE49-F238E27FC236}">
+                    <a16:creationId xmlns:a16="http://schemas.microsoft.com/office/drawing/2014/main" id="{434FD791-1EAA-04AB-B773-05249C6025CE}"/>
+                  </a:ext>
+                </a:extLst>
+              </p:cNvPr>
+              <p:cNvSpPr txBox="1"/>
+              <p:nvPr/>
+            </p:nvSpPr>
+            <p:spPr>
+              <a:xfrm>
+                <a:off x="17012813" y="6637246"/>
+                <a:ext cx="1105321" cy="553806"/>
+              </a:xfrm>
+              <a:prstGeom prst="rect">
+                <a:avLst/>
+              </a:prstGeom>
+              <a:noFill/>
+            </p:spPr>
+            <p:txBody>
+              <a:bodyPr wrap="square" lIns="0" tIns="0" rIns="0" bIns="0" rtlCol="0">
+                <a:spAutoFit/>
+              </a:bodyPr>
+              <a:lstStyle/>
+              <a:p>
+                <a:r>
+                  <a:rPr lang="pt-BR" sz="2000" dirty="0">
+                    <a:latin typeface="Nunito" pitchFamily="2" charset="77"/>
+                  </a:rPr>
+                  <a:t>=  </a:t>
+                </a:r>
+                <a14:m>
+                  <m:oMath xmlns:m="http://schemas.openxmlformats.org/officeDocument/2006/math">
+                    <m:f>
+                      <m:fPr>
+                        <m:ctrlPr>
+                          <a:rPr lang="pt-BR" sz="2000" i="1" smtClean="0">
+                            <a:latin typeface="Cambria Math" panose="02040503050406030204" pitchFamily="18" charset="0"/>
+                          </a:rPr>
+                        </m:ctrlPr>
+                      </m:fPr>
+                      <m:num>
+                        <m:r>
+                          <m:rPr>
+                            <m:nor/>
+                          </m:rPr>
+                          <a:rPr lang="pt-BR" sz="2000" b="0" i="0" smtClean="0">
+                            <a:latin typeface="Nunito" pitchFamily="2" charset="77"/>
+                          </a:rPr>
+                          <m:t>0,2</m:t>
+                        </m:r>
+                      </m:num>
+                      <m:den>
+                        <m:r>
+                          <m:rPr>
+                            <m:nor/>
+                          </m:rPr>
+                          <a:rPr lang="pt-BR" sz="2000" i="1" smtClean="0">
+                            <a:latin typeface="Nunito" pitchFamily="2" charset="77"/>
+                          </a:rPr>
+                          <m:t>0</m:t>
+                        </m:r>
+                        <m:r>
+                          <m:rPr>
+                            <m:nor/>
+                          </m:rPr>
+                          <a:rPr lang="pt-BR" sz="2000" b="0" i="1" smtClean="0">
+                            <a:latin typeface="Nunito" pitchFamily="2" charset="77"/>
+                          </a:rPr>
+                          <m:t>,8</m:t>
+                        </m:r>
+                      </m:den>
+                    </m:f>
+                  </m:oMath>
+                </a14:m>
+                <a:endParaRPr lang="pt-BR" sz="2000" dirty="0">
+                  <a:latin typeface="Nunito" pitchFamily="2" charset="77"/>
+                </a:endParaRPr>
+              </a:p>
+            </p:txBody>
+          </p:sp>
+        </mc:Choice>
+        <mc:Fallback>
+          <p:sp>
+            <p:nvSpPr>
+              <p:cNvPr id="24" name="CaixaDeTexto 23">
+                <a:extLst>
+                  <a:ext uri="{FF2B5EF4-FFF2-40B4-BE49-F238E27FC236}">
+                    <a16:creationId xmlns:a16="http://schemas.microsoft.com/office/drawing/2014/main" id="{434FD791-1EAA-04AB-B773-05249C6025CE}"/>
+                  </a:ext>
+                </a:extLst>
+              </p:cNvPr>
+              <p:cNvSpPr txBox="1">
+                <a:spLocks noRot="1" noChangeAspect="1" noMove="1" noResize="1" noEditPoints="1" noAdjustHandles="1" noChangeArrowheads="1" noChangeShapeType="1" noTextEdit="1"/>
+              </p:cNvSpPr>
+              <p:nvPr/>
+            </p:nvSpPr>
+            <p:spPr>
+              <a:xfrm>
+                <a:off x="17012813" y="6637246"/>
+                <a:ext cx="1105321" cy="553806"/>
+              </a:xfrm>
+              <a:prstGeom prst="rect">
+                <a:avLst/>
+              </a:prstGeom>
+              <a:blipFill>
+                <a:blip r:embed="rId7"/>
+                <a:stretch>
+                  <a:fillRect l="-13636" t="-4444" b="-13333"/>
+                </a:stretch>
+              </a:blipFill>
+            </p:spPr>
+            <p:txBody>
+              <a:bodyPr/>
+              <a:lstStyle/>
+              <a:p>
+                <a:r>
+                  <a:rPr lang="pt-BR">
+                    <a:noFill/>
+                  </a:rPr>
+                  <a:t> </a:t>
+                </a:r>
+              </a:p>
+            </p:txBody>
+          </p:sp>
+        </mc:Fallback>
+      </mc:AlternateContent>
+      <p:sp>
+        <p:nvSpPr>
+          <p:cNvPr id="25" name="CaixaDeTexto 24">
+            <a:extLst>
+              <a:ext uri="{FF2B5EF4-FFF2-40B4-BE49-F238E27FC236}">
+                <a16:creationId xmlns:a16="http://schemas.microsoft.com/office/drawing/2014/main" id="{D1436386-EF81-C3BC-67AE-2C19FCB83851}"/>
+              </a:ext>
+            </a:extLst>
+          </p:cNvPr>
+          <p:cNvSpPr txBox="1"/>
+          <p:nvPr/>
+        </p:nvSpPr>
+        <p:spPr>
+          <a:xfrm>
+            <a:off x="14549313" y="6601772"/>
+            <a:ext cx="2459869" cy="707886"/>
+          </a:xfrm>
+          <a:prstGeom prst="rect">
+            <a:avLst/>
+          </a:prstGeom>
+          <a:noFill/>
+        </p:spPr>
+        <p:txBody>
+          <a:bodyPr wrap="square" rtlCol="0">
+            <a:spAutoFit/>
+          </a:bodyPr>
+          <a:lstStyle/>
+          <a:p>
+            <a:pPr algn="r"/>
+            <a:r>
+              <a:rPr lang="pt-BR" sz="2000" dirty="0">
+                <a:latin typeface="Nunito" pitchFamily="2" charset="77"/>
+              </a:rPr>
+              <a:t>Chance de uma mulher ser fumante</a:t>
+            </a:r>
+            <a:endParaRPr lang="pt-BR" sz="2000" dirty="0"/>
+          </a:p>
+        </p:txBody>
+      </p:sp>
+      <p:sp>
+        <p:nvSpPr>
+          <p:cNvPr id="26" name="CaixaDeTexto 25">
+            <a:extLst>
+              <a:ext uri="{FF2B5EF4-FFF2-40B4-BE49-F238E27FC236}">
+                <a16:creationId xmlns:a16="http://schemas.microsoft.com/office/drawing/2014/main" id="{F29A5BB6-83C0-3E39-5424-108F675E9CD7}"/>
+              </a:ext>
+            </a:extLst>
+          </p:cNvPr>
+          <p:cNvSpPr txBox="1"/>
+          <p:nvPr/>
+        </p:nvSpPr>
+        <p:spPr>
+          <a:xfrm>
+            <a:off x="17714172" y="6714085"/>
+            <a:ext cx="925253" cy="400110"/>
+          </a:xfrm>
+          <a:prstGeom prst="rect">
+            <a:avLst/>
+          </a:prstGeom>
+          <a:noFill/>
+        </p:spPr>
+        <p:txBody>
+          <a:bodyPr wrap="none" rtlCol="0">
+            <a:spAutoFit/>
+          </a:bodyPr>
+          <a:lstStyle/>
+          <a:p>
+            <a:r>
+              <a:rPr lang="pt-BR" sz="2000" dirty="0">
+                <a:latin typeface="Nunito" pitchFamily="2" charset="77"/>
+              </a:rPr>
+              <a:t>= 0,25</a:t>
+            </a:r>
+          </a:p>
+        </p:txBody>
+      </p:sp>
+      <mc:AlternateContent xmlns:mc="http://schemas.openxmlformats.org/markup-compatibility/2006">
+        <mc:Choice xmlns:a14="http://schemas.microsoft.com/office/drawing/2010/main" Requires="a14">
+          <p:sp>
+            <p:nvSpPr>
+              <p:cNvPr id="28" name="CaixaDeTexto 27">
+                <a:extLst>
+                  <a:ext uri="{FF2B5EF4-FFF2-40B4-BE49-F238E27FC236}">
+                    <a16:creationId xmlns:a16="http://schemas.microsoft.com/office/drawing/2014/main" id="{E899EAEE-9803-E8F8-E5D1-9C827780D1A5}"/>
+                  </a:ext>
+                </a:extLst>
+              </p:cNvPr>
+              <p:cNvSpPr txBox="1"/>
+              <p:nvPr/>
+            </p:nvSpPr>
+            <p:spPr>
+              <a:xfrm>
+                <a:off x="1556496" y="1474603"/>
+                <a:ext cx="1885644" cy="646139"/>
+              </a:xfrm>
+              <a:prstGeom prst="rect">
+                <a:avLst/>
+              </a:prstGeom>
+              <a:noFill/>
+            </p:spPr>
+            <p:txBody>
+              <a:bodyPr wrap="none" lIns="0" tIns="0" rIns="0" bIns="0" rtlCol="0">
+                <a:spAutoFit/>
+              </a:bodyPr>
+              <a:lstStyle/>
+              <a:p>
+                <a:pPr/>
+                <a14:m>
+                  <m:oMathPara xmlns:m="http://schemas.openxmlformats.org/officeDocument/2006/math">
+                    <m:oMathParaPr>
+                      <m:jc m:val="centerGroup"/>
+                    </m:oMathParaPr>
+                    <m:oMath xmlns:m="http://schemas.openxmlformats.org/officeDocument/2006/math">
+                      <m:r>
+                        <m:rPr>
+                          <m:nor/>
+                        </m:rPr>
+                        <a:rPr lang="pt-BR" sz="2200" b="0" i="0" smtClean="0">
+                          <a:latin typeface="Nunito" pitchFamily="2" charset="77"/>
+                        </a:rPr>
+                        <m:t>Chance</m:t>
+                      </m:r>
+                      <m:r>
+                        <m:rPr>
+                          <m:nor/>
+                        </m:rPr>
+                        <a:rPr lang="pt-BR" sz="2200" b="0" i="0" smtClean="0">
+                          <a:latin typeface="Nunito" pitchFamily="2" charset="77"/>
+                        </a:rPr>
+                        <m:t> = </m:t>
+                      </m:r>
+                      <m:f>
+                        <m:fPr>
+                          <m:ctrlPr>
+                            <a:rPr lang="pt-BR" sz="2200" b="0" i="1" smtClean="0">
+                              <a:latin typeface="Cambria Math" panose="02040503050406030204" pitchFamily="18" charset="0"/>
+                            </a:rPr>
+                          </m:ctrlPr>
+                        </m:fPr>
+                        <m:num>
+                          <m:r>
+                            <m:rPr>
+                              <m:nor/>
+                            </m:rPr>
+                            <a:rPr lang="pt-BR" sz="2200" b="0" i="0" smtClean="0">
+                              <a:latin typeface="Nunito" pitchFamily="2" charset="77"/>
+                            </a:rPr>
+                            <m:t>160</m:t>
+                          </m:r>
+                        </m:num>
+                        <m:den>
+                          <m:r>
+                            <m:rPr>
+                              <m:nor/>
+                            </m:rPr>
+                            <a:rPr lang="pt-BR" sz="2200" b="0" i="0" smtClean="0">
+                              <a:latin typeface="Nunito" pitchFamily="2" charset="77"/>
+                            </a:rPr>
+                            <m:t>40</m:t>
+                          </m:r>
+                        </m:den>
+                      </m:f>
+                    </m:oMath>
+                  </m:oMathPara>
+                </a14:m>
+                <a:endParaRPr lang="pt-BR" sz="2200" dirty="0">
+                  <a:latin typeface="Nunito" pitchFamily="2" charset="77"/>
+                </a:endParaRPr>
+              </a:p>
+            </p:txBody>
+          </p:sp>
+        </mc:Choice>
+        <mc:Fallback>
+          <p:sp>
+            <p:nvSpPr>
+              <p:cNvPr id="28" name="CaixaDeTexto 27">
+                <a:extLst>
+                  <a:ext uri="{FF2B5EF4-FFF2-40B4-BE49-F238E27FC236}">
+                    <a16:creationId xmlns:a16="http://schemas.microsoft.com/office/drawing/2014/main" id="{E899EAEE-9803-E8F8-E5D1-9C827780D1A5}"/>
+                  </a:ext>
+                </a:extLst>
+              </p:cNvPr>
+              <p:cNvSpPr txBox="1">
+                <a:spLocks noRot="1" noChangeAspect="1" noMove="1" noResize="1" noEditPoints="1" noAdjustHandles="1" noChangeArrowheads="1" noChangeShapeType="1" noTextEdit="1"/>
+              </p:cNvSpPr>
+              <p:nvPr/>
+            </p:nvSpPr>
+            <p:spPr>
+              <a:xfrm>
+                <a:off x="1556496" y="1474603"/>
+                <a:ext cx="1885644" cy="646139"/>
+              </a:xfrm>
+              <a:prstGeom prst="rect">
+                <a:avLst/>
+              </a:prstGeom>
+              <a:blipFill>
+                <a:blip r:embed="rId8"/>
+                <a:stretch>
+                  <a:fillRect l="-3333" t="-1923" r="-2667" b="-13462"/>
+                </a:stretch>
+              </a:blipFill>
+            </p:spPr>
+            <p:txBody>
+              <a:bodyPr/>
+              <a:lstStyle/>
+              <a:p>
+                <a:r>
+                  <a:rPr lang="pt-BR">
+                    <a:noFill/>
+                  </a:rPr>
+                  <a:t> </a:t>
+                </a:r>
+              </a:p>
+            </p:txBody>
+          </p:sp>
+        </mc:Fallback>
+      </mc:AlternateContent>
+      <p:sp>
+        <p:nvSpPr>
+          <p:cNvPr id="30" name="CaixaDeTexto 29">
+            <a:extLst>
+              <a:ext uri="{FF2B5EF4-FFF2-40B4-BE49-F238E27FC236}">
+                <a16:creationId xmlns:a16="http://schemas.microsoft.com/office/drawing/2014/main" id="{0ABD835D-1677-DFB6-1967-280CD00CE071}"/>
+              </a:ext>
+            </a:extLst>
+          </p:cNvPr>
+          <p:cNvSpPr txBox="1"/>
+          <p:nvPr/>
+        </p:nvSpPr>
+        <p:spPr>
+          <a:xfrm>
+            <a:off x="3456571" y="1639136"/>
+            <a:ext cx="596638" cy="430887"/>
+          </a:xfrm>
+          <a:prstGeom prst="rect">
+            <a:avLst/>
+          </a:prstGeom>
+          <a:noFill/>
+        </p:spPr>
+        <p:txBody>
+          <a:bodyPr wrap="none" rtlCol="0">
+            <a:spAutoFit/>
+          </a:bodyPr>
+          <a:lstStyle/>
+          <a:p>
+            <a:r>
+              <a:rPr lang="pt-BR" sz="2200" dirty="0">
+                <a:latin typeface="Nunito" pitchFamily="2" charset="77"/>
+              </a:rPr>
+              <a:t>= 4</a:t>
+            </a:r>
+          </a:p>
+        </p:txBody>
+      </p:sp>
+    </p:spTree>
+    <p:extLst>
+      <p:ext uri="{BB962C8B-B14F-4D97-AF65-F5344CB8AC3E}">
+        <p14:creationId xmlns:p14="http://schemas.microsoft.com/office/powerpoint/2010/main" val="2554552461"/>
+      </p:ext>
+    </p:extLst>
+  </p:cSld>
+  <p:clrMapOvr>
+    <a:masterClrMapping/>
+  </p:clrMapOvr>
+</p:sld>
+</file>
+
+<file path=ppt/slides/slide3.xml><?xml version="1.0" encoding="utf-8"?>
+<p:sld xmlns:a="http://schemas.openxmlformats.org/drawingml/2006/main" xmlns:r="http://schemas.openxmlformats.org/officeDocument/2006/relationships" xmlns:p="http://schemas.openxmlformats.org/presentationml/2006/main">
+  <p:cSld>
+    <p:spTree>
+      <p:nvGrpSpPr>
+        <p:cNvPr id="1" name="">
+          <a:extLst>
+            <a:ext uri="{FF2B5EF4-FFF2-40B4-BE49-F238E27FC236}">
+              <a16:creationId xmlns:a16="http://schemas.microsoft.com/office/drawing/2014/main" id="{C374FBD8-ACE7-5C4B-1CF7-289BAA324159}"/>
+            </a:ext>
+          </a:extLst>
+        </p:cNvPr>
+        <p:cNvGrpSpPr/>
+        <p:nvPr/>
+      </p:nvGrpSpPr>
+      <p:grpSpPr>
+        <a:xfrm>
+          <a:off x="0" y="0"/>
+          <a:ext cx="0" cy="0"/>
+          <a:chOff x="0" y="0"/>
+          <a:chExt cx="0" cy="0"/>
+        </a:xfrm>
+      </p:grpSpPr>
+      <p:sp>
+        <p:nvSpPr>
+          <p:cNvPr id="49" name="Retângulo 48">
+            <a:extLst>
+              <a:ext uri="{FF2B5EF4-FFF2-40B4-BE49-F238E27FC236}">
+                <a16:creationId xmlns:a16="http://schemas.microsoft.com/office/drawing/2014/main" id="{BB489A8F-05D3-2FD3-C3B6-FC94F9327C84}"/>
+              </a:ext>
+            </a:extLst>
+          </p:cNvPr>
+          <p:cNvSpPr/>
+          <p:nvPr/>
+        </p:nvSpPr>
+        <p:spPr>
+          <a:xfrm>
+            <a:off x="7358063" y="557212"/>
+            <a:ext cx="6303384" cy="2214563"/>
+          </a:xfrm>
+          <a:prstGeom prst="rect">
+            <a:avLst/>
+          </a:prstGeom>
+          <a:solidFill>
+            <a:schemeClr val="bg1">
+              <a:lumMod val="95000"/>
+            </a:schemeClr>
+          </a:solidFill>
+          <a:ln>
+            <a:noFill/>
+          </a:ln>
+        </p:spPr>
+        <p:style>
+          <a:lnRef idx="2">
+            <a:schemeClr val="accent1">
+              <a:shade val="15000"/>
+            </a:schemeClr>
+          </a:lnRef>
+          <a:fillRef idx="1">
+            <a:schemeClr val="accent1"/>
+          </a:fillRef>
+          <a:effectRef idx="0">
+            <a:schemeClr val="accent1"/>
+          </a:effectRef>
+          <a:fontRef idx="minor">
+            <a:schemeClr val="lt1"/>
+          </a:fontRef>
+        </p:style>
+        <p:txBody>
+          <a:bodyPr rtlCol="0" anchor="ctr"/>
+          <a:lstStyle/>
+          <a:p>
+            <a:pPr algn="ctr"/>
+            <a:endParaRPr lang="pt-BR"/>
+          </a:p>
+        </p:txBody>
+      </p:sp>
+      <p:sp>
+        <p:nvSpPr>
+          <p:cNvPr id="48" name="Retângulo 47">
+            <a:extLst>
+              <a:ext uri="{FF2B5EF4-FFF2-40B4-BE49-F238E27FC236}">
+                <a16:creationId xmlns:a16="http://schemas.microsoft.com/office/drawing/2014/main" id="{0F87A145-0F89-C757-C46F-C73FB8C07EB0}"/>
+              </a:ext>
+            </a:extLst>
+          </p:cNvPr>
+          <p:cNvSpPr/>
+          <p:nvPr/>
+        </p:nvSpPr>
+        <p:spPr>
+          <a:xfrm>
+            <a:off x="568069" y="557212"/>
+            <a:ext cx="6304215" cy="4929188"/>
+          </a:xfrm>
+          <a:prstGeom prst="rect">
+            <a:avLst/>
+          </a:prstGeom>
+          <a:solidFill>
+            <a:schemeClr val="bg1">
+              <a:lumMod val="95000"/>
+            </a:schemeClr>
+          </a:solidFill>
+          <a:ln>
+            <a:noFill/>
+          </a:ln>
+        </p:spPr>
+        <p:style>
+          <a:lnRef idx="2">
+            <a:schemeClr val="accent1">
+              <a:shade val="15000"/>
+            </a:schemeClr>
+          </a:lnRef>
+          <a:fillRef idx="1">
+            <a:schemeClr val="accent1"/>
+          </a:fillRef>
+          <a:effectRef idx="0">
+            <a:schemeClr val="accent1"/>
+          </a:effectRef>
+          <a:fontRef idx="minor">
+            <a:schemeClr val="lt1"/>
+          </a:fontRef>
+        </p:style>
+        <p:txBody>
+          <a:bodyPr rtlCol="0" anchor="ctr"/>
+          <a:lstStyle/>
+          <a:p>
+            <a:pPr algn="ctr"/>
+            <a:endParaRPr lang="pt-BR"/>
+          </a:p>
+        </p:txBody>
+      </p:sp>
+      <mc:AlternateContent xmlns:mc="http://schemas.openxmlformats.org/markup-compatibility/2006">
+        <mc:Choice xmlns:a14="http://schemas.microsoft.com/office/drawing/2010/main" Requires="a14">
+          <p:sp>
+            <p:nvSpPr>
+              <p:cNvPr id="15" name="CaixaDeTexto 14">
+                <a:extLst>
+                  <a:ext uri="{FF2B5EF4-FFF2-40B4-BE49-F238E27FC236}">
+                    <a16:creationId xmlns:a16="http://schemas.microsoft.com/office/drawing/2014/main" id="{8B23F210-4883-BFCD-A6D2-3F6979B57186}"/>
+                  </a:ext>
+                </a:extLst>
+              </p:cNvPr>
+              <p:cNvSpPr txBox="1"/>
+              <p:nvPr/>
+            </p:nvSpPr>
+            <p:spPr>
+              <a:xfrm>
+                <a:off x="3418722" y="718806"/>
+                <a:ext cx="3068148" cy="553806"/>
+              </a:xfrm>
+              <a:prstGeom prst="rect">
+                <a:avLst/>
+              </a:prstGeom>
+              <a:noFill/>
+            </p:spPr>
+            <p:txBody>
+              <a:bodyPr wrap="square" lIns="0" tIns="0" rIns="0" bIns="0" rtlCol="0">
+                <a:spAutoFit/>
+              </a:bodyPr>
+              <a:lstStyle/>
+              <a:p>
+                <a:r>
+                  <a:rPr lang="pt-BR" sz="2000" dirty="0">
+                    <a:latin typeface="Nunito" pitchFamily="2" charset="77"/>
+                  </a:rPr>
+                  <a:t>= </a:t>
+                </a:r>
+                <a14:m>
+                  <m:oMath xmlns:m="http://schemas.openxmlformats.org/officeDocument/2006/math">
+                    <m:f>
+                      <m:fPr>
+                        <m:ctrlPr>
+                          <a:rPr lang="pt-BR" sz="2000" i="1" smtClean="0">
+                            <a:latin typeface="Cambria Math" panose="02040503050406030204" pitchFamily="18" charset="0"/>
+                          </a:rPr>
+                        </m:ctrlPr>
+                      </m:fPr>
+                      <m:num>
+                        <m:r>
+                          <m:rPr>
+                            <m:nor/>
+                          </m:rPr>
+                          <a:rPr lang="pt-BR" sz="2000" b="0" i="0" smtClean="0">
+                            <a:latin typeface="Nunito" pitchFamily="2" charset="77"/>
+                          </a:rPr>
+                          <m:t>P</m:t>
+                        </m:r>
+                        <m:r>
+                          <m:rPr>
+                            <m:nor/>
+                          </m:rPr>
+                          <a:rPr lang="pt-BR" sz="2000" b="0" i="0" smtClean="0">
+                            <a:latin typeface="Nunito" pitchFamily="2" charset="77"/>
+                          </a:rPr>
+                          <m:t>(</m:t>
+                        </m:r>
+                        <m:r>
+                          <m:rPr>
+                            <m:nor/>
+                          </m:rPr>
+                          <a:rPr lang="pt-BR" sz="2000">
+                            <a:latin typeface="Nunito" pitchFamily="2" charset="77"/>
+                          </a:rPr>
+                          <m:t>n</m:t>
+                        </m:r>
+                        <m:r>
+                          <m:rPr>
+                            <m:nor/>
+                          </m:rPr>
+                          <a:rPr lang="pt-BR" sz="2000">
+                            <a:latin typeface="Nunito" pitchFamily="2" charset="77"/>
+                          </a:rPr>
+                          <m:t>ã</m:t>
+                        </m:r>
+                        <m:r>
+                          <m:rPr>
+                            <m:nor/>
+                          </m:rPr>
+                          <a:rPr lang="pt-BR" sz="2000">
+                            <a:latin typeface="Nunito" pitchFamily="2" charset="77"/>
+                          </a:rPr>
+                          <m:t>o</m:t>
+                        </m:r>
+                        <m:r>
+                          <m:rPr>
+                            <m:nor/>
+                          </m:rPr>
+                          <a:rPr lang="pt-BR" sz="2000">
+                            <a:latin typeface="Nunito" pitchFamily="2" charset="77"/>
+                          </a:rPr>
+                          <m:t>−</m:t>
+                        </m:r>
+                        <m:r>
+                          <m:rPr>
+                            <m:nor/>
+                          </m:rPr>
+                          <a:rPr lang="pt-BR" sz="2000" b="0" i="0" smtClean="0">
+                            <a:latin typeface="Nunito" pitchFamily="2" charset="77"/>
+                          </a:rPr>
+                          <m:t>fumante</m:t>
+                        </m:r>
+                        <m:r>
+                          <m:rPr>
+                            <m:nor/>
+                          </m:rPr>
+                          <a:rPr lang="pt-BR" sz="2000" b="0" i="0" smtClean="0">
+                            <a:latin typeface="Nunito" pitchFamily="2" charset="77"/>
+                          </a:rPr>
+                          <m:t> | </m:t>
+                        </m:r>
+                        <m:r>
+                          <m:rPr>
+                            <m:nor/>
+                          </m:rPr>
+                          <a:rPr lang="pt-BR" sz="2000" b="0" i="0" smtClean="0">
+                            <a:latin typeface="Nunito" pitchFamily="2" charset="77"/>
+                          </a:rPr>
+                          <m:t>mulher</m:t>
+                        </m:r>
+                        <m:r>
+                          <m:rPr>
+                            <m:nor/>
+                          </m:rPr>
+                          <a:rPr lang="pt-BR" sz="2000" b="0" i="0" smtClean="0">
+                            <a:latin typeface="Nunito" pitchFamily="2" charset="77"/>
+                          </a:rPr>
+                          <m:t>)</m:t>
+                        </m:r>
+                      </m:num>
+                      <m:den>
+                        <m:r>
+                          <m:rPr>
+                            <m:nor/>
+                          </m:rPr>
+                          <a:rPr lang="pt-BR" sz="2000" b="0" i="0" smtClean="0">
+                            <a:latin typeface="Nunito" pitchFamily="2" charset="77"/>
+                          </a:rPr>
+                          <m:t>P</m:t>
+                        </m:r>
+                        <m:r>
+                          <m:rPr>
+                            <m:nor/>
+                          </m:rPr>
+                          <a:rPr lang="pt-BR" sz="2000" b="0" i="0" smtClean="0">
+                            <a:latin typeface="Nunito" pitchFamily="2" charset="77"/>
+                          </a:rPr>
+                          <m:t>(</m:t>
+                        </m:r>
+                        <m:r>
+                          <m:rPr>
+                            <m:nor/>
+                          </m:rPr>
+                          <a:rPr lang="pt-BR" sz="2000" b="0" i="0" smtClean="0">
+                            <a:latin typeface="Nunito" pitchFamily="2" charset="77"/>
+                          </a:rPr>
+                          <m:t>fumante</m:t>
+                        </m:r>
+                        <m:r>
+                          <m:rPr>
+                            <m:nor/>
+                          </m:rPr>
+                          <a:rPr lang="pt-BR" sz="2000" b="0" i="0" smtClean="0">
+                            <a:latin typeface="Nunito" pitchFamily="2" charset="77"/>
+                          </a:rPr>
+                          <m:t> | </m:t>
+                        </m:r>
+                        <m:r>
+                          <m:rPr>
+                            <m:nor/>
+                          </m:rPr>
+                          <a:rPr lang="pt-BR" sz="2000" b="0" i="0" smtClean="0">
+                            <a:latin typeface="Nunito" pitchFamily="2" charset="77"/>
+                          </a:rPr>
+                          <m:t>mulher</m:t>
+                        </m:r>
+                        <m:r>
+                          <m:rPr>
+                            <m:nor/>
+                          </m:rPr>
+                          <a:rPr lang="pt-BR" sz="2000" b="0" i="0" smtClean="0">
+                            <a:latin typeface="Nunito" pitchFamily="2" charset="77"/>
+                          </a:rPr>
+                          <m:t>)</m:t>
+                        </m:r>
+                      </m:den>
+                    </m:f>
+                  </m:oMath>
+                </a14:m>
+                <a:endParaRPr lang="pt-BR" sz="2000" dirty="0">
+                  <a:latin typeface="Nunito" pitchFamily="2" charset="77"/>
+                </a:endParaRPr>
+              </a:p>
+            </p:txBody>
+          </p:sp>
+        </mc:Choice>
+        <mc:Fallback>
+          <p:sp>
+            <p:nvSpPr>
+              <p:cNvPr id="15" name="CaixaDeTexto 14">
+                <a:extLst>
+                  <a:ext uri="{FF2B5EF4-FFF2-40B4-BE49-F238E27FC236}">
+                    <a16:creationId xmlns:a16="http://schemas.microsoft.com/office/drawing/2014/main" id="{8B23F210-4883-BFCD-A6D2-3F6979B57186}"/>
+                  </a:ext>
+                </a:extLst>
+              </p:cNvPr>
+              <p:cNvSpPr txBox="1">
+                <a:spLocks noRot="1" noChangeAspect="1" noMove="1" noResize="1" noEditPoints="1" noAdjustHandles="1" noChangeArrowheads="1" noChangeShapeType="1" noTextEdit="1"/>
+              </p:cNvSpPr>
+              <p:nvPr/>
+            </p:nvSpPr>
+            <p:spPr>
+              <a:xfrm>
+                <a:off x="3418722" y="718806"/>
+                <a:ext cx="3068148" cy="553806"/>
+              </a:xfrm>
+              <a:prstGeom prst="rect">
+                <a:avLst/>
+              </a:prstGeom>
+              <a:blipFill>
+                <a:blip r:embed="rId3"/>
+                <a:stretch>
+                  <a:fillRect l="-5372" t="-17778" r="-2893" b="-28889"/>
+                </a:stretch>
+              </a:blipFill>
+            </p:spPr>
+            <p:txBody>
+              <a:bodyPr/>
+              <a:lstStyle/>
+              <a:p>
+                <a:r>
+                  <a:rPr lang="pt-BR">
+                    <a:noFill/>
+                  </a:rPr>
+                  <a:t> </a:t>
+                </a:r>
+              </a:p>
+            </p:txBody>
+          </p:sp>
+        </mc:Fallback>
+      </mc:AlternateContent>
+      <p:sp>
+        <p:nvSpPr>
+          <p:cNvPr id="16" name="CaixaDeTexto 15">
+            <a:extLst>
+              <a:ext uri="{FF2B5EF4-FFF2-40B4-BE49-F238E27FC236}">
+                <a16:creationId xmlns:a16="http://schemas.microsoft.com/office/drawing/2014/main" id="{A058C6CB-3245-FDB8-D1FA-32101BD9F2FB}"/>
+              </a:ext>
+            </a:extLst>
+          </p:cNvPr>
+          <p:cNvSpPr txBox="1"/>
+          <p:nvPr/>
+        </p:nvSpPr>
+        <p:spPr>
+          <a:xfrm>
+            <a:off x="625222" y="683332"/>
+            <a:ext cx="2789869" cy="707886"/>
+          </a:xfrm>
+          <a:prstGeom prst="rect">
+            <a:avLst/>
+          </a:prstGeom>
+          <a:noFill/>
+        </p:spPr>
+        <p:txBody>
+          <a:bodyPr wrap="square" rtlCol="0">
+            <a:spAutoFit/>
+          </a:bodyPr>
+          <a:lstStyle/>
+          <a:p>
+            <a:pPr algn="r"/>
+            <a:r>
+              <a:rPr lang="pt-BR" sz="2000" dirty="0">
+                <a:latin typeface="Nunito" pitchFamily="2" charset="77"/>
+              </a:rPr>
+              <a:t>Chance de uma mulher não ser fumante</a:t>
+            </a:r>
+            <a:endParaRPr lang="pt-BR" sz="2000" dirty="0"/>
+          </a:p>
+        </p:txBody>
+      </p:sp>
+      <mc:AlternateContent xmlns:mc="http://schemas.openxmlformats.org/markup-compatibility/2006">
+        <mc:Choice xmlns:a14="http://schemas.microsoft.com/office/drawing/2010/main" Requires="a14">
+          <p:sp>
+            <p:nvSpPr>
+              <p:cNvPr id="31" name="CaixaDeTexto 30">
+                <a:extLst>
+                  <a:ext uri="{FF2B5EF4-FFF2-40B4-BE49-F238E27FC236}">
+                    <a16:creationId xmlns:a16="http://schemas.microsoft.com/office/drawing/2014/main" id="{AABFC10D-78C1-689C-1245-8CF3AB30DE17}"/>
+                  </a:ext>
+                </a:extLst>
+              </p:cNvPr>
+              <p:cNvSpPr txBox="1"/>
+              <p:nvPr/>
+            </p:nvSpPr>
+            <p:spPr>
+              <a:xfrm>
+                <a:off x="3418722" y="1785606"/>
+                <a:ext cx="3259870" cy="969881"/>
+              </a:xfrm>
+              <a:prstGeom prst="rect">
+                <a:avLst/>
+              </a:prstGeom>
+              <a:noFill/>
+            </p:spPr>
+            <p:txBody>
+              <a:bodyPr wrap="square" lIns="0" tIns="0" rIns="0" bIns="0" rtlCol="0">
+                <a:spAutoFit/>
+              </a:bodyPr>
+              <a:lstStyle/>
+              <a:p>
+                <a:pPr>
+                  <a:spcAft>
+                    <a:spcPts val="600"/>
+                  </a:spcAft>
+                </a:pPr>
+                <a:r>
+                  <a:rPr lang="pt-BR" sz="2000" dirty="0">
+                    <a:latin typeface="Nunito" pitchFamily="2" charset="77"/>
+                  </a:rPr>
+                  <a:t>= </a:t>
+                </a:r>
+                <a14:m>
+                  <m:oMath xmlns:m="http://schemas.openxmlformats.org/officeDocument/2006/math">
+                    <m:f>
+                      <m:fPr>
+                        <m:ctrlPr>
+                          <a:rPr lang="pt-BR" sz="2000" i="1" smtClean="0">
+                            <a:latin typeface="Cambria Math" panose="02040503050406030204" pitchFamily="18" charset="0"/>
+                          </a:rPr>
+                        </m:ctrlPr>
+                      </m:fPr>
+                      <m:num>
+                        <m:f>
+                          <m:fPr>
+                            <m:ctrlPr>
+                              <a:rPr lang="pt-BR" sz="2000" b="0" i="1" smtClean="0">
+                                <a:latin typeface="Cambria Math" panose="02040503050406030204" pitchFamily="18" charset="0"/>
+                              </a:rPr>
+                            </m:ctrlPr>
+                          </m:fPr>
+                          <m:num>
+                            <m:r>
+                              <m:rPr>
+                                <m:nor/>
+                              </m:rPr>
+                              <a:rPr lang="pt-BR" sz="2000" b="0" i="0" smtClean="0">
+                                <a:latin typeface="Nunito" pitchFamily="2" charset="77"/>
+                              </a:rPr>
+                              <m:t>n</m:t>
+                            </m:r>
+                            <m:r>
+                              <m:rPr>
+                                <m:nor/>
+                              </m:rPr>
+                              <a:rPr lang="pt-BR" sz="2000" b="0" i="0" smtClean="0">
+                                <a:latin typeface="Nunito" pitchFamily="2" charset="77"/>
+                              </a:rPr>
+                              <m:t> </m:t>
+                            </m:r>
+                            <m:r>
+                              <m:rPr>
+                                <m:nor/>
+                              </m:rPr>
+                              <a:rPr lang="pt-BR" sz="2000" b="0" i="0" smtClean="0">
+                                <a:latin typeface="Nunito" pitchFamily="2" charset="77"/>
+                              </a:rPr>
+                              <m:t>mulheres</m:t>
+                            </m:r>
+                            <m:r>
+                              <m:rPr>
+                                <m:nor/>
+                              </m:rPr>
+                              <a:rPr lang="pt-BR" sz="2000" b="0" i="0" smtClean="0">
+                                <a:latin typeface="Nunito" pitchFamily="2" charset="77"/>
+                              </a:rPr>
+                              <m:t> </m:t>
+                            </m:r>
+                            <m:r>
+                              <m:rPr>
+                                <m:nor/>
+                              </m:rPr>
+                              <a:rPr lang="pt-BR" sz="2000" b="0" i="0" smtClean="0">
+                                <a:latin typeface="Nunito" pitchFamily="2" charset="77"/>
+                              </a:rPr>
+                              <m:t>n</m:t>
+                            </m:r>
+                            <m:r>
+                              <m:rPr>
+                                <m:nor/>
+                              </m:rPr>
+                              <a:rPr lang="pt-BR" sz="2000" i="0">
+                                <a:latin typeface="Nunito" pitchFamily="2" charset="77"/>
+                              </a:rPr>
+                              <m:t>ã</m:t>
+                            </m:r>
+                            <m:r>
+                              <m:rPr>
+                                <m:nor/>
+                              </m:rPr>
+                              <a:rPr lang="pt-BR" sz="2000" b="0" i="0" smtClean="0">
+                                <a:latin typeface="Nunito" pitchFamily="2" charset="77"/>
+                              </a:rPr>
+                              <m:t>o</m:t>
+                            </m:r>
+                            <m:r>
+                              <m:rPr>
+                                <m:nor/>
+                              </m:rPr>
+                              <a:rPr lang="pt-BR" sz="2000" b="0" i="0" smtClean="0">
+                                <a:latin typeface="Nunito" pitchFamily="2" charset="77"/>
+                              </a:rPr>
+                              <m:t>-</m:t>
+                            </m:r>
+                            <m:r>
+                              <m:rPr>
+                                <m:nor/>
+                              </m:rPr>
+                              <a:rPr lang="pt-BR" sz="2000" b="0" i="0" smtClean="0">
+                                <a:latin typeface="Nunito" pitchFamily="2" charset="77"/>
+                              </a:rPr>
+                              <m:t>fumantes</m:t>
+                            </m:r>
+                          </m:num>
+                          <m:den>
+                            <m:r>
+                              <m:rPr>
+                                <m:nor/>
+                              </m:rPr>
+                              <a:rPr lang="pt-BR" sz="2000" b="0" i="0" smtClean="0">
+                                <a:latin typeface="Nunito" pitchFamily="2" charset="77"/>
+                              </a:rPr>
+                              <m:t>n</m:t>
+                            </m:r>
+                            <m:r>
+                              <m:rPr>
+                                <m:nor/>
+                              </m:rPr>
+                              <a:rPr lang="pt-BR" sz="2000" b="0" i="0" smtClean="0">
+                                <a:latin typeface="Nunito" pitchFamily="2" charset="77"/>
+                              </a:rPr>
+                              <m:t> </m:t>
+                            </m:r>
+                            <m:r>
+                              <m:rPr>
+                                <m:nor/>
+                              </m:rPr>
+                              <a:rPr lang="pt-BR" sz="2000" b="0" i="0" smtClean="0">
+                                <a:latin typeface="Nunito" pitchFamily="2" charset="77"/>
+                              </a:rPr>
+                              <m:t>mulheres</m:t>
+                            </m:r>
+                          </m:den>
+                        </m:f>
+                      </m:num>
+                      <m:den>
+                        <m:f>
+                          <m:fPr>
+                            <m:ctrlPr>
+                              <a:rPr lang="pt-BR" sz="2000" b="0" i="1" smtClean="0">
+                                <a:latin typeface="Cambria Math" panose="02040503050406030204" pitchFamily="18" charset="0"/>
+                              </a:rPr>
+                            </m:ctrlPr>
+                          </m:fPr>
+                          <m:num>
+                            <m:r>
+                              <m:rPr>
+                                <m:nor/>
+                              </m:rPr>
+                              <a:rPr lang="pt-BR" sz="2000" b="0" i="0" smtClean="0">
+                                <a:latin typeface="Nunito" pitchFamily="2" charset="77"/>
+                              </a:rPr>
+                              <m:t>n</m:t>
+                            </m:r>
+                            <m:r>
+                              <m:rPr>
+                                <m:nor/>
+                              </m:rPr>
+                              <a:rPr lang="pt-BR" sz="2000" b="0" i="0" smtClean="0">
+                                <a:latin typeface="Nunito" pitchFamily="2" charset="77"/>
+                              </a:rPr>
+                              <m:t> </m:t>
+                            </m:r>
+                            <m:r>
+                              <m:rPr>
+                                <m:nor/>
+                              </m:rPr>
+                              <a:rPr lang="pt-BR" sz="2000" b="0" i="0" smtClean="0">
+                                <a:latin typeface="Nunito" pitchFamily="2" charset="77"/>
+                              </a:rPr>
+                              <m:t>mulheres</m:t>
+                            </m:r>
+                            <m:r>
+                              <m:rPr>
+                                <m:nor/>
+                              </m:rPr>
+                              <a:rPr lang="pt-BR" sz="2000" b="0" i="0" smtClean="0">
+                                <a:latin typeface="Nunito" pitchFamily="2" charset="77"/>
+                              </a:rPr>
+                              <m:t> </m:t>
+                            </m:r>
+                            <m:r>
+                              <m:rPr>
+                                <m:nor/>
+                              </m:rPr>
+                              <a:rPr lang="pt-BR" sz="2000" b="0" i="0" smtClean="0">
+                                <a:latin typeface="Nunito" pitchFamily="2" charset="77"/>
+                              </a:rPr>
+                              <m:t>fumantes</m:t>
+                            </m:r>
+                          </m:num>
+                          <m:den>
+                            <m:r>
+                              <m:rPr>
+                                <m:nor/>
+                              </m:rPr>
+                              <a:rPr lang="pt-BR" sz="2000" b="0" i="0" smtClean="0">
+                                <a:latin typeface="Nunito" pitchFamily="2" charset="77"/>
+                              </a:rPr>
+                              <m:t>n</m:t>
+                            </m:r>
+                            <m:r>
+                              <m:rPr>
+                                <m:nor/>
+                              </m:rPr>
+                              <a:rPr lang="pt-BR" sz="2000" b="0" i="0" smtClean="0">
+                                <a:latin typeface="Nunito" pitchFamily="2" charset="77"/>
+                              </a:rPr>
+                              <m:t> </m:t>
+                            </m:r>
+                            <m:r>
+                              <m:rPr>
+                                <m:nor/>
+                              </m:rPr>
+                              <a:rPr lang="pt-BR" sz="2000" b="0" i="0" smtClean="0">
+                                <a:latin typeface="Nunito" pitchFamily="2" charset="77"/>
+                              </a:rPr>
+                              <m:t>mulheres</m:t>
+                            </m:r>
+                          </m:den>
+                        </m:f>
+                      </m:den>
+                    </m:f>
+                  </m:oMath>
+                </a14:m>
+                <a:endParaRPr lang="pt-BR" sz="2000" dirty="0">
+                  <a:latin typeface="Nunito" pitchFamily="2" charset="77"/>
+                </a:endParaRPr>
+              </a:p>
+            </p:txBody>
+          </p:sp>
+        </mc:Choice>
+        <mc:Fallback>
+          <p:sp>
+            <p:nvSpPr>
+              <p:cNvPr id="31" name="CaixaDeTexto 30">
+                <a:extLst>
+                  <a:ext uri="{FF2B5EF4-FFF2-40B4-BE49-F238E27FC236}">
+                    <a16:creationId xmlns:a16="http://schemas.microsoft.com/office/drawing/2014/main" id="{AABFC10D-78C1-689C-1245-8CF3AB30DE17}"/>
+                  </a:ext>
+                </a:extLst>
+              </p:cNvPr>
+              <p:cNvSpPr txBox="1">
+                <a:spLocks noRot="1" noChangeAspect="1" noMove="1" noResize="1" noEditPoints="1" noAdjustHandles="1" noChangeArrowheads="1" noChangeShapeType="1" noTextEdit="1"/>
+              </p:cNvSpPr>
+              <p:nvPr/>
+            </p:nvSpPr>
+            <p:spPr>
+              <a:xfrm>
+                <a:off x="3418722" y="1785606"/>
+                <a:ext cx="3259870" cy="969881"/>
+              </a:xfrm>
+              <a:prstGeom prst="rect">
+                <a:avLst/>
+              </a:prstGeom>
+              <a:blipFill>
+                <a:blip r:embed="rId4"/>
+                <a:stretch>
+                  <a:fillRect l="-5039" t="-10390" b="-22078"/>
+                </a:stretch>
+              </a:blipFill>
+            </p:spPr>
+            <p:txBody>
+              <a:bodyPr/>
+              <a:lstStyle/>
+              <a:p>
+                <a:r>
+                  <a:rPr lang="pt-BR">
+                    <a:noFill/>
+                  </a:rPr>
+                  <a:t> </a:t>
+                </a:r>
+              </a:p>
+            </p:txBody>
+          </p:sp>
+        </mc:Fallback>
+      </mc:AlternateContent>
+      <p:sp>
+        <p:nvSpPr>
+          <p:cNvPr id="32" name="CaixaDeTexto 31">
+            <a:extLst>
+              <a:ext uri="{FF2B5EF4-FFF2-40B4-BE49-F238E27FC236}">
+                <a16:creationId xmlns:a16="http://schemas.microsoft.com/office/drawing/2014/main" id="{1D174F46-7C80-B20D-D337-22821566134C}"/>
+              </a:ext>
+            </a:extLst>
+          </p:cNvPr>
+          <p:cNvSpPr txBox="1"/>
+          <p:nvPr/>
+        </p:nvSpPr>
+        <p:spPr>
+          <a:xfrm>
+            <a:off x="625221" y="1923876"/>
+            <a:ext cx="2789869" cy="707886"/>
+          </a:xfrm>
+          <a:prstGeom prst="rect">
+            <a:avLst/>
+          </a:prstGeom>
+          <a:noFill/>
+        </p:spPr>
+        <p:txBody>
+          <a:bodyPr wrap="square" rtlCol="0">
+            <a:spAutoFit/>
+          </a:bodyPr>
+          <a:lstStyle/>
+          <a:p>
+            <a:pPr algn="r"/>
+            <a:r>
+              <a:rPr lang="pt-BR" sz="2000" dirty="0">
+                <a:latin typeface="Nunito" pitchFamily="2" charset="77"/>
+              </a:rPr>
+              <a:t>Chance de uma mulher não ser fumante</a:t>
+            </a:r>
+            <a:endParaRPr lang="pt-BR" sz="2000" dirty="0"/>
+          </a:p>
+        </p:txBody>
+      </p:sp>
+      <mc:AlternateContent xmlns:mc="http://schemas.openxmlformats.org/markup-compatibility/2006">
+        <mc:Choice xmlns:a14="http://schemas.microsoft.com/office/drawing/2010/main" Requires="a14">
+          <p:sp>
+            <p:nvSpPr>
+              <p:cNvPr id="37" name="CaixaDeTexto 36">
+                <a:extLst>
+                  <a:ext uri="{FF2B5EF4-FFF2-40B4-BE49-F238E27FC236}">
+                    <a16:creationId xmlns:a16="http://schemas.microsoft.com/office/drawing/2014/main" id="{C6090243-6408-F7D2-CCB8-924FB5C4B8F8}"/>
+                  </a:ext>
+                </a:extLst>
+              </p:cNvPr>
+              <p:cNvSpPr txBox="1"/>
+              <p:nvPr/>
+            </p:nvSpPr>
+            <p:spPr>
+              <a:xfrm>
+                <a:off x="3418722" y="3149875"/>
+                <a:ext cx="3259870" cy="969881"/>
+              </a:xfrm>
+              <a:prstGeom prst="rect">
+                <a:avLst/>
+              </a:prstGeom>
+              <a:noFill/>
+            </p:spPr>
+            <p:txBody>
+              <a:bodyPr wrap="square" lIns="0" tIns="0" rIns="0" bIns="0" rtlCol="0">
+                <a:spAutoFit/>
+              </a:bodyPr>
+              <a:lstStyle/>
+              <a:p>
+                <a:pPr>
+                  <a:spcAft>
+                    <a:spcPts val="600"/>
+                  </a:spcAft>
+                </a:pPr>
+                <a:r>
+                  <a:rPr lang="pt-BR" sz="2000" dirty="0">
+                    <a:latin typeface="Nunito" pitchFamily="2" charset="77"/>
+                  </a:rPr>
+                  <a:t>= </a:t>
+                </a:r>
+                <a14:m>
+                  <m:oMath xmlns:m="http://schemas.openxmlformats.org/officeDocument/2006/math">
+                    <m:f>
+                      <m:fPr>
+                        <m:ctrlPr>
+                          <a:rPr lang="pt-BR" sz="2000" i="1" smtClean="0">
+                            <a:latin typeface="Cambria Math" panose="02040503050406030204" pitchFamily="18" charset="0"/>
+                          </a:rPr>
+                        </m:ctrlPr>
+                      </m:fPr>
+                      <m:num>
+                        <m:f>
+                          <m:fPr>
+                            <m:ctrlPr>
+                              <a:rPr lang="pt-BR" sz="2000" b="0" i="1" smtClean="0">
+                                <a:latin typeface="Cambria Math" panose="02040503050406030204" pitchFamily="18" charset="0"/>
+                              </a:rPr>
+                            </m:ctrlPr>
+                          </m:fPr>
+                          <m:num>
+                            <m:r>
+                              <m:rPr>
+                                <m:nor/>
+                              </m:rPr>
+                              <a:rPr lang="pt-BR" sz="2000" b="0" i="0" smtClean="0">
+                                <a:latin typeface="Nunito" pitchFamily="2" charset="77"/>
+                              </a:rPr>
+                              <m:t>n</m:t>
+                            </m:r>
+                            <m:r>
+                              <m:rPr>
+                                <m:nor/>
+                              </m:rPr>
+                              <a:rPr lang="pt-BR" sz="2000" b="0" i="0" smtClean="0">
+                                <a:latin typeface="Nunito" pitchFamily="2" charset="77"/>
+                              </a:rPr>
+                              <m:t> </m:t>
+                            </m:r>
+                            <m:r>
+                              <m:rPr>
+                                <m:nor/>
+                              </m:rPr>
+                              <a:rPr lang="pt-BR" sz="2000" b="0" i="0" smtClean="0">
+                                <a:latin typeface="Nunito" pitchFamily="2" charset="77"/>
+                              </a:rPr>
+                              <m:t>mulheres</m:t>
+                            </m:r>
+                            <m:r>
+                              <m:rPr>
+                                <m:nor/>
+                              </m:rPr>
+                              <a:rPr lang="pt-BR" sz="2000" b="0" i="0" smtClean="0">
+                                <a:latin typeface="Nunito" pitchFamily="2" charset="77"/>
+                              </a:rPr>
+                              <m:t> </m:t>
+                            </m:r>
+                            <m:r>
+                              <m:rPr>
+                                <m:nor/>
+                              </m:rPr>
+                              <a:rPr lang="pt-BR" sz="2000" b="0" i="0" smtClean="0">
+                                <a:latin typeface="Nunito" pitchFamily="2" charset="77"/>
+                              </a:rPr>
+                              <m:t>n</m:t>
+                            </m:r>
+                            <m:r>
+                              <m:rPr>
+                                <m:nor/>
+                              </m:rPr>
+                              <a:rPr lang="pt-BR" sz="2000" i="0">
+                                <a:latin typeface="Nunito" pitchFamily="2" charset="77"/>
+                              </a:rPr>
+                              <m:t>ã</m:t>
+                            </m:r>
+                            <m:r>
+                              <m:rPr>
+                                <m:nor/>
+                              </m:rPr>
+                              <a:rPr lang="pt-BR" sz="2000" b="0" i="0" smtClean="0">
+                                <a:latin typeface="Nunito" pitchFamily="2" charset="77"/>
+                              </a:rPr>
+                              <m:t>o</m:t>
+                            </m:r>
+                            <m:r>
+                              <m:rPr>
+                                <m:nor/>
+                              </m:rPr>
+                              <a:rPr lang="pt-BR" sz="2000" b="0" i="0" smtClean="0">
+                                <a:latin typeface="Nunito" pitchFamily="2" charset="77"/>
+                              </a:rPr>
+                              <m:t>-</m:t>
+                            </m:r>
+                            <m:r>
+                              <m:rPr>
+                                <m:nor/>
+                              </m:rPr>
+                              <a:rPr lang="pt-BR" sz="2000" b="0" i="0" smtClean="0">
+                                <a:latin typeface="Nunito" pitchFamily="2" charset="77"/>
+                              </a:rPr>
+                              <m:t>fumantes</m:t>
+                            </m:r>
+                          </m:num>
+                          <m:den>
+                            <m:r>
+                              <m:rPr>
+                                <m:nor/>
+                              </m:rPr>
+                              <a:rPr lang="pt-BR" sz="2000" b="0" i="0" smtClean="0">
+                                <a:latin typeface="Nunito" pitchFamily="2" charset="77"/>
+                              </a:rPr>
+                              <m:t>n</m:t>
+                            </m:r>
+                            <m:r>
+                              <m:rPr>
+                                <m:nor/>
+                              </m:rPr>
+                              <a:rPr lang="pt-BR" sz="2000" b="0" i="0" smtClean="0">
+                                <a:latin typeface="Nunito" pitchFamily="2" charset="77"/>
+                              </a:rPr>
+                              <m:t> </m:t>
+                            </m:r>
+                            <m:r>
+                              <m:rPr>
+                                <m:nor/>
+                              </m:rPr>
+                              <a:rPr lang="pt-BR" sz="2000" b="0" i="0" smtClean="0">
+                                <a:latin typeface="Nunito" pitchFamily="2" charset="77"/>
+                              </a:rPr>
+                              <m:t>mulheres</m:t>
+                            </m:r>
+                          </m:den>
+                        </m:f>
+                      </m:num>
+                      <m:den>
+                        <m:f>
+                          <m:fPr>
+                            <m:ctrlPr>
+                              <a:rPr lang="pt-BR" sz="2000" b="0" i="1" smtClean="0">
+                                <a:latin typeface="Cambria Math" panose="02040503050406030204" pitchFamily="18" charset="0"/>
+                              </a:rPr>
+                            </m:ctrlPr>
+                          </m:fPr>
+                          <m:num>
+                            <m:r>
+                              <m:rPr>
+                                <m:nor/>
+                              </m:rPr>
+                              <a:rPr lang="pt-BR" sz="2000" b="0" i="0" smtClean="0">
+                                <a:latin typeface="Nunito" pitchFamily="2" charset="77"/>
+                              </a:rPr>
+                              <m:t>n</m:t>
+                            </m:r>
+                            <m:r>
+                              <m:rPr>
+                                <m:nor/>
+                              </m:rPr>
+                              <a:rPr lang="pt-BR" sz="2000" b="0" i="0" smtClean="0">
+                                <a:latin typeface="Nunito" pitchFamily="2" charset="77"/>
+                              </a:rPr>
+                              <m:t> </m:t>
+                            </m:r>
+                            <m:r>
+                              <m:rPr>
+                                <m:nor/>
+                              </m:rPr>
+                              <a:rPr lang="pt-BR" sz="2000" b="0" i="0" smtClean="0">
+                                <a:latin typeface="Nunito" pitchFamily="2" charset="77"/>
+                              </a:rPr>
+                              <m:t>mulheres</m:t>
+                            </m:r>
+                            <m:r>
+                              <m:rPr>
+                                <m:nor/>
+                              </m:rPr>
+                              <a:rPr lang="pt-BR" sz="2000" b="0" i="0" smtClean="0">
+                                <a:latin typeface="Nunito" pitchFamily="2" charset="77"/>
+                              </a:rPr>
+                              <m:t> </m:t>
+                            </m:r>
+                            <m:r>
+                              <m:rPr>
+                                <m:nor/>
+                              </m:rPr>
+                              <a:rPr lang="pt-BR" sz="2000" b="0" i="0" smtClean="0">
+                                <a:latin typeface="Nunito" pitchFamily="2" charset="77"/>
+                              </a:rPr>
+                              <m:t>fumantes</m:t>
+                            </m:r>
+                          </m:num>
+                          <m:den>
+                            <m:r>
+                              <m:rPr>
+                                <m:nor/>
+                              </m:rPr>
+                              <a:rPr lang="pt-BR" sz="2000" b="0" i="0" smtClean="0">
+                                <a:latin typeface="Nunito" pitchFamily="2" charset="77"/>
+                              </a:rPr>
+                              <m:t>n</m:t>
+                            </m:r>
+                            <m:r>
+                              <m:rPr>
+                                <m:nor/>
+                              </m:rPr>
+                              <a:rPr lang="pt-BR" sz="2000" b="0" i="0" smtClean="0">
+                                <a:latin typeface="Nunito" pitchFamily="2" charset="77"/>
+                              </a:rPr>
+                              <m:t> </m:t>
+                            </m:r>
+                            <m:r>
+                              <m:rPr>
+                                <m:nor/>
+                              </m:rPr>
+                              <a:rPr lang="pt-BR" sz="2000" b="0" i="0" smtClean="0">
+                                <a:latin typeface="Nunito" pitchFamily="2" charset="77"/>
+                              </a:rPr>
+                              <m:t>mulheres</m:t>
+                            </m:r>
+                          </m:den>
+                        </m:f>
+                      </m:den>
+                    </m:f>
+                  </m:oMath>
+                </a14:m>
+                <a:endParaRPr lang="pt-BR" sz="2000" dirty="0">
+                  <a:latin typeface="Nunito" pitchFamily="2" charset="77"/>
+                </a:endParaRPr>
+              </a:p>
+            </p:txBody>
+          </p:sp>
+        </mc:Choice>
+        <mc:Fallback>
+          <p:sp>
+            <p:nvSpPr>
+              <p:cNvPr id="37" name="CaixaDeTexto 36">
+                <a:extLst>
+                  <a:ext uri="{FF2B5EF4-FFF2-40B4-BE49-F238E27FC236}">
+                    <a16:creationId xmlns:a16="http://schemas.microsoft.com/office/drawing/2014/main" id="{C6090243-6408-F7D2-CCB8-924FB5C4B8F8}"/>
+                  </a:ext>
+                </a:extLst>
+              </p:cNvPr>
+              <p:cNvSpPr txBox="1">
+                <a:spLocks noRot="1" noChangeAspect="1" noMove="1" noResize="1" noEditPoints="1" noAdjustHandles="1" noChangeArrowheads="1" noChangeShapeType="1" noTextEdit="1"/>
+              </p:cNvSpPr>
+              <p:nvPr/>
+            </p:nvSpPr>
+            <p:spPr>
+              <a:xfrm>
+                <a:off x="3418722" y="3149875"/>
+                <a:ext cx="3259870" cy="969881"/>
+              </a:xfrm>
+              <a:prstGeom prst="rect">
+                <a:avLst/>
+              </a:prstGeom>
+              <a:blipFill>
+                <a:blip r:embed="rId5"/>
+                <a:stretch>
+                  <a:fillRect l="-5039" t="-11688" b="-20779"/>
+                </a:stretch>
+              </a:blipFill>
+            </p:spPr>
+            <p:txBody>
+              <a:bodyPr/>
+              <a:lstStyle/>
+              <a:p>
+                <a:r>
+                  <a:rPr lang="pt-BR">
+                    <a:noFill/>
+                  </a:rPr>
+                  <a:t> </a:t>
+                </a:r>
+              </a:p>
+            </p:txBody>
+          </p:sp>
+        </mc:Fallback>
+      </mc:AlternateContent>
+      <p:sp>
+        <p:nvSpPr>
+          <p:cNvPr id="38" name="CaixaDeTexto 37">
+            <a:extLst>
+              <a:ext uri="{FF2B5EF4-FFF2-40B4-BE49-F238E27FC236}">
+                <a16:creationId xmlns:a16="http://schemas.microsoft.com/office/drawing/2014/main" id="{4FE841DF-8A38-1EF1-048F-EF4DCF586E3D}"/>
+              </a:ext>
+            </a:extLst>
+          </p:cNvPr>
+          <p:cNvSpPr txBox="1"/>
+          <p:nvPr/>
+        </p:nvSpPr>
+        <p:spPr>
+          <a:xfrm>
+            <a:off x="625221" y="3288145"/>
+            <a:ext cx="2789869" cy="707886"/>
+          </a:xfrm>
+          <a:prstGeom prst="rect">
+            <a:avLst/>
+          </a:prstGeom>
+          <a:noFill/>
+        </p:spPr>
+        <p:txBody>
+          <a:bodyPr wrap="square" rtlCol="0">
+            <a:spAutoFit/>
+          </a:bodyPr>
+          <a:lstStyle/>
+          <a:p>
+            <a:pPr algn="r"/>
+            <a:r>
+              <a:rPr lang="pt-BR" sz="2000" dirty="0">
+                <a:latin typeface="Nunito" pitchFamily="2" charset="77"/>
+              </a:rPr>
+              <a:t>Chance de uma mulher não ser fumante</a:t>
+            </a:r>
+            <a:endParaRPr lang="pt-BR" sz="2000" dirty="0"/>
+          </a:p>
+        </p:txBody>
+      </p:sp>
+      <mc:AlternateContent xmlns:mc="http://schemas.openxmlformats.org/markup-compatibility/2006">
+        <mc:Choice xmlns:a14="http://schemas.microsoft.com/office/drawing/2010/main" Requires="a14">
+          <p:sp>
+            <p:nvSpPr>
+              <p:cNvPr id="39" name="CaixaDeTexto 38">
+                <a:extLst>
+                  <a:ext uri="{FF2B5EF4-FFF2-40B4-BE49-F238E27FC236}">
+                    <a16:creationId xmlns:a16="http://schemas.microsoft.com/office/drawing/2014/main" id="{F32B3E76-660A-1E08-7B43-BC186A1C8D50}"/>
+                  </a:ext>
+                </a:extLst>
+              </p:cNvPr>
+              <p:cNvSpPr txBox="1"/>
+              <p:nvPr/>
+            </p:nvSpPr>
+            <p:spPr>
+              <a:xfrm>
+                <a:off x="3488170" y="4620428"/>
+                <a:ext cx="3259870" cy="506870"/>
+              </a:xfrm>
+              <a:prstGeom prst="rect">
+                <a:avLst/>
+              </a:prstGeom>
+              <a:noFill/>
+            </p:spPr>
+            <p:txBody>
+              <a:bodyPr wrap="square" lIns="0" tIns="0" rIns="0" bIns="0" rtlCol="0">
+                <a:spAutoFit/>
+              </a:bodyPr>
+              <a:lstStyle/>
+              <a:p>
+                <a:pPr>
+                  <a:spcAft>
+                    <a:spcPts val="600"/>
+                  </a:spcAft>
+                </a:pPr>
+                <a:r>
+                  <a:rPr lang="pt-BR" sz="2000" dirty="0">
+                    <a:latin typeface="Nunito" pitchFamily="2" charset="77"/>
+                  </a:rPr>
+                  <a:t>= </a:t>
+                </a:r>
+                <a14:m>
+                  <m:oMath xmlns:m="http://schemas.openxmlformats.org/officeDocument/2006/math">
+                    <m:f>
+                      <m:fPr>
+                        <m:ctrlPr>
+                          <a:rPr lang="pt-BR" sz="2000" i="1" smtClean="0">
+                            <a:latin typeface="Cambria Math" panose="02040503050406030204" pitchFamily="18" charset="0"/>
+                          </a:rPr>
+                        </m:ctrlPr>
+                      </m:fPr>
+                      <m:num>
+                        <m:r>
+                          <m:rPr>
+                            <m:nor/>
+                          </m:rPr>
+                          <a:rPr lang="pt-BR" sz="2000">
+                            <a:latin typeface="Nunito" pitchFamily="2" charset="77"/>
+                          </a:rPr>
+                          <m:t>n</m:t>
+                        </m:r>
+                        <m:r>
+                          <m:rPr>
+                            <m:nor/>
+                          </m:rPr>
+                          <a:rPr lang="pt-BR" sz="2000">
+                            <a:latin typeface="Nunito" pitchFamily="2" charset="77"/>
+                          </a:rPr>
+                          <m:t> </m:t>
+                        </m:r>
+                        <m:r>
+                          <m:rPr>
+                            <m:nor/>
+                          </m:rPr>
+                          <a:rPr lang="pt-BR" sz="2000">
+                            <a:latin typeface="Nunito" pitchFamily="2" charset="77"/>
+                          </a:rPr>
+                          <m:t>mulheres</m:t>
+                        </m:r>
+                        <m:r>
+                          <m:rPr>
+                            <m:nor/>
+                          </m:rPr>
+                          <a:rPr lang="pt-BR" sz="2000">
+                            <a:latin typeface="Nunito" pitchFamily="2" charset="77"/>
+                          </a:rPr>
+                          <m:t> </m:t>
+                        </m:r>
+                        <m:r>
+                          <m:rPr>
+                            <m:nor/>
+                          </m:rPr>
+                          <a:rPr lang="pt-BR" sz="2000">
+                            <a:latin typeface="Nunito" pitchFamily="2" charset="77"/>
+                          </a:rPr>
+                          <m:t>n</m:t>
+                        </m:r>
+                        <m:r>
+                          <m:rPr>
+                            <m:nor/>
+                          </m:rPr>
+                          <a:rPr lang="pt-BR" sz="2000">
+                            <a:latin typeface="Nunito" pitchFamily="2" charset="77"/>
+                          </a:rPr>
+                          <m:t>ã</m:t>
+                        </m:r>
+                        <m:r>
+                          <m:rPr>
+                            <m:nor/>
+                          </m:rPr>
+                          <a:rPr lang="pt-BR" sz="2000">
+                            <a:latin typeface="Nunito" pitchFamily="2" charset="77"/>
+                          </a:rPr>
+                          <m:t>o</m:t>
+                        </m:r>
+                        <m:r>
+                          <m:rPr>
+                            <m:nor/>
+                          </m:rPr>
+                          <a:rPr lang="pt-BR" sz="2000">
+                            <a:latin typeface="Nunito" pitchFamily="2" charset="77"/>
+                          </a:rPr>
+                          <m:t>−</m:t>
+                        </m:r>
+                        <m:r>
+                          <m:rPr>
+                            <m:nor/>
+                          </m:rPr>
+                          <a:rPr lang="pt-BR" sz="2000">
+                            <a:latin typeface="Nunito" pitchFamily="2" charset="77"/>
+                          </a:rPr>
+                          <m:t>fumantes</m:t>
+                        </m:r>
+                      </m:num>
+                      <m:den>
+                        <m:r>
+                          <m:rPr>
+                            <m:nor/>
+                          </m:rPr>
+                          <a:rPr lang="pt-BR" sz="2000">
+                            <a:latin typeface="Nunito" pitchFamily="2" charset="77"/>
+                          </a:rPr>
+                          <m:t>n</m:t>
+                        </m:r>
+                        <m:r>
+                          <m:rPr>
+                            <m:nor/>
+                          </m:rPr>
+                          <a:rPr lang="pt-BR" sz="2000">
+                            <a:latin typeface="Nunito" pitchFamily="2" charset="77"/>
+                          </a:rPr>
+                          <m:t> </m:t>
+                        </m:r>
+                        <m:r>
+                          <m:rPr>
+                            <m:nor/>
+                          </m:rPr>
+                          <a:rPr lang="pt-BR" sz="2000">
+                            <a:latin typeface="Nunito" pitchFamily="2" charset="77"/>
+                          </a:rPr>
+                          <m:t>mulheres</m:t>
+                        </m:r>
+                        <m:r>
+                          <m:rPr>
+                            <m:nor/>
+                          </m:rPr>
+                          <a:rPr lang="pt-BR" sz="2000">
+                            <a:latin typeface="Nunito" pitchFamily="2" charset="77"/>
+                          </a:rPr>
+                          <m:t> </m:t>
+                        </m:r>
+                        <m:r>
+                          <m:rPr>
+                            <m:nor/>
+                          </m:rPr>
+                          <a:rPr lang="pt-BR" sz="2000">
+                            <a:latin typeface="Nunito" pitchFamily="2" charset="77"/>
+                          </a:rPr>
+                          <m:t>fumantes</m:t>
+                        </m:r>
+                      </m:den>
+                    </m:f>
+                  </m:oMath>
+                </a14:m>
+                <a:endParaRPr lang="pt-BR" sz="2000" dirty="0">
+                  <a:latin typeface="Nunito" pitchFamily="2" charset="77"/>
+                </a:endParaRPr>
+              </a:p>
+            </p:txBody>
+          </p:sp>
+        </mc:Choice>
+        <mc:Fallback>
+          <p:sp>
+            <p:nvSpPr>
+              <p:cNvPr id="39" name="CaixaDeTexto 38">
+                <a:extLst>
+                  <a:ext uri="{FF2B5EF4-FFF2-40B4-BE49-F238E27FC236}">
+                    <a16:creationId xmlns:a16="http://schemas.microsoft.com/office/drawing/2014/main" id="{F32B3E76-660A-1E08-7B43-BC186A1C8D50}"/>
+                  </a:ext>
+                </a:extLst>
+              </p:cNvPr>
+              <p:cNvSpPr txBox="1">
+                <a:spLocks noRot="1" noChangeAspect="1" noMove="1" noResize="1" noEditPoints="1" noAdjustHandles="1" noChangeArrowheads="1" noChangeShapeType="1" noTextEdit="1"/>
+              </p:cNvSpPr>
+              <p:nvPr/>
+            </p:nvSpPr>
+            <p:spPr>
+              <a:xfrm>
+                <a:off x="3488170" y="4620428"/>
+                <a:ext cx="3259870" cy="506870"/>
+              </a:xfrm>
+              <a:prstGeom prst="rect">
+                <a:avLst/>
+              </a:prstGeom>
+              <a:blipFill>
+                <a:blip r:embed="rId6"/>
+                <a:stretch>
+                  <a:fillRect l="-4651" t="-19512" b="-41463"/>
+                </a:stretch>
+              </a:blipFill>
+            </p:spPr>
+            <p:txBody>
+              <a:bodyPr/>
+              <a:lstStyle/>
+              <a:p>
+                <a:r>
+                  <a:rPr lang="pt-BR">
+                    <a:noFill/>
+                  </a:rPr>
+                  <a:t> </a:t>
+                </a:r>
+              </a:p>
+            </p:txBody>
+          </p:sp>
+        </mc:Fallback>
+      </mc:AlternateContent>
+      <p:sp>
+        <p:nvSpPr>
+          <p:cNvPr id="40" name="CaixaDeTexto 39">
+            <a:extLst>
+              <a:ext uri="{FF2B5EF4-FFF2-40B4-BE49-F238E27FC236}">
+                <a16:creationId xmlns:a16="http://schemas.microsoft.com/office/drawing/2014/main" id="{7E528F96-3FBD-DADA-04F2-970861051855}"/>
+              </a:ext>
+            </a:extLst>
+          </p:cNvPr>
+          <p:cNvSpPr txBox="1"/>
+          <p:nvPr/>
+        </p:nvSpPr>
+        <p:spPr>
+          <a:xfrm>
+            <a:off x="694669" y="4561928"/>
+            <a:ext cx="2789869" cy="707886"/>
+          </a:xfrm>
+          <a:prstGeom prst="rect">
+            <a:avLst/>
+          </a:prstGeom>
+          <a:noFill/>
+        </p:spPr>
+        <p:txBody>
+          <a:bodyPr wrap="square" rtlCol="0">
+            <a:spAutoFit/>
+          </a:bodyPr>
+          <a:lstStyle/>
+          <a:p>
+            <a:pPr algn="r"/>
+            <a:r>
+              <a:rPr lang="pt-BR" sz="2000" dirty="0">
+                <a:latin typeface="Nunito" pitchFamily="2" charset="77"/>
+              </a:rPr>
+              <a:t>Chance de uma mulher não ser fumante</a:t>
+            </a:r>
+            <a:endParaRPr lang="pt-BR" sz="2000" dirty="0"/>
+          </a:p>
+        </p:txBody>
+      </p:sp>
+      <mc:AlternateContent xmlns:mc="http://schemas.openxmlformats.org/markup-compatibility/2006">
+        <mc:Choice xmlns:a14="http://schemas.microsoft.com/office/drawing/2010/main" Requires="a14">
+          <p:sp>
+            <p:nvSpPr>
+              <p:cNvPr id="41" name="CaixaDeTexto 40">
+                <a:extLst>
+                  <a:ext uri="{FF2B5EF4-FFF2-40B4-BE49-F238E27FC236}">
+                    <a16:creationId xmlns:a16="http://schemas.microsoft.com/office/drawing/2014/main" id="{7D4BE9EA-53FF-43D0-1B5D-C6CA16BFD6D8}"/>
+                  </a:ext>
+                </a:extLst>
+              </p:cNvPr>
+              <p:cNvSpPr txBox="1"/>
+              <p:nvPr/>
+            </p:nvSpPr>
+            <p:spPr>
+              <a:xfrm>
+                <a:off x="10271960" y="735094"/>
+                <a:ext cx="3068148" cy="530466"/>
+              </a:xfrm>
+              <a:prstGeom prst="rect">
+                <a:avLst/>
+              </a:prstGeom>
+              <a:noFill/>
+            </p:spPr>
+            <p:txBody>
+              <a:bodyPr wrap="square" lIns="0" tIns="0" rIns="0" bIns="0" rtlCol="0">
+                <a:spAutoFit/>
+              </a:bodyPr>
+              <a:lstStyle/>
+              <a:p>
+                <a:r>
+                  <a:rPr lang="pt-BR" sz="2000" dirty="0">
+                    <a:latin typeface="Nunito" pitchFamily="2" charset="77"/>
+                  </a:rPr>
+                  <a:t>= </a:t>
+                </a:r>
+                <a14:m>
+                  <m:oMath xmlns:m="http://schemas.openxmlformats.org/officeDocument/2006/math">
+                    <m:f>
+                      <m:fPr>
+                        <m:ctrlPr>
+                          <a:rPr lang="pt-BR" sz="2000" i="1" smtClean="0">
+                            <a:latin typeface="Cambria Math" panose="02040503050406030204" pitchFamily="18" charset="0"/>
+                          </a:rPr>
+                        </m:ctrlPr>
+                      </m:fPr>
+                      <m:num>
+                        <m:r>
+                          <m:rPr>
+                            <m:nor/>
+                          </m:rPr>
+                          <a:rPr lang="pt-BR" sz="2000" b="0" i="1" smtClean="0">
+                            <a:latin typeface="Nunito" pitchFamily="2" charset="77"/>
+                          </a:rPr>
+                          <m:t>Casos</m:t>
+                        </m:r>
+                        <m:r>
+                          <m:rPr>
+                            <m:nor/>
+                          </m:rPr>
+                          <a:rPr lang="pt-BR" sz="2000" b="0" i="1" smtClean="0">
+                            <a:latin typeface="Nunito" pitchFamily="2" charset="77"/>
+                          </a:rPr>
+                          <m:t> </m:t>
+                        </m:r>
+                        <m:r>
+                          <m:rPr>
+                            <m:nor/>
+                          </m:rPr>
+                          <a:rPr lang="pt-BR" sz="2000" b="0" i="1" smtClean="0">
+                            <a:latin typeface="Nunito" pitchFamily="2" charset="77"/>
+                          </a:rPr>
+                          <m:t>favor</m:t>
+                        </m:r>
+                        <m:r>
+                          <m:rPr>
+                            <m:nor/>
+                          </m:rPr>
+                          <a:rPr lang="pt-BR" sz="2000" i="0">
+                            <a:latin typeface="Nunito" pitchFamily="2" charset="77"/>
+                          </a:rPr>
+                          <m:t>á</m:t>
+                        </m:r>
+                        <m:r>
+                          <m:rPr>
+                            <m:nor/>
+                          </m:rPr>
+                          <a:rPr lang="pt-BR" sz="2000" b="0" i="0" smtClean="0">
+                            <a:latin typeface="Nunito" pitchFamily="2" charset="77"/>
+                          </a:rPr>
+                          <m:t>veis</m:t>
+                        </m:r>
+                      </m:num>
+                      <m:den>
+                        <m:r>
+                          <m:rPr>
+                            <m:nor/>
+                          </m:rPr>
+                          <a:rPr lang="pt-BR" sz="2000" b="0" i="0" smtClean="0">
+                            <a:latin typeface="Nunito" pitchFamily="2" charset="77"/>
+                          </a:rPr>
+                          <m:t>Casos</m:t>
+                        </m:r>
+                        <m:r>
+                          <m:rPr>
+                            <m:nor/>
+                          </m:rPr>
+                          <a:rPr lang="pt-BR" sz="2000" b="0" i="0" smtClean="0">
+                            <a:latin typeface="Nunito" pitchFamily="2" charset="77"/>
+                          </a:rPr>
+                          <m:t> </m:t>
+                        </m:r>
+                        <m:r>
+                          <m:rPr>
+                            <m:nor/>
+                          </m:rPr>
+                          <a:rPr lang="pt-BR" sz="2000" b="0" i="0" smtClean="0">
+                            <a:latin typeface="Nunito" pitchFamily="2" charset="77"/>
+                          </a:rPr>
+                          <m:t>desfavor</m:t>
+                        </m:r>
+                        <m:r>
+                          <m:rPr>
+                            <m:nor/>
+                          </m:rPr>
+                          <a:rPr lang="pt-BR" sz="2000" i="0">
+                            <a:latin typeface="Nunito" pitchFamily="2" charset="77"/>
+                          </a:rPr>
+                          <m:t>á</m:t>
+                        </m:r>
+                        <m:r>
+                          <m:rPr>
+                            <m:nor/>
+                          </m:rPr>
+                          <a:rPr lang="pt-BR" sz="2000" b="0" i="0" smtClean="0">
+                            <a:latin typeface="Nunito" pitchFamily="2" charset="77"/>
+                          </a:rPr>
+                          <m:t>veis</m:t>
+                        </m:r>
+                      </m:den>
+                    </m:f>
+                  </m:oMath>
+                </a14:m>
+                <a:endParaRPr lang="pt-BR" sz="2000" dirty="0">
+                  <a:latin typeface="Nunito" pitchFamily="2" charset="77"/>
+                </a:endParaRPr>
+              </a:p>
+            </p:txBody>
+          </p:sp>
+        </mc:Choice>
+        <mc:Fallback>
+          <p:sp>
+            <p:nvSpPr>
+              <p:cNvPr id="41" name="CaixaDeTexto 40">
+                <a:extLst>
+                  <a:ext uri="{FF2B5EF4-FFF2-40B4-BE49-F238E27FC236}">
+                    <a16:creationId xmlns:a16="http://schemas.microsoft.com/office/drawing/2014/main" id="{7D4BE9EA-53FF-43D0-1B5D-C6CA16BFD6D8}"/>
+                  </a:ext>
+                </a:extLst>
+              </p:cNvPr>
+              <p:cNvSpPr txBox="1">
+                <a:spLocks noRot="1" noChangeAspect="1" noMove="1" noResize="1" noEditPoints="1" noAdjustHandles="1" noChangeArrowheads="1" noChangeShapeType="1" noTextEdit="1"/>
+              </p:cNvSpPr>
+              <p:nvPr/>
+            </p:nvSpPr>
+            <p:spPr>
+              <a:xfrm>
+                <a:off x="10271960" y="735094"/>
+                <a:ext cx="3068148" cy="530466"/>
+              </a:xfrm>
+              <a:prstGeom prst="rect">
+                <a:avLst/>
+              </a:prstGeom>
+              <a:blipFill>
+                <a:blip r:embed="rId7"/>
+                <a:stretch>
+                  <a:fillRect l="-4938" t="-19048" b="-40476"/>
+                </a:stretch>
+              </a:blipFill>
+            </p:spPr>
+            <p:txBody>
+              <a:bodyPr/>
+              <a:lstStyle/>
+              <a:p>
+                <a:r>
+                  <a:rPr lang="pt-BR">
+                    <a:noFill/>
+                  </a:rPr>
+                  <a:t> </a:t>
+                </a:r>
+              </a:p>
+            </p:txBody>
+          </p:sp>
+        </mc:Fallback>
+      </mc:AlternateContent>
+      <p:sp>
+        <p:nvSpPr>
+          <p:cNvPr id="42" name="CaixaDeTexto 41">
+            <a:extLst>
+              <a:ext uri="{FF2B5EF4-FFF2-40B4-BE49-F238E27FC236}">
+                <a16:creationId xmlns:a16="http://schemas.microsoft.com/office/drawing/2014/main" id="{A3BC5BAE-A18F-A95A-0E37-234B66094846}"/>
+              </a:ext>
+            </a:extLst>
+          </p:cNvPr>
+          <p:cNvSpPr txBox="1"/>
+          <p:nvPr/>
+        </p:nvSpPr>
+        <p:spPr>
+          <a:xfrm>
+            <a:off x="7478460" y="699620"/>
+            <a:ext cx="2789869" cy="707886"/>
+          </a:xfrm>
+          <a:prstGeom prst="rect">
+            <a:avLst/>
+          </a:prstGeom>
+          <a:noFill/>
+        </p:spPr>
+        <p:txBody>
+          <a:bodyPr wrap="square" rtlCol="0">
+            <a:spAutoFit/>
+          </a:bodyPr>
+          <a:lstStyle/>
+          <a:p>
+            <a:pPr algn="r"/>
+            <a:r>
+              <a:rPr lang="pt-BR" sz="2000" dirty="0">
+                <a:latin typeface="Nunito" pitchFamily="2" charset="77"/>
+              </a:rPr>
+              <a:t>Chance de uma mulher não ser fumante</a:t>
+            </a:r>
+            <a:endParaRPr lang="pt-BR" sz="2000" dirty="0"/>
+          </a:p>
+        </p:txBody>
+      </p:sp>
+      <mc:AlternateContent xmlns:mc="http://schemas.openxmlformats.org/markup-compatibility/2006">
+        <mc:Choice xmlns:a14="http://schemas.microsoft.com/office/drawing/2010/main" Requires="a14">
+          <p:sp>
+            <p:nvSpPr>
+              <p:cNvPr id="43" name="CaixaDeTexto 42">
+                <a:extLst>
+                  <a:ext uri="{FF2B5EF4-FFF2-40B4-BE49-F238E27FC236}">
+                    <a16:creationId xmlns:a16="http://schemas.microsoft.com/office/drawing/2014/main" id="{894A2DC8-D378-9AAD-88F3-695C27B971A4}"/>
+                  </a:ext>
+                </a:extLst>
+              </p:cNvPr>
+              <p:cNvSpPr txBox="1"/>
+              <p:nvPr/>
+            </p:nvSpPr>
+            <p:spPr>
+              <a:xfrm>
+                <a:off x="10271960" y="1837368"/>
+                <a:ext cx="3259870" cy="519438"/>
+              </a:xfrm>
+              <a:prstGeom prst="rect">
+                <a:avLst/>
+              </a:prstGeom>
+              <a:noFill/>
+            </p:spPr>
+            <p:txBody>
+              <a:bodyPr wrap="square" lIns="0" tIns="0" rIns="0" bIns="0" rtlCol="0">
+                <a:spAutoFit/>
+              </a:bodyPr>
+              <a:lstStyle/>
+              <a:p>
+                <a:r>
+                  <a:rPr lang="pt-BR" sz="2000" dirty="0">
+                    <a:latin typeface="Nunito" pitchFamily="2" charset="77"/>
+                  </a:rPr>
+                  <a:t>= </a:t>
+                </a:r>
+                <a14:m>
+                  <m:oMath xmlns:m="http://schemas.openxmlformats.org/officeDocument/2006/math">
+                    <m:f>
+                      <m:fPr>
+                        <m:ctrlPr>
+                          <a:rPr lang="pt-BR" sz="2000" i="1" smtClean="0">
+                            <a:latin typeface="Cambria Math" panose="02040503050406030204" pitchFamily="18" charset="0"/>
+                          </a:rPr>
+                        </m:ctrlPr>
+                      </m:fPr>
+                      <m:num>
+                        <m:r>
+                          <m:rPr>
+                            <m:nor/>
+                          </m:rPr>
+                          <a:rPr lang="pt-BR" sz="2000">
+                            <a:latin typeface="Nunito" pitchFamily="2" charset="77"/>
+                          </a:rPr>
+                          <m:t>n</m:t>
+                        </m:r>
+                        <m:r>
+                          <m:rPr>
+                            <m:nor/>
+                          </m:rPr>
+                          <a:rPr lang="pt-BR" sz="2000">
+                            <a:latin typeface="Nunito" pitchFamily="2" charset="77"/>
+                          </a:rPr>
+                          <m:t> </m:t>
+                        </m:r>
+                        <m:r>
+                          <m:rPr>
+                            <m:nor/>
+                          </m:rPr>
+                          <a:rPr lang="pt-BR" sz="2000">
+                            <a:latin typeface="Nunito" pitchFamily="2" charset="77"/>
+                          </a:rPr>
+                          <m:t>mulheres</m:t>
+                        </m:r>
+                        <m:r>
+                          <m:rPr>
+                            <m:nor/>
+                          </m:rPr>
+                          <a:rPr lang="pt-BR" sz="2000">
+                            <a:latin typeface="Nunito" pitchFamily="2" charset="77"/>
+                          </a:rPr>
+                          <m:t> </m:t>
+                        </m:r>
+                        <m:r>
+                          <m:rPr>
+                            <m:nor/>
+                          </m:rPr>
+                          <a:rPr lang="pt-BR" sz="2000">
+                            <a:latin typeface="Nunito" pitchFamily="2" charset="77"/>
+                          </a:rPr>
+                          <m:t>n</m:t>
+                        </m:r>
+                        <m:r>
+                          <m:rPr>
+                            <m:nor/>
+                          </m:rPr>
+                          <a:rPr lang="pt-BR" sz="2000">
+                            <a:latin typeface="Nunito" pitchFamily="2" charset="77"/>
+                          </a:rPr>
+                          <m:t>ã</m:t>
+                        </m:r>
+                        <m:r>
+                          <m:rPr>
+                            <m:nor/>
+                          </m:rPr>
+                          <a:rPr lang="pt-BR" sz="2000">
+                            <a:latin typeface="Nunito" pitchFamily="2" charset="77"/>
+                          </a:rPr>
+                          <m:t>o</m:t>
+                        </m:r>
+                        <m:r>
+                          <m:rPr>
+                            <m:nor/>
+                          </m:rPr>
+                          <a:rPr lang="pt-BR" sz="2000">
+                            <a:latin typeface="Nunito" pitchFamily="2" charset="77"/>
+                          </a:rPr>
+                          <m:t>−</m:t>
+                        </m:r>
+                        <m:r>
+                          <m:rPr>
+                            <m:nor/>
+                          </m:rPr>
+                          <a:rPr lang="pt-BR" sz="2000">
+                            <a:latin typeface="Nunito" pitchFamily="2" charset="77"/>
+                          </a:rPr>
+                          <m:t>fumantes</m:t>
+                        </m:r>
+                      </m:num>
+                      <m:den>
+                        <m:r>
+                          <m:rPr>
+                            <m:nor/>
+                          </m:rPr>
+                          <a:rPr lang="pt-BR" sz="2000">
+                            <a:latin typeface="Nunito" pitchFamily="2" charset="77"/>
+                          </a:rPr>
+                          <m:t>n</m:t>
+                        </m:r>
+                        <m:r>
+                          <m:rPr>
+                            <m:nor/>
+                          </m:rPr>
+                          <a:rPr lang="pt-BR" sz="2000">
+                            <a:latin typeface="Nunito" pitchFamily="2" charset="77"/>
+                          </a:rPr>
+                          <m:t> </m:t>
+                        </m:r>
+                        <m:r>
+                          <m:rPr>
+                            <m:nor/>
+                          </m:rPr>
+                          <a:rPr lang="pt-BR" sz="2000">
+                            <a:latin typeface="Nunito" pitchFamily="2" charset="77"/>
+                          </a:rPr>
+                          <m:t>mulheres</m:t>
+                        </m:r>
+                        <m:r>
+                          <m:rPr>
+                            <m:nor/>
+                          </m:rPr>
+                          <a:rPr lang="pt-BR" sz="2000">
+                            <a:latin typeface="Nunito" pitchFamily="2" charset="77"/>
+                          </a:rPr>
+                          <m:t> </m:t>
+                        </m:r>
+                        <m:r>
+                          <m:rPr>
+                            <m:nor/>
+                          </m:rPr>
+                          <a:rPr lang="pt-BR" sz="2000">
+                            <a:latin typeface="Nunito" pitchFamily="2" charset="77"/>
+                          </a:rPr>
+                          <m:t>fumantes</m:t>
+                        </m:r>
+                      </m:den>
+                    </m:f>
+                  </m:oMath>
+                </a14:m>
+                <a:endParaRPr lang="pt-BR" sz="2000" dirty="0">
+                  <a:latin typeface="Nunito" pitchFamily="2" charset="77"/>
+                </a:endParaRPr>
+              </a:p>
+            </p:txBody>
+          </p:sp>
+        </mc:Choice>
+        <mc:Fallback>
+          <p:sp>
+            <p:nvSpPr>
+              <p:cNvPr id="43" name="CaixaDeTexto 42">
+                <a:extLst>
+                  <a:ext uri="{FF2B5EF4-FFF2-40B4-BE49-F238E27FC236}">
+                    <a16:creationId xmlns:a16="http://schemas.microsoft.com/office/drawing/2014/main" id="{894A2DC8-D378-9AAD-88F3-695C27B971A4}"/>
+                  </a:ext>
+                </a:extLst>
+              </p:cNvPr>
+              <p:cNvSpPr txBox="1">
+                <a:spLocks noRot="1" noChangeAspect="1" noMove="1" noResize="1" noEditPoints="1" noAdjustHandles="1" noChangeArrowheads="1" noChangeShapeType="1" noTextEdit="1"/>
+              </p:cNvSpPr>
+              <p:nvPr/>
+            </p:nvSpPr>
+            <p:spPr>
+              <a:xfrm>
+                <a:off x="10271960" y="1837368"/>
+                <a:ext cx="3259870" cy="519438"/>
+              </a:xfrm>
+              <a:prstGeom prst="rect">
+                <a:avLst/>
+              </a:prstGeom>
+              <a:blipFill>
+                <a:blip r:embed="rId8"/>
+                <a:stretch>
+                  <a:fillRect l="-4651" t="-19048" b="-38095"/>
+                </a:stretch>
+              </a:blipFill>
+            </p:spPr>
+            <p:txBody>
+              <a:bodyPr/>
+              <a:lstStyle/>
+              <a:p>
+                <a:r>
+                  <a:rPr lang="pt-BR">
+                    <a:noFill/>
+                  </a:rPr>
+                  <a:t> </a:t>
+                </a:r>
+              </a:p>
+            </p:txBody>
+          </p:sp>
+        </mc:Fallback>
+      </mc:AlternateContent>
+      <p:sp>
+        <p:nvSpPr>
+          <p:cNvPr id="44" name="CaixaDeTexto 43">
+            <a:extLst>
+              <a:ext uri="{FF2B5EF4-FFF2-40B4-BE49-F238E27FC236}">
+                <a16:creationId xmlns:a16="http://schemas.microsoft.com/office/drawing/2014/main" id="{BC87A4D5-AA99-2106-583F-FA2424468AA0}"/>
+              </a:ext>
+            </a:extLst>
+          </p:cNvPr>
+          <p:cNvSpPr txBox="1"/>
+          <p:nvPr/>
+        </p:nvSpPr>
+        <p:spPr>
+          <a:xfrm>
+            <a:off x="7478460" y="1801894"/>
+            <a:ext cx="2789869" cy="707886"/>
+          </a:xfrm>
+          <a:prstGeom prst="rect">
+            <a:avLst/>
+          </a:prstGeom>
+          <a:noFill/>
+        </p:spPr>
+        <p:txBody>
+          <a:bodyPr wrap="square" rtlCol="0">
+            <a:spAutoFit/>
+          </a:bodyPr>
+          <a:lstStyle/>
+          <a:p>
+            <a:pPr algn="r"/>
+            <a:r>
+              <a:rPr lang="pt-BR" sz="2000" dirty="0">
+                <a:latin typeface="Nunito" pitchFamily="2" charset="77"/>
+              </a:rPr>
+              <a:t>Chance de uma mulher não ser fumante</a:t>
+            </a:r>
+            <a:endParaRPr lang="pt-BR" sz="2000" dirty="0"/>
+          </a:p>
+        </p:txBody>
+      </p:sp>
+      <p:cxnSp>
+        <p:nvCxnSpPr>
+          <p:cNvPr id="46" name="Conector Reto 45">
+            <a:extLst>
+              <a:ext uri="{FF2B5EF4-FFF2-40B4-BE49-F238E27FC236}">
+                <a16:creationId xmlns:a16="http://schemas.microsoft.com/office/drawing/2014/main" id="{EB340A0E-2621-B11F-1F8E-D503FB8C1C06}"/>
+              </a:ext>
+            </a:extLst>
+          </p:cNvPr>
+          <p:cNvCxnSpPr/>
+          <p:nvPr/>
+        </p:nvCxnSpPr>
+        <p:spPr>
+          <a:xfrm flipV="1">
+            <a:off x="4357687" y="3486151"/>
+            <a:ext cx="1428750" cy="114300"/>
+          </a:xfrm>
+          <a:prstGeom prst="line">
+            <a:avLst/>
+          </a:prstGeom>
+          <a:ln w="38100">
+            <a:solidFill>
+              <a:srgbClr val="2794A0"/>
+            </a:solidFill>
+          </a:ln>
+        </p:spPr>
+        <p:style>
+          <a:lnRef idx="1">
+            <a:schemeClr val="accent1"/>
+          </a:lnRef>
+          <a:fillRef idx="0">
+            <a:schemeClr val="accent1"/>
+          </a:fillRef>
+          <a:effectRef idx="0">
+            <a:schemeClr val="accent1"/>
+          </a:effectRef>
+          <a:fontRef idx="minor">
+            <a:schemeClr val="tx1"/>
+          </a:fontRef>
+        </p:style>
+      </p:cxnSp>
+      <p:cxnSp>
+        <p:nvCxnSpPr>
+          <p:cNvPr id="47" name="Conector Reto 46">
+            <a:extLst>
+              <a:ext uri="{FF2B5EF4-FFF2-40B4-BE49-F238E27FC236}">
+                <a16:creationId xmlns:a16="http://schemas.microsoft.com/office/drawing/2014/main" id="{D20F14F6-0DF1-C82D-A804-1CD001659135}"/>
+              </a:ext>
+            </a:extLst>
+          </p:cNvPr>
+          <p:cNvCxnSpPr/>
+          <p:nvPr/>
+        </p:nvCxnSpPr>
+        <p:spPr>
+          <a:xfrm flipV="1">
+            <a:off x="4375154" y="3958247"/>
+            <a:ext cx="1428750" cy="114300"/>
+          </a:xfrm>
+          <a:prstGeom prst="line">
+            <a:avLst/>
+          </a:prstGeom>
+          <a:ln w="38100">
+            <a:solidFill>
+              <a:srgbClr val="2794A0"/>
+            </a:solidFill>
+          </a:ln>
+        </p:spPr>
+        <p:style>
+          <a:lnRef idx="1">
+            <a:schemeClr val="accent1"/>
+          </a:lnRef>
+          <a:fillRef idx="0">
+            <a:schemeClr val="accent1"/>
+          </a:fillRef>
+          <a:effectRef idx="0">
+            <a:schemeClr val="accent1"/>
+          </a:effectRef>
+          <a:fontRef idx="minor">
+            <a:schemeClr val="tx1"/>
+          </a:fontRef>
+        </p:style>
+      </p:cxnSp>
+      <p:pic>
+        <p:nvPicPr>
+          <p:cNvPr id="51" name="Imagem 50">
+            <a:extLst>
+              <a:ext uri="{FF2B5EF4-FFF2-40B4-BE49-F238E27FC236}">
+                <a16:creationId xmlns:a16="http://schemas.microsoft.com/office/drawing/2014/main" id="{B2FFA1FE-77DD-3B44-D046-D3A4DB9DEA87}"/>
+              </a:ext>
+            </a:extLst>
+          </p:cNvPr>
+          <p:cNvPicPr>
+            <a:picLocks noChangeAspect="1"/>
+          </p:cNvPicPr>
+          <p:nvPr/>
+        </p:nvPicPr>
+        <p:blipFill>
+          <a:blip r:embed="rId9"/>
+          <a:stretch>
+            <a:fillRect/>
+          </a:stretch>
+        </p:blipFill>
+        <p:spPr>
+          <a:xfrm>
+            <a:off x="7065962" y="1629569"/>
+            <a:ext cx="7467600" cy="5740400"/>
+          </a:xfrm>
+          <a:prstGeom prst="rect">
+            <a:avLst/>
+          </a:prstGeom>
+        </p:spPr>
+      </p:pic>
+    </p:spTree>
+    <p:extLst>
+      <p:ext uri="{BB962C8B-B14F-4D97-AF65-F5344CB8AC3E}">
+        <p14:creationId xmlns:p14="http://schemas.microsoft.com/office/powerpoint/2010/main" val="2079283714"/>
+      </p:ext>
+    </p:extLst>
+  </p:cSld>
+  <p:clrMapOvr>
+    <a:masterClrMapping/>
+  </p:clrMapOvr>
+</p:sld>
+</file>
+
+<file path=ppt/slides/slide4.xml><?xml version="1.0" encoding="utf-8"?>
 <p:sld xmlns:a="http://schemas.openxmlformats.org/drawingml/2006/main" xmlns:r="http://schemas.openxmlformats.org/officeDocument/2006/relationships" xmlns:p="http://schemas.openxmlformats.org/presentationml/2006/main">
   <p:cSld>
     <p:spTree>
@@ -6305,7 +11220,7 @@
           <p:nvPr>
             <p:extLst>
               <p:ext uri="{D42A27DB-BD31-4B8C-83A1-F6EECF244321}">
-                <p14:modId xmlns:p14="http://schemas.microsoft.com/office/powerpoint/2010/main" val="4159323844"/>
+                <p14:modId xmlns:p14="http://schemas.microsoft.com/office/powerpoint/2010/main" val="2049634609"/>
               </p:ext>
             </p:extLst>
           </p:nvPr>
@@ -6921,7 +11836,7 @@
                       <a:r>
                         <a:rPr lang="pt-BR" sz="2000" b="1" i="0" u="none" strike="noStrike" dirty="0">
                           <a:solidFill>
-                            <a:srgbClr val="B5284B"/>
+                            <a:srgbClr val="2794A0"/>
                           </a:solidFill>
                           <a:effectLst/>
                           <a:latin typeface="Nunito" pitchFamily="2" charset="77"/>
@@ -6959,9 +11874,9 @@
                     <a:p>
                       <a:pPr algn="ctr" fontAlgn="b"/>
                       <a:r>
-                        <a:rPr lang="pt-BR" sz="2000" b="0" i="0" u="none" strike="noStrike" dirty="0">
+                        <a:rPr lang="pt-BR" sz="2000" b="1" i="0" u="none" strike="noStrike" dirty="0">
                           <a:solidFill>
-                            <a:srgbClr val="000000"/>
+                            <a:srgbClr val="2794A0"/>
                           </a:solidFill>
                           <a:effectLst/>
                           <a:latin typeface="Nunito" pitchFamily="2" charset="77"/>
@@ -7098,9 +12013,9 @@
                     <a:p>
                       <a:pPr algn="ctr" fontAlgn="b"/>
                       <a:r>
-                        <a:rPr lang="pt-BR" sz="2000" b="1" i="0" u="none" strike="noStrike" dirty="0">
+                        <a:rPr lang="pt-BR" sz="2000" b="0" i="0" u="none" strike="noStrike" dirty="0">
                           <a:solidFill>
-                            <a:srgbClr val="B5284B"/>
+                            <a:schemeClr val="tx1"/>
                           </a:solidFill>
                           <a:effectLst/>
                           <a:latin typeface="Nunito" pitchFamily="2" charset="77"/>
@@ -7906,7 +12821,7 @@
         <p:spPr>
           <a:xfrm>
             <a:off x="3823912" y="6446756"/>
-            <a:ext cx="771365" cy="400110"/>
+            <a:ext cx="1603324" cy="400110"/>
           </a:xfrm>
           <a:prstGeom prst="rect">
             <a:avLst/>
@@ -7923,7 +12838,7 @@
               <a:rPr lang="pt-BR" sz="2000" dirty="0">
                 <a:latin typeface="Nunito" pitchFamily="2" charset="77"/>
               </a:rPr>
-              <a:t>= 0,8</a:t>
+              <a:t>= 0,8 = 80%</a:t>
             </a:r>
           </a:p>
         </p:txBody>
@@ -8381,7 +13296,7 @@
           <p:nvPr>
             <p:extLst>
               <p:ext uri="{D42A27DB-BD31-4B8C-83A1-F6EECF244321}">
-                <p14:modId xmlns:p14="http://schemas.microsoft.com/office/powerpoint/2010/main" val="3025082630"/>
+                <p14:modId xmlns:p14="http://schemas.microsoft.com/office/powerpoint/2010/main" val="1794502794"/>
               </p:ext>
             </p:extLst>
           </p:nvPr>
@@ -8995,9 +13910,9 @@
                     <a:p>
                       <a:pPr algn="ctr" fontAlgn="b"/>
                       <a:r>
-                        <a:rPr lang="pt-BR" sz="2000" b="0" i="0" u="none" strike="noStrike" dirty="0">
+                        <a:rPr lang="pt-BR" sz="2000" b="1" i="0" u="none" strike="noStrike" dirty="0">
                           <a:solidFill>
-                            <a:schemeClr val="tx1"/>
+                            <a:srgbClr val="2794A0"/>
                           </a:solidFill>
                           <a:effectLst/>
                           <a:latin typeface="Nunito" pitchFamily="2" charset="77"/>
@@ -9174,9 +14089,9 @@
                     <a:p>
                       <a:pPr algn="ctr" fontAlgn="b"/>
                       <a:r>
-                        <a:rPr lang="pt-BR" sz="2000" b="1" i="0" u="none" strike="noStrike" dirty="0">
+                        <a:rPr lang="pt-BR" sz="2000" b="0" i="0" u="none" strike="noStrike" dirty="0">
                           <a:solidFill>
-                            <a:srgbClr val="2794A0"/>
+                            <a:schemeClr val="tx1"/>
                           </a:solidFill>
                           <a:effectLst/>
                           <a:latin typeface="Nunito" pitchFamily="2" charset="77"/>
@@ -10307,7 +15222,7 @@
 </p:sld>
 </file>
 
-<file path=ppt/slides/slide3.xml><?xml version="1.0" encoding="utf-8"?>
+<file path=ppt/slides/slide5.xml><?xml version="1.0" encoding="utf-8"?>
 <p:sld xmlns:a="http://schemas.openxmlformats.org/drawingml/2006/main" xmlns:r="http://schemas.openxmlformats.org/officeDocument/2006/relationships" xmlns:p="http://schemas.openxmlformats.org/presentationml/2006/main">
   <p:cSld>
     <p:spTree>
@@ -12572,7 +17487,7 @@
 </p:sld>
 </file>
 
-<file path=ppt/slides/slide4.xml><?xml version="1.0" encoding="utf-8"?>
+<file path=ppt/slides/slide6.xml><?xml version="1.0" encoding="utf-8"?>
 <p:sld xmlns:a="http://schemas.openxmlformats.org/drawingml/2006/main" xmlns:r="http://schemas.openxmlformats.org/officeDocument/2006/relationships" xmlns:p="http://schemas.openxmlformats.org/presentationml/2006/main">
   <p:cSld>
     <p:spTree>
